--- a/Presentation/presentation.pptx
+++ b/Presentation/presentation.pptx
@@ -112,6 +112,11 @@
       </a:defRPr>
     </a:lvl9pPr>
   </p:defaultTextStyle>
+  <p:extLst>
+    <p:ext uri="{EFAFB233-063F-42B5-8137-9DF3F51BA10A}">
+      <p15:sldGuideLst xmlns:p15="http://schemas.microsoft.com/office/powerpoint/2012/main"/>
+    </p:ext>
+  </p:extLst>
 </p:presentation>
 </file>
 
@@ -2579,6 +2584,13 @@
         </dgm:presLayoutVars>
       </dgm:prSet>
       <dgm:spPr/>
+      <dgm:t>
+        <a:bodyPr/>
+        <a:lstStyle/>
+        <a:p>
+          <a:endParaRPr lang="en-US"/>
+        </a:p>
+      </dgm:t>
     </dgm:pt>
     <dgm:pt modelId="{59407BF7-29C5-405C-975C-9D1A5EB655A3}" type="pres">
       <dgm:prSet presAssocID="{C4C53234-3213-4368-88A9-930EFEF91980}" presName="Name1" presStyleCnt="0"/>
@@ -2591,6 +2603,13 @@
     <dgm:pt modelId="{102B0FEB-2C79-4C0B-A880-F173FA41F8E2}" type="pres">
       <dgm:prSet presAssocID="{1DDEE0F4-85B9-4C67-B163-9BDC9367848B}" presName="pictureRepeatNode" presStyleLbl="alignImgPlace1" presStyleIdx="0" presStyleCnt="4"/>
       <dgm:spPr/>
+      <dgm:t>
+        <a:bodyPr/>
+        <a:lstStyle/>
+        <a:p>
+          <a:endParaRPr lang="en-US"/>
+        </a:p>
+      </dgm:t>
     </dgm:pt>
     <dgm:pt modelId="{C816E364-B771-48D9-B2C9-859663A9D561}" type="pres">
       <dgm:prSet presAssocID="{AE275C5B-AC70-4207-91EF-755936294302}" presName="text_1" presStyleLbl="node1" presStyleIdx="0" presStyleCnt="0" custScaleX="188900" custScaleY="153893" custLinFactNeighborX="-3865" custLinFactNeighborY="63953">
@@ -2599,6 +2618,13 @@
         </dgm:presLayoutVars>
       </dgm:prSet>
       <dgm:spPr/>
+      <dgm:t>
+        <a:bodyPr/>
+        <a:lstStyle/>
+        <a:p>
+          <a:endParaRPr lang="en-US"/>
+        </a:p>
+      </dgm:t>
     </dgm:pt>
     <dgm:pt modelId="{C3CB34C7-1D99-45B8-B58B-B4BCD3E68A3A}" type="pres">
       <dgm:prSet presAssocID="{00FD0FE4-32D4-4203-B9CD-7B297559F427}" presName="picture_2" presStyleCnt="0"/>
@@ -2607,6 +2633,13 @@
     <dgm:pt modelId="{EB7BFFA1-D2BB-4660-9BEB-812D414C080F}" type="pres">
       <dgm:prSet presAssocID="{00FD0FE4-32D4-4203-B9CD-7B297559F427}" presName="pictureRepeatNode" presStyleLbl="alignImgPlace1" presStyleIdx="1" presStyleCnt="4"/>
       <dgm:spPr/>
+      <dgm:t>
+        <a:bodyPr/>
+        <a:lstStyle/>
+        <a:p>
+          <a:endParaRPr lang="en-US"/>
+        </a:p>
+      </dgm:t>
     </dgm:pt>
     <dgm:pt modelId="{2D87F9F4-6A8E-4D0C-B5F9-2C5E8C115BB6}" type="pres">
       <dgm:prSet presAssocID="{B6A152AC-72EB-48A0-A30A-C453773710CA}" presName="line_2" presStyleLbl="parChTrans1D1" presStyleIdx="0" presStyleCnt="3"/>
@@ -2623,6 +2656,13 @@
         </dgm:presLayoutVars>
       </dgm:prSet>
       <dgm:spPr/>
+      <dgm:t>
+        <a:bodyPr/>
+        <a:lstStyle/>
+        <a:p>
+          <a:endParaRPr lang="en-US"/>
+        </a:p>
+      </dgm:t>
     </dgm:pt>
     <dgm:pt modelId="{206B5F70-BC81-4760-AFCC-3B5ED85841C9}" type="pres">
       <dgm:prSet presAssocID="{CA45F54F-D211-4917-A20F-D5793168AB49}" presName="picture_3" presStyleCnt="0"/>
@@ -2631,6 +2671,13 @@
     <dgm:pt modelId="{D9F18C37-13F1-4897-BD78-B2D73C9CEC35}" type="pres">
       <dgm:prSet presAssocID="{CA45F54F-D211-4917-A20F-D5793168AB49}" presName="pictureRepeatNode" presStyleLbl="alignImgPlace1" presStyleIdx="2" presStyleCnt="4"/>
       <dgm:spPr/>
+      <dgm:t>
+        <a:bodyPr/>
+        <a:lstStyle/>
+        <a:p>
+          <a:endParaRPr lang="en-US"/>
+        </a:p>
+      </dgm:t>
     </dgm:pt>
     <dgm:pt modelId="{29385226-9B4C-4F58-8457-5AB3AA1AC5BB}" type="pres">
       <dgm:prSet presAssocID="{F43D0A97-9A95-46F8-8564-082E9F0546C8}" presName="line_3" presStyleLbl="parChTrans1D1" presStyleIdx="1" presStyleCnt="3"/>
@@ -2647,6 +2694,13 @@
         </dgm:presLayoutVars>
       </dgm:prSet>
       <dgm:spPr/>
+      <dgm:t>
+        <a:bodyPr/>
+        <a:lstStyle/>
+        <a:p>
+          <a:endParaRPr lang="en-US"/>
+        </a:p>
+      </dgm:t>
     </dgm:pt>
     <dgm:pt modelId="{E3A8385A-4DC4-4686-9098-BD5AA0AD7479}" type="pres">
       <dgm:prSet presAssocID="{7F463E72-92EE-41EF-B3B9-4BAC291896E0}" presName="picture_4" presStyleCnt="0"/>
@@ -2655,6 +2709,13 @@
     <dgm:pt modelId="{1316DF12-97B7-4861-B69C-4366EB4DCF88}" type="pres">
       <dgm:prSet presAssocID="{7F463E72-92EE-41EF-B3B9-4BAC291896E0}" presName="pictureRepeatNode" presStyleLbl="alignImgPlace1" presStyleIdx="3" presStyleCnt="4"/>
       <dgm:spPr/>
+      <dgm:t>
+        <a:bodyPr/>
+        <a:lstStyle/>
+        <a:p>
+          <a:endParaRPr lang="en-US"/>
+        </a:p>
+      </dgm:t>
     </dgm:pt>
     <dgm:pt modelId="{81D5D1AA-DFA1-4FA1-83F7-791B095C9940}" type="pres">
       <dgm:prSet presAssocID="{673E9CE8-CF2A-4A35-847F-F0A3C22FB728}" presName="line_4" presStyleLbl="parChTrans1D1" presStyleIdx="2" presStyleCnt="3"/>
@@ -2671,22 +2732,29 @@
         </dgm:presLayoutVars>
       </dgm:prSet>
       <dgm:spPr/>
+      <dgm:t>
+        <a:bodyPr/>
+        <a:lstStyle/>
+        <a:p>
+          <a:endParaRPr lang="en-US"/>
+        </a:p>
+      </dgm:t>
     </dgm:pt>
   </dgm:ptLst>
   <dgm:cxnLst>
-    <dgm:cxn modelId="{82ACFF0D-DA25-42A8-AA5F-8F16D7085DB8}" type="presOf" srcId="{7F463E72-92EE-41EF-B3B9-4BAC291896E0}" destId="{1316DF12-97B7-4861-B69C-4366EB4DCF88}" srcOrd="0" destOrd="0" presId="urn:microsoft.com/office/officeart/2008/layout/CircularPictureCallout"/>
-    <dgm:cxn modelId="{17268132-A501-4AAC-9A28-D4F94874DB43}" srcId="{C4C53234-3213-4368-88A9-930EFEF91980}" destId="{B6A152AC-72EB-48A0-A30A-C453773710CA}" srcOrd="1" destOrd="0" parTransId="{97D88E08-B330-4AAE-A010-E8AFFA3FEF61}" sibTransId="{00FD0FE4-32D4-4203-B9CD-7B297559F427}"/>
     <dgm:cxn modelId="{C8647BF2-59BB-4249-ABC9-4C9DBEB278E0}" type="presOf" srcId="{F43D0A97-9A95-46F8-8564-082E9F0546C8}" destId="{B7871CA1-FC24-42BC-A70F-44A5D62C8E6F}" srcOrd="0" destOrd="0" presId="urn:microsoft.com/office/officeart/2008/layout/CircularPictureCallout"/>
     <dgm:cxn modelId="{CA72C562-CA1B-4B43-96C3-0C9E926D6F04}" srcId="{C4C53234-3213-4368-88A9-930EFEF91980}" destId="{673E9CE8-CF2A-4A35-847F-F0A3C22FB728}" srcOrd="3" destOrd="0" parTransId="{9DFE0EC1-34DC-4BA9-B82A-39CA4AB6EF37}" sibTransId="{7F463E72-92EE-41EF-B3B9-4BAC291896E0}"/>
-    <dgm:cxn modelId="{4B4D960B-8D1F-4735-82CF-72329878B8C3}" type="presOf" srcId="{1DDEE0F4-85B9-4C67-B163-9BDC9367848B}" destId="{102B0FEB-2C79-4C0B-A880-F173FA41F8E2}" srcOrd="0" destOrd="0" presId="urn:microsoft.com/office/officeart/2008/layout/CircularPictureCallout"/>
     <dgm:cxn modelId="{9F177584-9B62-4E7E-A93E-DA96E32B4C83}" type="presOf" srcId="{AE275C5B-AC70-4207-91EF-755936294302}" destId="{C816E364-B771-48D9-B2C9-859663A9D561}" srcOrd="0" destOrd="0" presId="urn:microsoft.com/office/officeart/2008/layout/CircularPictureCallout"/>
-    <dgm:cxn modelId="{2B867044-D4A9-4D48-B3CF-26E0CEF4FA9D}" type="presOf" srcId="{C4C53234-3213-4368-88A9-930EFEF91980}" destId="{5C4EE896-9C72-4607-BD3E-8C0048BE7FC8}" srcOrd="0" destOrd="0" presId="urn:microsoft.com/office/officeart/2008/layout/CircularPictureCallout"/>
+    <dgm:cxn modelId="{82ACFF0D-DA25-42A8-AA5F-8F16D7085DB8}" type="presOf" srcId="{7F463E72-92EE-41EF-B3B9-4BAC291896E0}" destId="{1316DF12-97B7-4861-B69C-4366EB4DCF88}" srcOrd="0" destOrd="0" presId="urn:microsoft.com/office/officeart/2008/layout/CircularPictureCallout"/>
     <dgm:cxn modelId="{D8A0546B-E1C0-486F-9F8A-6F5186CF0F60}" type="presOf" srcId="{673E9CE8-CF2A-4A35-847F-F0A3C22FB728}" destId="{2D3711F3-3265-4495-99D9-F46D42216CE5}" srcOrd="0" destOrd="0" presId="urn:microsoft.com/office/officeart/2008/layout/CircularPictureCallout"/>
     <dgm:cxn modelId="{FE96E287-9413-4792-B283-723285973F44}" type="presOf" srcId="{B6A152AC-72EB-48A0-A30A-C453773710CA}" destId="{026D53AE-A1FD-47DE-A160-0750354F5DB6}" srcOrd="0" destOrd="0" presId="urn:microsoft.com/office/officeart/2008/layout/CircularPictureCallout"/>
+    <dgm:cxn modelId="{17268132-A501-4AAC-9A28-D4F94874DB43}" srcId="{C4C53234-3213-4368-88A9-930EFEF91980}" destId="{B6A152AC-72EB-48A0-A30A-C453773710CA}" srcOrd="1" destOrd="0" parTransId="{97D88E08-B330-4AAE-A010-E8AFFA3FEF61}" sibTransId="{00FD0FE4-32D4-4203-B9CD-7B297559F427}"/>
+    <dgm:cxn modelId="{8CC261A9-A395-46B8-B429-525E3302B853}" type="presOf" srcId="{CA45F54F-D211-4917-A20F-D5793168AB49}" destId="{D9F18C37-13F1-4897-BD78-B2D73C9CEC35}" srcOrd="0" destOrd="0" presId="urn:microsoft.com/office/officeart/2008/layout/CircularPictureCallout"/>
+    <dgm:cxn modelId="{4B4D960B-8D1F-4735-82CF-72329878B8C3}" type="presOf" srcId="{1DDEE0F4-85B9-4C67-B163-9BDC9367848B}" destId="{102B0FEB-2C79-4C0B-A880-F173FA41F8E2}" srcOrd="0" destOrd="0" presId="urn:microsoft.com/office/officeart/2008/layout/CircularPictureCallout"/>
+    <dgm:cxn modelId="{7AF4785A-5315-4EDF-863B-8424B7B41A23}" srcId="{C4C53234-3213-4368-88A9-930EFEF91980}" destId="{AE275C5B-AC70-4207-91EF-755936294302}" srcOrd="0" destOrd="0" parTransId="{EC60BBB7-768A-41A3-AFC8-6F08F1C68415}" sibTransId="{1DDEE0F4-85B9-4C67-B163-9BDC9367848B}"/>
     <dgm:cxn modelId="{61F46924-CBC8-46E6-980F-B9265667FE21}" srcId="{C4C53234-3213-4368-88A9-930EFEF91980}" destId="{F43D0A97-9A95-46F8-8564-082E9F0546C8}" srcOrd="2" destOrd="0" parTransId="{A4C14CF5-6E52-433F-9E6F-50092EA350C2}" sibTransId="{CA45F54F-D211-4917-A20F-D5793168AB49}"/>
-    <dgm:cxn modelId="{8CC261A9-A395-46B8-B429-525E3302B853}" type="presOf" srcId="{CA45F54F-D211-4917-A20F-D5793168AB49}" destId="{D9F18C37-13F1-4897-BD78-B2D73C9CEC35}" srcOrd="0" destOrd="0" presId="urn:microsoft.com/office/officeart/2008/layout/CircularPictureCallout"/>
+    <dgm:cxn modelId="{2B867044-D4A9-4D48-B3CF-26E0CEF4FA9D}" type="presOf" srcId="{C4C53234-3213-4368-88A9-930EFEF91980}" destId="{5C4EE896-9C72-4607-BD3E-8C0048BE7FC8}" srcOrd="0" destOrd="0" presId="urn:microsoft.com/office/officeart/2008/layout/CircularPictureCallout"/>
     <dgm:cxn modelId="{8479A11C-3F72-4E6D-AABB-76A6E3EC2729}" type="presOf" srcId="{00FD0FE4-32D4-4203-B9CD-7B297559F427}" destId="{EB7BFFA1-D2BB-4660-9BEB-812D414C080F}" srcOrd="0" destOrd="0" presId="urn:microsoft.com/office/officeart/2008/layout/CircularPictureCallout"/>
-    <dgm:cxn modelId="{7AF4785A-5315-4EDF-863B-8424B7B41A23}" srcId="{C4C53234-3213-4368-88A9-930EFEF91980}" destId="{AE275C5B-AC70-4207-91EF-755936294302}" srcOrd="0" destOrd="0" parTransId="{EC60BBB7-768A-41A3-AFC8-6F08F1C68415}" sibTransId="{1DDEE0F4-85B9-4C67-B163-9BDC9367848B}"/>
     <dgm:cxn modelId="{E01530C0-9DDA-4644-B769-9FA1D89D1800}" type="presParOf" srcId="{5C4EE896-9C72-4607-BD3E-8C0048BE7FC8}" destId="{59407BF7-29C5-405C-975C-9D1A5EB655A3}" srcOrd="0" destOrd="0" presId="urn:microsoft.com/office/officeart/2008/layout/CircularPictureCallout"/>
     <dgm:cxn modelId="{EB3B6E88-18A7-4D0D-956B-BB87D65930E9}" type="presParOf" srcId="{59407BF7-29C5-405C-975C-9D1A5EB655A3}" destId="{19106FDC-772C-4972-9BEC-53BEFC1B24C6}" srcOrd="0" destOrd="0" presId="urn:microsoft.com/office/officeart/2008/layout/CircularPictureCallout"/>
     <dgm:cxn modelId="{F7B46231-63E5-428D-A79A-24D9C89FA313}" type="presParOf" srcId="{19106FDC-772C-4972-9BEC-53BEFC1B24C6}" destId="{102B0FEB-2C79-4C0B-A880-F173FA41F8E2}" srcOrd="0" destOrd="0" presId="urn:microsoft.com/office/officeart/2008/layout/CircularPictureCallout"/>
@@ -2893,6 +2961,13 @@
         </dgm:presLayoutVars>
       </dgm:prSet>
       <dgm:spPr/>
+      <dgm:t>
+        <a:bodyPr/>
+        <a:lstStyle/>
+        <a:p>
+          <a:endParaRPr lang="en-US"/>
+        </a:p>
+      </dgm:t>
     </dgm:pt>
     <dgm:pt modelId="{59407BF7-29C5-405C-975C-9D1A5EB655A3}" type="pres">
       <dgm:prSet presAssocID="{C4C53234-3213-4368-88A9-930EFEF91980}" presName="Name1" presStyleCnt="0"/>
@@ -2905,6 +2980,13 @@
     <dgm:pt modelId="{102B0FEB-2C79-4C0B-A880-F173FA41F8E2}" type="pres">
       <dgm:prSet presAssocID="{1DDEE0F4-85B9-4C67-B163-9BDC9367848B}" presName="pictureRepeatNode" presStyleLbl="alignImgPlace1" presStyleIdx="0" presStyleCnt="3"/>
       <dgm:spPr/>
+      <dgm:t>
+        <a:bodyPr/>
+        <a:lstStyle/>
+        <a:p>
+          <a:endParaRPr lang="en-US"/>
+        </a:p>
+      </dgm:t>
     </dgm:pt>
     <dgm:pt modelId="{C816E364-B771-48D9-B2C9-859663A9D561}" type="pres">
       <dgm:prSet presAssocID="{AE275C5B-AC70-4207-91EF-755936294302}" presName="text_1" presStyleLbl="node1" presStyleIdx="0" presStyleCnt="0" custLinFactNeighborX="-7345" custLinFactNeighborY="98956">
@@ -2928,6 +3010,13 @@
     <dgm:pt modelId="{6F9F7AF7-0896-4453-8938-36BFA1083524}" type="pres">
       <dgm:prSet presAssocID="{E435992D-AFB1-4DE0-AC24-DD0F1F27C2AD}" presName="pictureRepeatNode" presStyleLbl="alignImgPlace1" presStyleIdx="1" presStyleCnt="3"/>
       <dgm:spPr/>
+      <dgm:t>
+        <a:bodyPr/>
+        <a:lstStyle/>
+        <a:p>
+          <a:endParaRPr lang="en-US"/>
+        </a:p>
+      </dgm:t>
     </dgm:pt>
     <dgm:pt modelId="{8E3C74F7-8E7E-406C-8F07-CAA80534AC2B}" type="pres">
       <dgm:prSet presAssocID="{029BBB8D-2C0E-45C1-A3E1-998C6C29AE9F}" presName="line_2" presStyleLbl="parChTrans1D1" presStyleIdx="0" presStyleCnt="2"/>
@@ -2944,6 +3033,13 @@
         </dgm:presLayoutVars>
       </dgm:prSet>
       <dgm:spPr/>
+      <dgm:t>
+        <a:bodyPr/>
+        <a:lstStyle/>
+        <a:p>
+          <a:endParaRPr lang="en-US"/>
+        </a:p>
+      </dgm:t>
     </dgm:pt>
     <dgm:pt modelId="{206B5F70-BC81-4760-AFCC-3B5ED85841C9}" type="pres">
       <dgm:prSet presAssocID="{CA45F54F-D211-4917-A20F-D5793168AB49}" presName="picture_3" presStyleCnt="0"/>
@@ -2952,6 +3048,13 @@
     <dgm:pt modelId="{D9F18C37-13F1-4897-BD78-B2D73C9CEC35}" type="pres">
       <dgm:prSet presAssocID="{CA45F54F-D211-4917-A20F-D5793168AB49}" presName="pictureRepeatNode" presStyleLbl="alignImgPlace1" presStyleIdx="2" presStyleCnt="3"/>
       <dgm:spPr/>
+      <dgm:t>
+        <a:bodyPr/>
+        <a:lstStyle/>
+        <a:p>
+          <a:endParaRPr lang="en-US"/>
+        </a:p>
+      </dgm:t>
     </dgm:pt>
     <dgm:pt modelId="{29385226-9B4C-4F58-8457-5AB3AA1AC5BB}" type="pres">
       <dgm:prSet presAssocID="{F43D0A97-9A95-46F8-8564-082E9F0546C8}" presName="line_3" presStyleLbl="parChTrans1D1" presStyleIdx="1" presStyleCnt="2"/>
@@ -2968,6 +3071,13 @@
         </dgm:presLayoutVars>
       </dgm:prSet>
       <dgm:spPr/>
+      <dgm:t>
+        <a:bodyPr/>
+        <a:lstStyle/>
+        <a:p>
+          <a:endParaRPr lang="en-US"/>
+        </a:p>
+      </dgm:t>
     </dgm:pt>
   </dgm:ptLst>
   <dgm:cxnLst>
@@ -3182,6 +3292,13 @@
         </dgm:presLayoutVars>
       </dgm:prSet>
       <dgm:spPr/>
+      <dgm:t>
+        <a:bodyPr/>
+        <a:lstStyle/>
+        <a:p>
+          <a:endParaRPr lang="en-US"/>
+        </a:p>
+      </dgm:t>
     </dgm:pt>
     <dgm:pt modelId="{59407BF7-29C5-405C-975C-9D1A5EB655A3}" type="pres">
       <dgm:prSet presAssocID="{C4C53234-3213-4368-88A9-930EFEF91980}" presName="Name1" presStyleCnt="0"/>
@@ -3194,6 +3311,13 @@
     <dgm:pt modelId="{102B0FEB-2C79-4C0B-A880-F173FA41F8E2}" type="pres">
       <dgm:prSet presAssocID="{1DDEE0F4-85B9-4C67-B163-9BDC9367848B}" presName="pictureRepeatNode" presStyleLbl="alignImgPlace1" presStyleIdx="0" presStyleCnt="3"/>
       <dgm:spPr/>
+      <dgm:t>
+        <a:bodyPr/>
+        <a:lstStyle/>
+        <a:p>
+          <a:endParaRPr lang="en-US"/>
+        </a:p>
+      </dgm:t>
     </dgm:pt>
     <dgm:pt modelId="{C816E364-B771-48D9-B2C9-859663A9D561}" type="pres">
       <dgm:prSet presAssocID="{AE275C5B-AC70-4207-91EF-755936294302}" presName="text_1" presStyleLbl="node1" presStyleIdx="0" presStyleCnt="0" custScaleX="178006" custLinFactY="1205" custLinFactNeighborX="11149" custLinFactNeighborY="100000">
@@ -3217,6 +3341,13 @@
     <dgm:pt modelId="{6F9F7AF7-0896-4453-8938-36BFA1083524}" type="pres">
       <dgm:prSet presAssocID="{E435992D-AFB1-4DE0-AC24-DD0F1F27C2AD}" presName="pictureRepeatNode" presStyleLbl="alignImgPlace1" presStyleIdx="1" presStyleCnt="3"/>
       <dgm:spPr/>
+      <dgm:t>
+        <a:bodyPr/>
+        <a:lstStyle/>
+        <a:p>
+          <a:endParaRPr lang="en-US"/>
+        </a:p>
+      </dgm:t>
     </dgm:pt>
     <dgm:pt modelId="{8E3C74F7-8E7E-406C-8F07-CAA80534AC2B}" type="pres">
       <dgm:prSet presAssocID="{029BBB8D-2C0E-45C1-A3E1-998C6C29AE9F}" presName="line_2" presStyleLbl="parChTrans1D1" presStyleIdx="0" presStyleCnt="2"/>
@@ -3233,6 +3364,13 @@
         </dgm:presLayoutVars>
       </dgm:prSet>
       <dgm:spPr/>
+      <dgm:t>
+        <a:bodyPr/>
+        <a:lstStyle/>
+        <a:p>
+          <a:endParaRPr lang="en-US"/>
+        </a:p>
+      </dgm:t>
     </dgm:pt>
     <dgm:pt modelId="{206B5F70-BC81-4760-AFCC-3B5ED85841C9}" type="pres">
       <dgm:prSet presAssocID="{CA45F54F-D211-4917-A20F-D5793168AB49}" presName="picture_3" presStyleCnt="0"/>
@@ -3241,6 +3379,13 @@
     <dgm:pt modelId="{D9F18C37-13F1-4897-BD78-B2D73C9CEC35}" type="pres">
       <dgm:prSet presAssocID="{CA45F54F-D211-4917-A20F-D5793168AB49}" presName="pictureRepeatNode" presStyleLbl="alignImgPlace1" presStyleIdx="2" presStyleCnt="3"/>
       <dgm:spPr/>
+      <dgm:t>
+        <a:bodyPr/>
+        <a:lstStyle/>
+        <a:p>
+          <a:endParaRPr lang="en-US"/>
+        </a:p>
+      </dgm:t>
     </dgm:pt>
     <dgm:pt modelId="{29385226-9B4C-4F58-8457-5AB3AA1AC5BB}" type="pres">
       <dgm:prSet presAssocID="{F43D0A97-9A95-46F8-8564-082E9F0546C8}" presName="line_3" presStyleLbl="parChTrans1D1" presStyleIdx="1" presStyleCnt="2"/>
@@ -3257,19 +3402,26 @@
         </dgm:presLayoutVars>
       </dgm:prSet>
       <dgm:spPr/>
+      <dgm:t>
+        <a:bodyPr/>
+        <a:lstStyle/>
+        <a:p>
+          <a:endParaRPr lang="en-US"/>
+        </a:p>
+      </dgm:t>
     </dgm:pt>
   </dgm:ptLst>
   <dgm:cxnLst>
+    <dgm:cxn modelId="{29E6C10A-3DA8-4970-BC3F-A171A548F531}" srcId="{C4C53234-3213-4368-88A9-930EFEF91980}" destId="{029BBB8D-2C0E-45C1-A3E1-998C6C29AE9F}" srcOrd="1" destOrd="0" parTransId="{678E5589-1D09-47DD-876E-FB5E4F7F7C89}" sibTransId="{E435992D-AFB1-4DE0-AC24-DD0F1F27C2AD}"/>
+    <dgm:cxn modelId="{4ADDA705-C781-49E5-94FE-31965450E837}" type="presOf" srcId="{E435992D-AFB1-4DE0-AC24-DD0F1F27C2AD}" destId="{6F9F7AF7-0896-4453-8938-36BFA1083524}" srcOrd="0" destOrd="0" presId="urn:microsoft.com/office/officeart/2008/layout/CircularPictureCallout"/>
+    <dgm:cxn modelId="{C763898F-65FB-4A06-B42C-FD2B56074315}" type="presOf" srcId="{029BBB8D-2C0E-45C1-A3E1-998C6C29AE9F}" destId="{4A44FB93-5AA3-4163-B2BE-401183C04FA2}" srcOrd="0" destOrd="0" presId="urn:microsoft.com/office/officeart/2008/layout/CircularPictureCallout"/>
+    <dgm:cxn modelId="{DB922D12-1259-45E0-8390-408A76998975}" type="presOf" srcId="{C4C53234-3213-4368-88A9-930EFEF91980}" destId="{5C4EE896-9C72-4607-BD3E-8C0048BE7FC8}" srcOrd="0" destOrd="0" presId="urn:microsoft.com/office/officeart/2008/layout/CircularPictureCallout"/>
+    <dgm:cxn modelId="{E3E879CE-D6F5-40DA-A3AA-D31CD0BFDE71}" type="presOf" srcId="{AE275C5B-AC70-4207-91EF-755936294302}" destId="{C816E364-B771-48D9-B2C9-859663A9D561}" srcOrd="0" destOrd="0" presId="urn:microsoft.com/office/officeart/2008/layout/CircularPictureCallout"/>
     <dgm:cxn modelId="{7AF4785A-5315-4EDF-863B-8424B7B41A23}" srcId="{C4C53234-3213-4368-88A9-930EFEF91980}" destId="{AE275C5B-AC70-4207-91EF-755936294302}" srcOrd="0" destOrd="0" parTransId="{EC60BBB7-768A-41A3-AFC8-6F08F1C68415}" sibTransId="{1DDEE0F4-85B9-4C67-B163-9BDC9367848B}"/>
+    <dgm:cxn modelId="{61F46924-CBC8-46E6-980F-B9265667FE21}" srcId="{C4C53234-3213-4368-88A9-930EFEF91980}" destId="{F43D0A97-9A95-46F8-8564-082E9F0546C8}" srcOrd="2" destOrd="0" parTransId="{A4C14CF5-6E52-433F-9E6F-50092EA350C2}" sibTransId="{CA45F54F-D211-4917-A20F-D5793168AB49}"/>
+    <dgm:cxn modelId="{21E7C66A-9D55-44A1-8285-141419A79BBC}" type="presOf" srcId="{1DDEE0F4-85B9-4C67-B163-9BDC9367848B}" destId="{102B0FEB-2C79-4C0B-A880-F173FA41F8E2}" srcOrd="0" destOrd="0" presId="urn:microsoft.com/office/officeart/2008/layout/CircularPictureCallout"/>
+    <dgm:cxn modelId="{BC14EF28-30BF-4068-BB3E-30D830DC08C4}" type="presOf" srcId="{F43D0A97-9A95-46F8-8564-082E9F0546C8}" destId="{B7871CA1-FC24-42BC-A70F-44A5D62C8E6F}" srcOrd="0" destOrd="0" presId="urn:microsoft.com/office/officeart/2008/layout/CircularPictureCallout"/>
     <dgm:cxn modelId="{498B8EE1-A771-4882-98F1-DB7BDE050835}" type="presOf" srcId="{CA45F54F-D211-4917-A20F-D5793168AB49}" destId="{D9F18C37-13F1-4897-BD78-B2D73C9CEC35}" srcOrd="0" destOrd="0" presId="urn:microsoft.com/office/officeart/2008/layout/CircularPictureCallout"/>
-    <dgm:cxn modelId="{21E7C66A-9D55-44A1-8285-141419A79BBC}" type="presOf" srcId="{1DDEE0F4-85B9-4C67-B163-9BDC9367848B}" destId="{102B0FEB-2C79-4C0B-A880-F173FA41F8E2}" srcOrd="0" destOrd="0" presId="urn:microsoft.com/office/officeart/2008/layout/CircularPictureCallout"/>
-    <dgm:cxn modelId="{61F46924-CBC8-46E6-980F-B9265667FE21}" srcId="{C4C53234-3213-4368-88A9-930EFEF91980}" destId="{F43D0A97-9A95-46F8-8564-082E9F0546C8}" srcOrd="2" destOrd="0" parTransId="{A4C14CF5-6E52-433F-9E6F-50092EA350C2}" sibTransId="{CA45F54F-D211-4917-A20F-D5793168AB49}"/>
-    <dgm:cxn modelId="{DB922D12-1259-45E0-8390-408A76998975}" type="presOf" srcId="{C4C53234-3213-4368-88A9-930EFEF91980}" destId="{5C4EE896-9C72-4607-BD3E-8C0048BE7FC8}" srcOrd="0" destOrd="0" presId="urn:microsoft.com/office/officeart/2008/layout/CircularPictureCallout"/>
-    <dgm:cxn modelId="{C763898F-65FB-4A06-B42C-FD2B56074315}" type="presOf" srcId="{029BBB8D-2C0E-45C1-A3E1-998C6C29AE9F}" destId="{4A44FB93-5AA3-4163-B2BE-401183C04FA2}" srcOrd="0" destOrd="0" presId="urn:microsoft.com/office/officeart/2008/layout/CircularPictureCallout"/>
-    <dgm:cxn modelId="{E3E879CE-D6F5-40DA-A3AA-D31CD0BFDE71}" type="presOf" srcId="{AE275C5B-AC70-4207-91EF-755936294302}" destId="{C816E364-B771-48D9-B2C9-859663A9D561}" srcOrd="0" destOrd="0" presId="urn:microsoft.com/office/officeart/2008/layout/CircularPictureCallout"/>
-    <dgm:cxn modelId="{4ADDA705-C781-49E5-94FE-31965450E837}" type="presOf" srcId="{E435992D-AFB1-4DE0-AC24-DD0F1F27C2AD}" destId="{6F9F7AF7-0896-4453-8938-36BFA1083524}" srcOrd="0" destOrd="0" presId="urn:microsoft.com/office/officeart/2008/layout/CircularPictureCallout"/>
-    <dgm:cxn modelId="{BC14EF28-30BF-4068-BB3E-30D830DC08C4}" type="presOf" srcId="{F43D0A97-9A95-46F8-8564-082E9F0546C8}" destId="{B7871CA1-FC24-42BC-A70F-44A5D62C8E6F}" srcOrd="0" destOrd="0" presId="urn:microsoft.com/office/officeart/2008/layout/CircularPictureCallout"/>
-    <dgm:cxn modelId="{29E6C10A-3DA8-4970-BC3F-A171A548F531}" srcId="{C4C53234-3213-4368-88A9-930EFEF91980}" destId="{029BBB8D-2C0E-45C1-A3E1-998C6C29AE9F}" srcOrd="1" destOrd="0" parTransId="{678E5589-1D09-47DD-876E-FB5E4F7F7C89}" sibTransId="{E435992D-AFB1-4DE0-AC24-DD0F1F27C2AD}"/>
     <dgm:cxn modelId="{8981923D-E619-43E7-94B7-A6B8DDFBBC84}" type="presParOf" srcId="{5C4EE896-9C72-4607-BD3E-8C0048BE7FC8}" destId="{59407BF7-29C5-405C-975C-9D1A5EB655A3}" srcOrd="0" destOrd="0" presId="urn:microsoft.com/office/officeart/2008/layout/CircularPictureCallout"/>
     <dgm:cxn modelId="{54F831CF-8471-427E-B7C1-4EDA7C27FFA2}" type="presParOf" srcId="{59407BF7-29C5-405C-975C-9D1A5EB655A3}" destId="{19106FDC-772C-4972-9BEC-53BEFC1B24C6}" srcOrd="0" destOrd="0" presId="urn:microsoft.com/office/officeart/2008/layout/CircularPictureCallout"/>
     <dgm:cxn modelId="{57E128D6-8155-4883-A94F-8FE092AA470C}" type="presParOf" srcId="{19106FDC-772C-4972-9BEC-53BEFC1B24C6}" destId="{102B0FEB-2C79-4C0B-A880-F173FA41F8E2}" srcOrd="0" destOrd="0" presId="urn:microsoft.com/office/officeart/2008/layout/CircularPictureCallout"/>
@@ -12154,7 +12306,7 @@
           <a:p>
             <a:fld id="{F30D3E5C-54A7-4528-BDDF-01FBEEBE66CB}" type="datetimeFigureOut">
               <a:rPr lang="en-US" smtClean="0"/>
-              <a:t>5/12/2017</a:t>
+              <a:t>5/14/2017</a:t>
             </a:fld>
             <a:endParaRPr lang="en-US"/>
           </a:p>
@@ -12732,7 +12884,7 @@
           <a:p>
             <a:fld id="{F77EC70F-367E-45EB-B5C2-4853AA75D428}" type="datetime1">
               <a:rPr lang="el-GR" smtClean="0"/>
-              <a:t>12/5/2017</a:t>
+              <a:t>14/5/2017</a:t>
             </a:fld>
             <a:endParaRPr lang="en-US" dirty="0"/>
           </a:p>
@@ -12935,7 +13087,7 @@
           <a:p>
             <a:fld id="{94697406-E51B-421F-95C7-80199EDD855E}" type="datetime1">
               <a:rPr lang="el-GR" smtClean="0"/>
-              <a:t>12/5/2017</a:t>
+              <a:t>14/5/2017</a:t>
             </a:fld>
             <a:endParaRPr lang="en-US" dirty="0"/>
           </a:p>
@@ -13186,7 +13338,7 @@
           <a:p>
             <a:fld id="{35BD2430-BEDB-47DC-B5D6-65F510B8D3E6}" type="datetime1">
               <a:rPr lang="el-GR" smtClean="0"/>
-              <a:t>12/5/2017</a:t>
+              <a:t>14/5/2017</a:t>
             </a:fld>
             <a:endParaRPr lang="en-US" dirty="0"/>
           </a:p>
@@ -13351,7 +13503,7 @@
           <a:p>
             <a:fld id="{22E279BB-DED9-410E-8FEC-CEA95333E796}" type="datetime1">
               <a:rPr lang="el-GR" smtClean="0"/>
-              <a:t>12/5/2017</a:t>
+              <a:t>14/5/2017</a:t>
             </a:fld>
             <a:endParaRPr lang="en-US" dirty="0"/>
           </a:p>
@@ -13689,7 +13841,7 @@
           <a:p>
             <a:fld id="{C7C5EAC2-1CBD-44B3-9461-CAA818137EAE}" type="datetime1">
               <a:rPr lang="el-GR" smtClean="0"/>
-              <a:t>12/5/2017</a:t>
+              <a:t>14/5/2017</a:t>
             </a:fld>
             <a:endParaRPr lang="en-US" dirty="0"/>
           </a:p>
@@ -13959,7 +14111,7 @@
           <a:p>
             <a:fld id="{A0B95F6B-FA42-409F-AFFD-715D57E83AF6}" type="datetime1">
               <a:rPr lang="el-GR" smtClean="0"/>
-              <a:t>12/5/2017</a:t>
+              <a:t>14/5/2017</a:t>
             </a:fld>
             <a:endParaRPr lang="en-US" dirty="0"/>
           </a:p>
@@ -14333,7 +14485,7 @@
           <a:p>
             <a:fld id="{AD18157C-3A44-4B11-AF9B-8356EE9744B5}" type="datetime1">
               <a:rPr lang="el-GR" smtClean="0"/>
-              <a:t>12/5/2017</a:t>
+              <a:t>14/5/2017</a:t>
             </a:fld>
             <a:endParaRPr lang="en-US" dirty="0"/>
           </a:p>
@@ -14446,7 +14598,7 @@
           <a:p>
             <a:fld id="{4CBBCA6E-4133-4050-AF0B-B6751C6E6538}" type="datetime1">
               <a:rPr lang="el-GR" smtClean="0"/>
-              <a:t>12/5/2017</a:t>
+              <a:t>14/5/2017</a:t>
             </a:fld>
             <a:endParaRPr lang="en-US" dirty="0"/>
           </a:p>
@@ -14612,7 +14764,7 @@
           <a:p>
             <a:fld id="{F1CB0962-87E1-4920-BA47-2F3EA2464F44}" type="datetime1">
               <a:rPr lang="el-GR" smtClean="0"/>
-              <a:t>12/5/2017</a:t>
+              <a:t>14/5/2017</a:t>
             </a:fld>
             <a:endParaRPr lang="en-US" dirty="0"/>
           </a:p>
@@ -14962,7 +15114,7 @@
           <a:p>
             <a:fld id="{7B015344-DEFE-41B0-AAEF-85227DB49554}" type="datetime1">
               <a:rPr lang="el-GR" smtClean="0"/>
-              <a:t>12/5/2017</a:t>
+              <a:t>14/5/2017</a:t>
             </a:fld>
             <a:endParaRPr lang="en-US" dirty="0"/>
           </a:p>
@@ -15335,7 +15487,7 @@
           <a:p>
             <a:fld id="{CF831ED5-CB0E-4B0A-8F72-993DE5469671}" type="datetime1">
               <a:rPr lang="el-GR" smtClean="0"/>
-              <a:t>12/5/2017</a:t>
+              <a:t>14/5/2017</a:t>
             </a:fld>
             <a:endParaRPr lang="en-US" dirty="0"/>
           </a:p>
@@ -15617,7 +15769,7 @@
           <a:p>
             <a:fld id="{BF33152B-F8A0-4997-A953-BC4B77002F58}" type="datetime1">
               <a:rPr lang="el-GR" smtClean="0"/>
-              <a:t>12/5/2017</a:t>
+              <a:t>14/5/2017</a:t>
             </a:fld>
             <a:endParaRPr lang="en-US" dirty="0"/>
           </a:p>
@@ -16209,7 +16361,7 @@
           <a:p>
             <a:fld id="{DC5DC580-1DB4-44A6-B9B1-B554EE0B7245}" type="datetime1">
               <a:rPr lang="el-GR" smtClean="0"/>
-              <a:t>12/5/2017</a:t>
+              <a:t>14/5/2017</a:t>
             </a:fld>
             <a:endParaRPr lang="en-US" dirty="0"/>
           </a:p>
@@ -16798,13 +16950,13 @@
           <p:nvPr>
             <p:extLst>
               <p:ext uri="{D42A27DB-BD31-4B8C-83A1-F6EECF244321}">
-                <p14:modId xmlns:p14="http://schemas.microsoft.com/office/powerpoint/2010/main" val="2162339682"/>
+                <p14:modId xmlns:p14="http://schemas.microsoft.com/office/powerpoint/2010/main" val="3547918674"/>
               </p:ext>
             </p:extLst>
           </p:nvPr>
         </p:nvGraphicFramePr>
         <p:xfrm>
-          <a:off x="3935231" y="3588314"/>
+          <a:off x="4569077" y="3574629"/>
           <a:ext cx="2799773" cy="2875588"/>
         </p:xfrm>
         <a:graphic>
@@ -16919,7 +17071,7 @@
         </p:nvSpPr>
         <p:spPr>
           <a:xfrm>
-            <a:off x="6511505" y="4365683"/>
+            <a:off x="7145351" y="4351998"/>
             <a:ext cx="2913050" cy="307777"/>
           </a:xfrm>
           <a:prstGeom prst="rect">
@@ -16957,7 +17109,7 @@
         </p:nvSpPr>
         <p:spPr>
           <a:xfrm>
-            <a:off x="6423756" y="5296940"/>
+            <a:off x="7057602" y="5283255"/>
             <a:ext cx="5027025" cy="307777"/>
           </a:xfrm>
           <a:prstGeom prst="rect">
@@ -17109,8 +17261,8 @@
         </p:nvSpPr>
         <p:spPr>
           <a:xfrm>
-            <a:off x="342899" y="4632923"/>
-            <a:ext cx="3226652" cy="1569660"/>
+            <a:off x="342898" y="4632923"/>
+            <a:ext cx="3906983" cy="1569660"/>
           </a:xfrm>
           <a:prstGeom prst="rect">
             <a:avLst/>
@@ -17129,7 +17281,11 @@
               </a:buBlip>
             </a:pPr>
             <a:r>
-              <a:rPr lang="en-US" sz="1600" dirty="0" smtClean="0"/>
+              <a:rPr lang="en-US" sz="1600" dirty="0" smtClean="0">
+                <a:solidFill>
+                  <a:srgbClr val="00B050"/>
+                </a:solidFill>
+              </a:rPr>
               <a:t>Incentives can be provided by municipalities or by total cities</a:t>
             </a:r>
           </a:p>
@@ -17140,19 +17296,35 @@
               </a:buBlip>
             </a:pPr>
             <a:r>
-              <a:rPr lang="en-US" sz="1600" dirty="0" smtClean="0"/>
+              <a:rPr lang="en-US" sz="1600" dirty="0" smtClean="0">
+                <a:solidFill>
+                  <a:srgbClr val="00B050"/>
+                </a:solidFill>
+              </a:rPr>
               <a:t>Citizens would get benefits from buying the app</a:t>
             </a:r>
           </a:p>
           <a:p>
-            <a:endParaRPr lang="en-US" sz="1600" dirty="0" smtClean="0"/>
+            <a:endParaRPr lang="en-US" sz="1600" dirty="0" smtClean="0">
+              <a:solidFill>
+                <a:srgbClr val="00B050"/>
+              </a:solidFill>
+            </a:endParaRPr>
           </a:p>
           <a:p>
             <a:r>
-              <a:rPr lang="en-US" sz="1600" dirty="0" smtClean="0"/>
+              <a:rPr lang="en-US" sz="1600" dirty="0" smtClean="0">
+                <a:solidFill>
+                  <a:srgbClr val="00B050"/>
+                </a:solidFill>
+              </a:rPr>
               <a:t> </a:t>
             </a:r>
-            <a:endParaRPr lang="en-US" sz="1600" dirty="0"/>
+            <a:endParaRPr lang="en-US" sz="1600" dirty="0">
+              <a:solidFill>
+                <a:srgbClr val="00B050"/>
+              </a:solidFill>
+            </a:endParaRPr>
           </a:p>
         </p:txBody>
       </p:sp>
@@ -17210,7 +17382,7 @@
           <a:p>
             <a:r>
               <a:rPr lang="en-US" dirty="0" smtClean="0"/>
-              <a:t>How</a:t>
+              <a:t>Architecture / Innovation</a:t>
             </a:r>
             <a:endParaRPr lang="en-US" dirty="0"/>
           </a:p>
@@ -17270,7 +17442,7 @@
         </p:nvGrpSpPr>
         <p:grpSpPr>
           <a:xfrm>
-            <a:off x="421287" y="4525603"/>
+            <a:off x="4397219" y="4963503"/>
             <a:ext cx="2446864" cy="1352980"/>
             <a:chOff x="810345" y="1952704"/>
             <a:chExt cx="3023755" cy="1712419"/>
@@ -17365,7 +17537,7 @@
         </p:nvGrpSpPr>
         <p:grpSpPr>
           <a:xfrm>
-            <a:off x="4647658" y="4535800"/>
+            <a:off x="-56581" y="4969467"/>
             <a:ext cx="2229141" cy="1186681"/>
             <a:chOff x="3537813" y="2096494"/>
             <a:chExt cx="3023755" cy="1578522"/>
@@ -17475,8 +17647,8 @@
         </p:blipFill>
         <p:spPr bwMode="auto">
           <a:xfrm>
-            <a:off x="8180883" y="4487937"/>
-            <a:ext cx="1133191" cy="1133191"/>
+            <a:off x="9169636" y="4986012"/>
+            <a:ext cx="914993" cy="914993"/>
           </a:xfrm>
           <a:prstGeom prst="rect">
             <a:avLst/>
@@ -17501,7 +17673,7 @@
         </p:nvSpPr>
         <p:spPr>
           <a:xfrm>
-            <a:off x="7837837" y="5643637"/>
+            <a:off x="8764393" y="5901005"/>
             <a:ext cx="1819281" cy="369332"/>
           </a:xfrm>
           <a:prstGeom prst="rect">
@@ -17538,7 +17710,7 @@
         </p:nvGrpSpPr>
         <p:grpSpPr>
           <a:xfrm>
-            <a:off x="2190555" y="3563171"/>
+            <a:off x="2719853" y="3791256"/>
             <a:ext cx="1839480" cy="624063"/>
             <a:chOff x="2285710" y="3084192"/>
             <a:chExt cx="1839480" cy="1014380"/>
@@ -17622,8 +17794,8 @@
         </p:nvGrpSpPr>
         <p:grpSpPr>
           <a:xfrm>
-            <a:off x="2180164" y="2905721"/>
-            <a:ext cx="1855411" cy="420613"/>
+            <a:off x="2707153" y="2846897"/>
+            <a:ext cx="1855411" cy="589932"/>
             <a:chOff x="2285710" y="3084192"/>
             <a:chExt cx="1839480" cy="1014380"/>
           </a:xfrm>
@@ -17662,7 +17834,7 @@
             <a:lstStyle/>
             <a:p>
               <a:pPr algn="ctr"/>
-              <a:endParaRPr lang="en-US"/>
+              <a:endParaRPr lang="en-US" sz="1400"/>
             </a:p>
           </p:txBody>
         </p:sp>
@@ -17675,7 +17847,7 @@
           <p:spPr>
             <a:xfrm>
               <a:off x="2337259" y="3129717"/>
-              <a:ext cx="1751837" cy="369332"/>
+              <a:ext cx="1751837" cy="529218"/>
             </a:xfrm>
             <a:prstGeom prst="rect">
               <a:avLst/>
@@ -17690,10 +17862,10 @@
             <a:p>
               <a:pPr algn="ctr"/>
               <a:r>
-                <a:rPr lang="en-US" dirty="0" smtClean="0"/>
+                <a:rPr lang="en-US" sz="1400" dirty="0" smtClean="0"/>
                 <a:t>Gather points </a:t>
               </a:r>
-              <a:endParaRPr lang="en-US" dirty="0"/>
+              <a:endParaRPr lang="en-US" sz="1400" dirty="0"/>
             </a:p>
           </p:txBody>
         </p:sp>
@@ -17706,7 +17878,7 @@
         </p:nvGrpSpPr>
         <p:grpSpPr>
           <a:xfrm>
-            <a:off x="7827446" y="3356234"/>
+            <a:off x="6407138" y="2809702"/>
             <a:ext cx="1839480" cy="627126"/>
             <a:chOff x="2285710" y="3084192"/>
             <a:chExt cx="1839480" cy="1014380"/>
@@ -17777,7 +17949,6 @@
                 <a:rPr lang="en-US" sz="1400" dirty="0"/>
                 <a:t>Calculate CO2 emission per user car</a:t>
               </a:r>
-              <a:endParaRPr lang="en-US" sz="1400" dirty="0"/>
             </a:p>
           </p:txBody>
         </p:sp>
@@ -17790,7 +17961,7 @@
         </p:nvGrpSpPr>
         <p:grpSpPr>
           <a:xfrm>
-            <a:off x="2185704" y="2092462"/>
+            <a:off x="4399311" y="1914970"/>
             <a:ext cx="1839480" cy="591057"/>
             <a:chOff x="2285710" y="3084192"/>
             <a:chExt cx="1839480" cy="1014380"/>
@@ -17830,7 +18001,7 @@
             <a:lstStyle/>
             <a:p>
               <a:pPr algn="ctr"/>
-              <a:endParaRPr lang="en-US" sz="1600"/>
+              <a:endParaRPr lang="en-US" sz="1400"/>
             </a:p>
           </p:txBody>
         </p:sp>
@@ -17842,8 +18013,8 @@
           </p:nvSpPr>
           <p:spPr>
             <a:xfrm>
-              <a:off x="2337259" y="3129717"/>
-              <a:ext cx="1751837" cy="816480"/>
+              <a:off x="2337259" y="3129716"/>
+              <a:ext cx="1751837" cy="528211"/>
             </a:xfrm>
             <a:prstGeom prst="rect">
               <a:avLst/>
@@ -17858,10 +18029,10 @@
             <a:p>
               <a:pPr algn="ctr"/>
               <a:r>
-                <a:rPr lang="en-US" sz="1600" dirty="0" smtClean="0"/>
+                <a:rPr lang="en-US" sz="1400" dirty="0" smtClean="0"/>
                 <a:t>Provide incentives</a:t>
               </a:r>
-              <a:endParaRPr lang="en-US" sz="1600" dirty="0"/>
+              <a:endParaRPr lang="en-US" sz="1400" dirty="0"/>
             </a:p>
           </p:txBody>
         </p:sp>
@@ -17876,9 +18047,9 @@
           <p:nvPr/>
         </p:nvCxnSpPr>
         <p:spPr>
-          <a:xfrm rot="5400000" flipH="1" flipV="1">
-            <a:off x="2208323" y="3623632"/>
-            <a:ext cx="338369" cy="1465575"/>
+          <a:xfrm rot="16200000" flipV="1">
+            <a:off x="4356031" y="3698881"/>
+            <a:ext cx="548184" cy="1981059"/>
           </a:xfrm>
           <a:prstGeom prst="bentConnector3">
             <a:avLst/>
@@ -17909,15 +18080,18 @@
           <p:nvPr/>
         </p:nvCxnSpPr>
         <p:spPr>
-          <a:xfrm rot="16200000" flipV="1">
-            <a:off x="4261980" y="3035549"/>
-            <a:ext cx="348566" cy="2651935"/>
+          <a:xfrm rot="5400000" flipH="1" flipV="1">
+            <a:off x="2071718" y="3401592"/>
+            <a:ext cx="554148" cy="2581602"/>
           </a:xfrm>
           <a:prstGeom prst="bentConnector3">
             <a:avLst>
               <a:gd name="adj1" fmla="val 50000"/>
             </a:avLst>
           </a:prstGeom>
+          <a:ln>
+            <a:tailEnd type="triangle"/>
+          </a:ln>
         </p:spPr>
         <p:style>
           <a:lnRef idx="1">
@@ -17945,12 +18119,15 @@
         </p:nvCxnSpPr>
         <p:spPr>
           <a:xfrm rot="16200000" flipV="1">
-            <a:off x="2990665" y="3443540"/>
-            <a:ext cx="236837" cy="2425"/>
+            <a:off x="3460013" y="3611676"/>
+            <a:ext cx="354427" cy="4734"/>
           </a:xfrm>
           <a:prstGeom prst="bentConnector3">
             <a:avLst/>
           </a:prstGeom>
+          <a:ln>
+            <a:tailEnd type="triangle"/>
+          </a:ln>
         </p:spPr>
         <p:style>
           <a:lnRef idx="1">
@@ -17977,9 +18154,9 @@
           <p:nvPr/>
         </p:nvCxnSpPr>
         <p:spPr>
-          <a:xfrm rot="16200000" flipV="1">
-            <a:off x="2995556" y="2793407"/>
-            <a:ext cx="222202" cy="2426"/>
+          <a:xfrm rot="5400000" flipH="1" flipV="1">
+            <a:off x="4306520" y="1834366"/>
+            <a:ext cx="340870" cy="1684192"/>
           </a:xfrm>
           <a:prstGeom prst="bentConnector3">
             <a:avLst/>
@@ -18005,51 +18182,22 @@
           <p:cNvPr id="2056" name="Gewinkelte Verbindung 2055"/>
           <p:cNvCxnSpPr>
             <a:stCxn id="2054" idx="0"/>
-            <a:endCxn id="24" idx="2"/>
+            <a:endCxn id="24" idx="3"/>
           </p:cNvCxnSpPr>
           <p:nvPr/>
         </p:nvCxnSpPr>
         <p:spPr>
           <a:xfrm rot="16200000" flipV="1">
-            <a:off x="8495045" y="4235502"/>
-            <a:ext cx="504577" cy="293"/>
-          </a:xfrm>
-          <a:prstGeom prst="bentConnector3">
-            <a:avLst/>
-          </a:prstGeom>
-        </p:spPr>
-        <p:style>
-          <a:lnRef idx="1">
-            <a:schemeClr val="accent1"/>
-          </a:lnRef>
-          <a:fillRef idx="0">
-            <a:schemeClr val="accent1"/>
-          </a:fillRef>
-          <a:effectRef idx="0">
-            <a:schemeClr val="accent1"/>
-          </a:effectRef>
-          <a:fontRef idx="minor">
-            <a:schemeClr val="tx1"/>
-          </a:fontRef>
-        </p:style>
-      </p:cxnSp>
-      <p:cxnSp>
-        <p:nvCxnSpPr>
-          <p:cNvPr id="2058" name="Gewinkelte Verbindung 2057"/>
-          <p:cNvCxnSpPr>
-            <a:stCxn id="24" idx="0"/>
-            <a:endCxn id="21" idx="3"/>
-          </p:cNvCxnSpPr>
-          <p:nvPr/>
-        </p:nvCxnSpPr>
-        <p:spPr>
-          <a:xfrm rot="16200000" flipV="1">
-            <a:off x="6271278" y="880325"/>
-            <a:ext cx="240206" cy="4711611"/>
+            <a:off x="8005503" y="3364381"/>
+            <a:ext cx="1862747" cy="1380515"/>
           </a:xfrm>
           <a:prstGeom prst="bentConnector2">
             <a:avLst/>
           </a:prstGeom>
+          <a:ln>
+            <a:headEnd type="none"/>
+            <a:tailEnd type="triangle"/>
+          </a:ln>
         </p:spPr>
         <p:style>
           <a:lnRef idx="1">
@@ -18074,7 +18222,7 @@
         </p:nvGrpSpPr>
         <p:grpSpPr>
           <a:xfrm>
-            <a:off x="4836623" y="3566124"/>
+            <a:off x="416520" y="3783819"/>
             <a:ext cx="1839480" cy="624063"/>
             <a:chOff x="4836623" y="3566124"/>
             <a:chExt cx="1839480" cy="624063"/>
@@ -18175,18 +18323,214 @@
         <p:nvCxnSpPr>
           <p:cNvPr id="2060" name="Gewinkelte Verbindung 2059"/>
           <p:cNvCxnSpPr>
-            <a:stCxn id="44" idx="1"/>
-            <a:endCxn id="13" idx="3"/>
+            <a:stCxn id="44" idx="3"/>
+            <a:endCxn id="13" idx="1"/>
           </p:cNvCxnSpPr>
           <p:nvPr/>
         </p:nvCxnSpPr>
         <p:spPr>
-          <a:xfrm rot="10800000">
-            <a:off x="4030035" y="3875204"/>
-            <a:ext cx="806588" cy="2953"/>
+          <a:xfrm>
+            <a:off x="2256000" y="4095851"/>
+            <a:ext cx="463853" cy="7437"/>
+          </a:xfrm>
+          <a:prstGeom prst="bentConnector3">
+            <a:avLst>
+              <a:gd name="adj1" fmla="val 50000"/>
+            </a:avLst>
+          </a:prstGeom>
+          <a:ln>
+            <a:tailEnd type="triangle"/>
+          </a:ln>
+        </p:spPr>
+        <p:style>
+          <a:lnRef idx="1">
+            <a:schemeClr val="accent1"/>
+          </a:lnRef>
+          <a:fillRef idx="0">
+            <a:schemeClr val="accent1"/>
+          </a:fillRef>
+          <a:effectRef idx="0">
+            <a:schemeClr val="accent1"/>
+          </a:effectRef>
+          <a:fontRef idx="minor">
+            <a:schemeClr val="tx1"/>
+          </a:fontRef>
+        </p:style>
+      </p:cxnSp>
+      <p:grpSp>
+        <p:nvGrpSpPr>
+          <p:cNvPr id="35" name="Gruppieren 34"/>
+          <p:cNvGrpSpPr/>
+          <p:nvPr/>
+        </p:nvGrpSpPr>
+        <p:grpSpPr>
+          <a:xfrm>
+            <a:off x="6404474" y="3768838"/>
+            <a:ext cx="1839480" cy="627126"/>
+            <a:chOff x="2285710" y="3084192"/>
+            <a:chExt cx="1839480" cy="1014380"/>
+          </a:xfrm>
+        </p:grpSpPr>
+        <p:sp>
+          <p:nvSpPr>
+            <p:cNvPr id="36" name="Abgerundetes Rechteck 35"/>
+            <p:cNvSpPr/>
+            <p:nvPr/>
+          </p:nvSpPr>
+          <p:spPr>
+            <a:xfrm>
+              <a:off x="2285710" y="3084192"/>
+              <a:ext cx="1839480" cy="1014380"/>
+            </a:xfrm>
+            <a:prstGeom prst="roundRect">
+              <a:avLst/>
+            </a:prstGeom>
+          </p:spPr>
+          <p:style>
+            <a:lnRef idx="1">
+              <a:schemeClr val="accent5"/>
+            </a:lnRef>
+            <a:fillRef idx="2">
+              <a:schemeClr val="accent5"/>
+            </a:fillRef>
+            <a:effectRef idx="1">
+              <a:schemeClr val="accent5"/>
+            </a:effectRef>
+            <a:fontRef idx="minor">
+              <a:schemeClr val="dk1"/>
+            </a:fontRef>
+          </p:style>
+          <p:txBody>
+            <a:bodyPr rtlCol="0" anchor="ctr"/>
+            <a:lstStyle/>
+            <a:p>
+              <a:pPr algn="ctr"/>
+              <a:endParaRPr lang="en-US" sz="1400"/>
+            </a:p>
+          </p:txBody>
+        </p:sp>
+        <p:sp>
+          <p:nvSpPr>
+            <p:cNvPr id="37" name="Textfeld 36"/>
+            <p:cNvSpPr txBox="1"/>
+            <p:nvPr/>
+          </p:nvSpPr>
+          <p:spPr>
+            <a:xfrm>
+              <a:off x="2337259" y="3129717"/>
+              <a:ext cx="1751837" cy="497831"/>
+            </a:xfrm>
+            <a:prstGeom prst="rect">
+              <a:avLst/>
+            </a:prstGeom>
+            <a:noFill/>
+          </p:spPr>
+          <p:txBody>
+            <a:bodyPr wrap="square" rtlCol="0">
+              <a:spAutoFit/>
+            </a:bodyPr>
+            <a:lstStyle/>
+            <a:p>
+              <a:pPr algn="ctr"/>
+              <a:r>
+                <a:rPr lang="en-US" sz="1400" dirty="0" smtClean="0"/>
+                <a:t>Get Traffic data</a:t>
+              </a:r>
+              <a:endParaRPr lang="en-US" sz="1400" dirty="0"/>
+            </a:p>
+          </p:txBody>
+        </p:sp>
+      </p:grpSp>
+      <p:cxnSp>
+        <p:nvCxnSpPr>
+          <p:cNvPr id="16" name="Gewinkelte Verbindung 15"/>
+          <p:cNvCxnSpPr>
+            <a:stCxn id="2050" idx="3"/>
+            <a:endCxn id="36" idx="2"/>
+          </p:cNvCxnSpPr>
+          <p:nvPr/>
+        </p:nvCxnSpPr>
+        <p:spPr>
+          <a:xfrm flipV="1">
+            <a:off x="6238791" y="4395964"/>
+            <a:ext cx="1085423" cy="1171077"/>
+          </a:xfrm>
+          <a:prstGeom prst="bentConnector2">
+            <a:avLst/>
+          </a:prstGeom>
+          <a:ln>
+            <a:tailEnd type="triangle"/>
+          </a:ln>
+        </p:spPr>
+        <p:style>
+          <a:lnRef idx="1">
+            <a:schemeClr val="accent1"/>
+          </a:lnRef>
+          <a:fillRef idx="0">
+            <a:schemeClr val="accent1"/>
+          </a:fillRef>
+          <a:effectRef idx="0">
+            <a:schemeClr val="accent1"/>
+          </a:effectRef>
+          <a:fontRef idx="minor">
+            <a:schemeClr val="tx1"/>
+          </a:fontRef>
+        </p:style>
+      </p:cxnSp>
+      <p:cxnSp>
+        <p:nvCxnSpPr>
+          <p:cNvPr id="2055" name="Gewinkelte Verbindung 2054"/>
+          <p:cNvCxnSpPr>
+            <a:stCxn id="36" idx="0"/>
+            <a:endCxn id="24" idx="2"/>
+          </p:cNvCxnSpPr>
+          <p:nvPr/>
+        </p:nvCxnSpPr>
+        <p:spPr>
+          <a:xfrm rot="5400000" flipH="1" flipV="1">
+            <a:off x="7159541" y="3601501"/>
+            <a:ext cx="332010" cy="2664"/>
           </a:xfrm>
           <a:prstGeom prst="bentConnector3">
             <a:avLst/>
+          </a:prstGeom>
+          <a:ln>
+            <a:tailEnd type="triangle"/>
+          </a:ln>
+        </p:spPr>
+        <p:style>
+          <a:lnRef idx="1">
+            <a:schemeClr val="accent1"/>
+          </a:lnRef>
+          <a:fillRef idx="0">
+            <a:schemeClr val="accent1"/>
+          </a:fillRef>
+          <a:effectRef idx="0">
+            <a:schemeClr val="accent1"/>
+          </a:effectRef>
+          <a:fontRef idx="minor">
+            <a:schemeClr val="tx1"/>
+          </a:fontRef>
+        </p:style>
+      </p:cxnSp>
+      <p:cxnSp>
+        <p:nvCxnSpPr>
+          <p:cNvPr id="2059" name="Gewinkelte Verbindung 2058"/>
+          <p:cNvCxnSpPr>
+            <a:stCxn id="24" idx="0"/>
+            <a:endCxn id="27" idx="2"/>
+          </p:cNvCxnSpPr>
+          <p:nvPr/>
+        </p:nvCxnSpPr>
+        <p:spPr>
+          <a:xfrm rot="16200000" flipV="1">
+            <a:off x="6171128" y="1653951"/>
+            <a:ext cx="303675" cy="2007827"/>
+          </a:xfrm>
+          <a:prstGeom prst="bentConnector3">
+            <a:avLst>
+              <a:gd name="adj1" fmla="val 43157"/>
+            </a:avLst>
           </a:prstGeom>
           <a:ln>
             <a:tailEnd type="triangle"/>

--- a/Presentation/presentation.pptx
+++ b/Presentation/presentation.pptx
@@ -5,7 +5,7 @@
     <p:sldMasterId id="2147483648" r:id="rId1"/>
   </p:sldMasterIdLst>
   <p:notesMasterIdLst>
-    <p:notesMasterId r:id="rId8"/>
+    <p:notesMasterId r:id="rId9"/>
   </p:notesMasterIdLst>
   <p:sldIdLst>
     <p:sldId id="256" r:id="rId2"/>
@@ -13,7 +13,8 @@
     <p:sldId id="259" r:id="rId4"/>
     <p:sldId id="258" r:id="rId5"/>
     <p:sldId id="260" r:id="rId6"/>
-    <p:sldId id="261" r:id="rId7"/>
+    <p:sldId id="262" r:id="rId7"/>
+    <p:sldId id="261" r:id="rId8"/>
   </p:sldIdLst>
   <p:sldSz cx="12192000" cy="6858000"/>
   <p:notesSz cx="6858000" cy="9144000"/>
@@ -16395,6 +16396,75 @@
           </a:p>
         </p:txBody>
       </p:sp>
+      <p:sp>
+        <p:nvSpPr>
+          <p:cNvPr id="6" name="Textfeld 5"/>
+          <p:cNvSpPr txBox="1"/>
+          <p:nvPr/>
+        </p:nvSpPr>
+        <p:spPr>
+          <a:xfrm>
+            <a:off x="8350135" y="3091531"/>
+            <a:ext cx="2805545" cy="1200329"/>
+          </a:xfrm>
+          <a:prstGeom prst="rect">
+            <a:avLst/>
+          </a:prstGeom>
+          <a:noFill/>
+        </p:spPr>
+        <p:txBody>
+          <a:bodyPr wrap="square" rtlCol="0">
+            <a:spAutoFit/>
+          </a:bodyPr>
+          <a:lstStyle/>
+          <a:p>
+            <a:pPr algn="r"/>
+            <a:r>
+              <a:rPr lang="en-US" sz="2400" dirty="0" smtClean="0">
+                <a:solidFill>
+                  <a:schemeClr val="accent5"/>
+                </a:solidFill>
+              </a:rPr>
+              <a:t>Georgia Alexopoulou</a:t>
+            </a:r>
+          </a:p>
+          <a:p>
+            <a:pPr algn="r"/>
+            <a:r>
+              <a:rPr lang="en-US" sz="2400" dirty="0" smtClean="0">
+                <a:solidFill>
+                  <a:schemeClr val="accent5"/>
+                </a:solidFill>
+              </a:rPr>
+              <a:t>Vas Giatilis</a:t>
+            </a:r>
+          </a:p>
+          <a:p>
+            <a:pPr algn="r"/>
+            <a:r>
+              <a:rPr lang="en-US" sz="2400" dirty="0" err="1" smtClean="0">
+                <a:solidFill>
+                  <a:schemeClr val="accent5"/>
+                </a:solidFill>
+              </a:rPr>
+              <a:t>Lambros</a:t>
+            </a:r>
+            <a:r>
+              <a:rPr lang="en-US" sz="2400" dirty="0" smtClean="0">
+                <a:solidFill>
+                  <a:schemeClr val="accent5"/>
+                </a:solidFill>
+              </a:rPr>
+              <a:t> Pappas</a:t>
+            </a:r>
+            <a:endParaRPr lang="en-US" sz="2400" dirty="0">
+              <a:solidFill>
+                <a:schemeClr val="accent5"/>
+              </a:solidFill>
+            </a:endParaRPr>
+          </a:p>
+        </p:txBody>
+      </p:sp>
     </p:spTree>
     <p:extLst>
       <p:ext uri="{BB962C8B-B14F-4D97-AF65-F5344CB8AC3E}">
@@ -17185,7 +17255,7 @@
         </p:nvSpPr>
         <p:spPr>
           <a:xfrm>
-            <a:off x="9421500" y="2201171"/>
+            <a:off x="9278950" y="2206951"/>
             <a:ext cx="2913050" cy="307777"/>
           </a:xfrm>
           <a:prstGeom prst="rect">
@@ -17262,7 +17332,7 @@
         <p:spPr>
           <a:xfrm>
             <a:off x="342898" y="4632923"/>
-            <a:ext cx="3906983" cy="1569660"/>
+            <a:ext cx="3906983" cy="1815882"/>
           </a:xfrm>
           <a:prstGeom prst="rect">
             <a:avLst/>
@@ -17301,8 +17371,44 @@
                   <a:srgbClr val="00B050"/>
                 </a:solidFill>
               </a:rPr>
-              <a:t>Citizens would get benefits from buying the app</a:t>
+              <a:t>Citizens would get benefits from buying the </a:t>
             </a:r>
+            <a:r>
+              <a:rPr lang="en-US" sz="1600" dirty="0" smtClean="0">
+                <a:solidFill>
+                  <a:srgbClr val="00B050"/>
+                </a:solidFill>
+              </a:rPr>
+              <a:t>app</a:t>
+            </a:r>
+          </a:p>
+          <a:p>
+            <a:pPr marL="285750" indent="-285750">
+              <a:buBlip>
+                <a:blip r:embed="rId17"/>
+              </a:buBlip>
+            </a:pPr>
+            <a:r>
+              <a:rPr lang="en-US" sz="1600" dirty="0" smtClean="0">
+                <a:solidFill>
+                  <a:srgbClr val="00B050"/>
+                </a:solidFill>
+              </a:rPr>
+              <a:t>Free ads </a:t>
+            </a:r>
+            <a:r>
+              <a:rPr lang="en-US" sz="1600" smtClean="0">
+                <a:solidFill>
+                  <a:srgbClr val="00B050"/>
+                </a:solidFill>
+              </a:rPr>
+              <a:t>for municipalities</a:t>
+            </a:r>
+            <a:endParaRPr lang="en-US" sz="1600" dirty="0" smtClean="0">
+              <a:solidFill>
+                <a:srgbClr val="00B050"/>
+              </a:solidFill>
+            </a:endParaRPr>
           </a:p>
           <a:p>
             <a:endParaRPr lang="en-US" sz="1600" dirty="0" smtClean="0">
@@ -18014,7 +18120,7 @@
           <p:spPr>
             <a:xfrm>
               <a:off x="2337259" y="3129716"/>
-              <a:ext cx="1751837" cy="528211"/>
+              <a:ext cx="1751837" cy="897957"/>
             </a:xfrm>
             <a:prstGeom prst="rect">
               <a:avLst/>
@@ -18030,7 +18136,11 @@
               <a:pPr algn="ctr"/>
               <a:r>
                 <a:rPr lang="en-US" sz="1400" dirty="0" smtClean="0"/>
-                <a:t>Provide incentives</a:t>
+                <a:t>Provide </a:t>
+              </a:r>
+              <a:r>
+                <a:rPr lang="en-US" sz="1400" dirty="0" smtClean="0"/>
+                <a:t>incentives to citizens</a:t>
               </a:r>
               <a:endParaRPr lang="en-US" sz="1400" dirty="0"/>
             </a:p>
@@ -18610,7 +18720,7 @@
           <a:p>
             <a:r>
               <a:rPr lang="en-US" dirty="0" smtClean="0"/>
-              <a:t>Application presentation</a:t>
+              <a:t>Android App</a:t>
             </a:r>
             <a:endParaRPr lang="en-US" dirty="0"/>
           </a:p>
@@ -18693,7 +18803,7 @@
         </p:blipFill>
         <p:spPr>
           <a:xfrm>
-            <a:off x="404602" y="1937263"/>
+            <a:off x="288651" y="1916481"/>
             <a:ext cx="2141171" cy="3486792"/>
           </a:xfrm>
           <a:prstGeom prst="rect">
@@ -18723,8 +18833,8 @@
         </p:blipFill>
         <p:spPr>
           <a:xfrm>
-            <a:off x="2897988" y="1937263"/>
-            <a:ext cx="2472603" cy="4219351"/>
+            <a:off x="2090415" y="1916481"/>
+            <a:ext cx="2039121" cy="3479640"/>
           </a:xfrm>
           <a:prstGeom prst="rect">
             <a:avLst/>
@@ -18733,7 +18843,7 @@
       </p:pic>
       <p:pic>
         <p:nvPicPr>
-          <p:cNvPr id="2048" name="Grafik 2047"/>
+          <p:cNvPr id="2057" name="Grafik 2056"/>
           <p:cNvPicPr>
             <a:picLocks noChangeAspect="1"/>
           </p:cNvPicPr>
@@ -18753,8 +18863,8 @@
         </p:blipFill>
         <p:spPr>
           <a:xfrm>
-            <a:off x="228494" y="1937263"/>
-            <a:ext cx="2493386" cy="4242131"/>
+            <a:off x="10184167" y="1916480"/>
+            <a:ext cx="1951778" cy="3469827"/>
           </a:xfrm>
           <a:prstGeom prst="rect">
             <a:avLst/>
@@ -18763,7 +18873,7 @@
       </p:pic>
       <p:pic>
         <p:nvPicPr>
-          <p:cNvPr id="2051" name="Grafik 2050"/>
+          <p:cNvPr id="6" name="Grafik 5"/>
           <p:cNvPicPr>
             <a:picLocks noChangeAspect="1"/>
           </p:cNvPicPr>
@@ -18783,8 +18893,8 @@
         </p:blipFill>
         <p:spPr>
           <a:xfrm>
-            <a:off x="10654013" y="1937263"/>
-            <a:ext cx="1437368" cy="2457451"/>
+            <a:off x="79659" y="1916481"/>
+            <a:ext cx="1961320" cy="3486792"/>
           </a:xfrm>
           <a:prstGeom prst="rect">
             <a:avLst/>
@@ -18793,7 +18903,7 @@
       </p:pic>
       <p:pic>
         <p:nvPicPr>
-          <p:cNvPr id="2055" name="Grafik 2054"/>
+          <p:cNvPr id="7" name="Grafik 6"/>
           <p:cNvPicPr>
             <a:picLocks noChangeAspect="1"/>
           </p:cNvPicPr>
@@ -18813,8 +18923,8 @@
         </p:blipFill>
         <p:spPr>
           <a:xfrm>
-            <a:off x="5555043" y="1937263"/>
-            <a:ext cx="2373221" cy="4219060"/>
+            <a:off x="4177252" y="1906667"/>
+            <a:ext cx="1957298" cy="3479641"/>
           </a:xfrm>
           <a:prstGeom prst="rect">
             <a:avLst/>
@@ -18823,7 +18933,7 @@
       </p:pic>
       <p:pic>
         <p:nvPicPr>
-          <p:cNvPr id="2057" name="Grafik 2056"/>
+          <p:cNvPr id="8" name="Grafik 7"/>
           <p:cNvPicPr>
             <a:picLocks noChangeAspect="1"/>
           </p:cNvPicPr>
@@ -18843,8 +18953,38 @@
         </p:blipFill>
         <p:spPr>
           <a:xfrm>
-            <a:off x="8112716" y="1937263"/>
-            <a:ext cx="2336064" cy="4153003"/>
+            <a:off x="6182266" y="1906667"/>
+            <a:ext cx="1968337" cy="3499268"/>
+          </a:xfrm>
+          <a:prstGeom prst="rect">
+            <a:avLst/>
+          </a:prstGeom>
+        </p:spPr>
+      </p:pic>
+      <p:pic>
+        <p:nvPicPr>
+          <p:cNvPr id="9" name="Grafik 8"/>
+          <p:cNvPicPr>
+            <a:picLocks noChangeAspect="1"/>
+          </p:cNvPicPr>
+          <p:nvPr/>
+        </p:nvPicPr>
+        <p:blipFill>
+          <a:blip r:embed="rId9">
+            <a:extLst>
+              <a:ext uri="{28A0092B-C50C-407E-A947-70E740481C1C}">
+                <a14:useLocalDpi xmlns:a14="http://schemas.microsoft.com/office/drawing/2010/main" val="0"/>
+              </a:ext>
+            </a:extLst>
+          </a:blip>
+          <a:stretch>
+            <a:fillRect/>
+          </a:stretch>
+        </p:blipFill>
+        <p:spPr>
+          <a:xfrm>
+            <a:off x="8187280" y="1901490"/>
+            <a:ext cx="1960210" cy="3484818"/>
           </a:xfrm>
           <a:prstGeom prst="rect">
             <a:avLst/>
@@ -18872,6 +19012,221 @@
 </file>
 
 <file path=ppt/slides/slide6.xml><?xml version="1.0" encoding="utf-8"?>
+<p:sld xmlns:a="http://schemas.openxmlformats.org/drawingml/2006/main" xmlns:r="http://schemas.openxmlformats.org/officeDocument/2006/relationships" xmlns:p="http://schemas.openxmlformats.org/presentationml/2006/main">
+  <p:cSld>
+    <p:spTree>
+      <p:nvGrpSpPr>
+        <p:cNvPr id="1" name=""/>
+        <p:cNvGrpSpPr/>
+        <p:nvPr/>
+      </p:nvGrpSpPr>
+      <p:grpSpPr>
+        <a:xfrm>
+          <a:off x="0" y="0"/>
+          <a:ext cx="0" cy="0"/>
+          <a:chOff x="0" y="0"/>
+          <a:chExt cx="0" cy="0"/>
+        </a:xfrm>
+      </p:grpSpPr>
+      <p:sp>
+        <p:nvSpPr>
+          <p:cNvPr id="2" name="Titel 1"/>
+          <p:cNvSpPr>
+            <a:spLocks noGrp="1"/>
+          </p:cNvSpPr>
+          <p:nvPr>
+            <p:ph type="title"/>
+          </p:nvPr>
+        </p:nvSpPr>
+        <p:spPr>
+          <a:xfrm>
+            <a:off x="837507" y="583223"/>
+            <a:ext cx="9969038" cy="933849"/>
+          </a:xfrm>
+        </p:spPr>
+        <p:txBody>
+          <a:bodyPr/>
+          <a:lstStyle/>
+          <a:p>
+            <a:r>
+              <a:rPr lang="en-US" dirty="0" smtClean="0"/>
+              <a:t>Server side</a:t>
+            </a:r>
+            <a:endParaRPr lang="en-US" dirty="0"/>
+          </a:p>
+        </p:txBody>
+      </p:sp>
+      <p:sp>
+        <p:nvSpPr>
+          <p:cNvPr id="4" name="Datumsplatzhalter 3"/>
+          <p:cNvSpPr>
+            <a:spLocks noGrp="1"/>
+          </p:cNvSpPr>
+          <p:nvPr>
+            <p:ph type="dt" sz="half" idx="10"/>
+          </p:nvPr>
+        </p:nvSpPr>
+        <p:spPr/>
+        <p:txBody>
+          <a:bodyPr/>
+          <a:lstStyle/>
+          <a:p>
+            <a:fld id="{22E279BB-DED9-410E-8FEC-CEA95333E796}" type="datetime1">
+              <a:rPr lang="el-GR" smtClean="0"/>
+              <a:t>14/5/2017</a:t>
+            </a:fld>
+            <a:endParaRPr lang="en-US" dirty="0"/>
+          </a:p>
+        </p:txBody>
+      </p:sp>
+      <p:sp>
+        <p:nvSpPr>
+          <p:cNvPr id="5" name="Foliennummernplatzhalter 4"/>
+          <p:cNvSpPr>
+            <a:spLocks noGrp="1"/>
+          </p:cNvSpPr>
+          <p:nvPr>
+            <p:ph type="sldNum" sz="quarter" idx="12"/>
+          </p:nvPr>
+        </p:nvSpPr>
+        <p:spPr/>
+        <p:txBody>
+          <a:bodyPr/>
+          <a:lstStyle/>
+          <a:p>
+            <a:fld id="{4CE482DC-2269-4F26-9D2A-7E44B1A4CD85}" type="slidenum">
+              <a:rPr lang="en-US" smtClean="0"/>
+              <a:t>6</a:t>
+            </a:fld>
+            <a:endParaRPr lang="en-US" dirty="0"/>
+          </a:p>
+        </p:txBody>
+      </p:sp>
+      <p:pic>
+        <p:nvPicPr>
+          <p:cNvPr id="6" name="Grafik 5"/>
+          <p:cNvPicPr>
+            <a:picLocks noChangeAspect="1"/>
+          </p:cNvPicPr>
+          <p:nvPr/>
+        </p:nvPicPr>
+        <p:blipFill>
+          <a:blip r:embed="rId2">
+            <a:extLst>
+              <a:ext uri="{28A0092B-C50C-407E-A947-70E740481C1C}">
+                <a14:useLocalDpi xmlns:a14="http://schemas.microsoft.com/office/drawing/2010/main" val="0"/>
+              </a:ext>
+            </a:extLst>
+          </a:blip>
+          <a:stretch>
+            <a:fillRect/>
+          </a:stretch>
+        </p:blipFill>
+        <p:spPr>
+          <a:xfrm>
+            <a:off x="4395354" y="1849027"/>
+            <a:ext cx="7097910" cy="4278803"/>
+          </a:xfrm>
+          <a:prstGeom prst="rect">
+            <a:avLst/>
+          </a:prstGeom>
+        </p:spPr>
+      </p:pic>
+      <p:pic>
+        <p:nvPicPr>
+          <p:cNvPr id="7" name="Grafik 6"/>
+          <p:cNvPicPr>
+            <a:picLocks noChangeAspect="1"/>
+          </p:cNvPicPr>
+          <p:nvPr/>
+        </p:nvPicPr>
+        <p:blipFill>
+          <a:blip r:embed="rId3">
+            <a:extLst>
+              <a:ext uri="{28A0092B-C50C-407E-A947-70E740481C1C}">
+                <a14:useLocalDpi xmlns:a14="http://schemas.microsoft.com/office/drawing/2010/main" val="0"/>
+              </a:ext>
+            </a:extLst>
+          </a:blip>
+          <a:stretch>
+            <a:fillRect/>
+          </a:stretch>
+        </p:blipFill>
+        <p:spPr>
+          <a:xfrm>
+            <a:off x="280554" y="1849027"/>
+            <a:ext cx="3917428" cy="1642318"/>
+          </a:xfrm>
+          <a:prstGeom prst="rect">
+            <a:avLst/>
+          </a:prstGeom>
+        </p:spPr>
+      </p:pic>
+      <p:sp>
+        <p:nvSpPr>
+          <p:cNvPr id="8" name="Rechteckiger Pfeil 7"/>
+          <p:cNvSpPr/>
+          <p:nvPr/>
+        </p:nvSpPr>
+        <p:spPr>
+          <a:xfrm rot="10800000" flipH="1">
+            <a:off x="3569551" y="3334086"/>
+            <a:ext cx="1091045" cy="978427"/>
+          </a:xfrm>
+          <a:prstGeom prst="bentArrow">
+            <a:avLst/>
+          </a:prstGeom>
+        </p:spPr>
+        <p:style>
+          <a:lnRef idx="2">
+            <a:schemeClr val="accent1">
+              <a:shade val="50000"/>
+            </a:schemeClr>
+          </a:lnRef>
+          <a:fillRef idx="1">
+            <a:schemeClr val="accent1"/>
+          </a:fillRef>
+          <a:effectRef idx="0">
+            <a:schemeClr val="accent1"/>
+          </a:effectRef>
+          <a:fontRef idx="minor">
+            <a:schemeClr val="lt1"/>
+          </a:fontRef>
+        </p:style>
+        <p:txBody>
+          <a:bodyPr rtlCol="0" anchor="ctr"/>
+          <a:lstStyle/>
+          <a:p>
+            <a:pPr algn="ctr"/>
+            <a:endParaRPr lang="en-US">
+              <a:solidFill>
+                <a:schemeClr val="tx1"/>
+              </a:solidFill>
+            </a:endParaRPr>
+          </a:p>
+        </p:txBody>
+      </p:sp>
+    </p:spTree>
+    <p:extLst>
+      <p:ext uri="{BB962C8B-B14F-4D97-AF65-F5344CB8AC3E}">
+        <p14:creationId xmlns:p14="http://schemas.microsoft.com/office/powerpoint/2010/main" val="3638678167"/>
+      </p:ext>
+    </p:extLst>
+  </p:cSld>
+  <p:clrMapOvr>
+    <a:masterClrMapping/>
+  </p:clrMapOvr>
+  <p:timing>
+    <p:tnLst>
+      <p:par>
+        <p:cTn id="1" dur="indefinite" restart="never" nodeType="tmRoot"/>
+      </p:par>
+    </p:tnLst>
+  </p:timing>
+</p:sld>
+</file>
+
+<file path=ppt/slides/slide7.xml><?xml version="1.0" encoding="utf-8"?>
 <p:sld xmlns:a="http://schemas.openxmlformats.org/drawingml/2006/main" xmlns:r="http://schemas.openxmlformats.org/officeDocument/2006/relationships" xmlns:p="http://schemas.openxmlformats.org/presentationml/2006/main">
   <p:cSld>
     <p:spTree>
@@ -18951,7 +19306,7 @@
           <a:p>
             <a:fld id="{4CE482DC-2269-4F26-9D2A-7E44B1A4CD85}" type="slidenum">
               <a:rPr lang="en-US" smtClean="0"/>
-              <a:t>6</a:t>
+              <a:t>7</a:t>
             </a:fld>
             <a:endParaRPr lang="en-US" dirty="0"/>
           </a:p>

--- a/Presentation/presentation.pptx
+++ b/Presentation/presentation.pptx
@@ -3456,577 +3456,6 @@
       <dsp:cNvGrpSpPr/>
     </dsp:nvGrpSpPr>
     <dsp:grpSpPr/>
-    <dsp:sp modelId="{81D5D1AA-DFA1-4FA1-83F7-791B095C9940}">
-      <dsp:nvSpPr>
-        <dsp:cNvPr id="0" name=""/>
-        <dsp:cNvSpPr/>
-      </dsp:nvSpPr>
-      <dsp:spPr>
-        <a:xfrm>
-          <a:off x="991035" y="1927754"/>
-          <a:ext cx="1405486" cy="0"/>
-        </a:xfrm>
-        <a:prstGeom prst="line">
-          <a:avLst/>
-        </a:prstGeom>
-        <a:noFill/>
-        <a:ln w="15875" cap="flat" cmpd="sng" algn="ctr">
-          <a:solidFill>
-            <a:schemeClr val="accent1">
-              <a:shade val="60000"/>
-              <a:hueOff val="0"/>
-              <a:satOff val="0"/>
-              <a:lumOff val="0"/>
-              <a:alphaOff val="0"/>
-            </a:schemeClr>
-          </a:solidFill>
-          <a:prstDash val="solid"/>
-        </a:ln>
-        <a:effectLst/>
-      </dsp:spPr>
-      <dsp:style>
-        <a:lnRef idx="2">
-          <a:scrgbClr r="0" g="0" b="0"/>
-        </a:lnRef>
-        <a:fillRef idx="0">
-          <a:scrgbClr r="0" g="0" b="0"/>
-        </a:fillRef>
-        <a:effectRef idx="0">
-          <a:scrgbClr r="0" g="0" b="0"/>
-        </a:effectRef>
-        <a:fontRef idx="minor"/>
-      </dsp:style>
-    </dsp:sp>
-    <dsp:sp modelId="{29385226-9B4C-4F58-8457-5AB3AA1AC5BB}">
-      <dsp:nvSpPr>
-        <dsp:cNvPr id="0" name=""/>
-        <dsp:cNvSpPr/>
-      </dsp:nvSpPr>
-      <dsp:spPr>
-        <a:xfrm>
-          <a:off x="991035" y="1437794"/>
-          <a:ext cx="1203902" cy="0"/>
-        </a:xfrm>
-        <a:prstGeom prst="line">
-          <a:avLst/>
-        </a:prstGeom>
-        <a:noFill/>
-        <a:ln w="15875" cap="flat" cmpd="sng" algn="ctr">
-          <a:solidFill>
-            <a:schemeClr val="accent1">
-              <a:shade val="60000"/>
-              <a:hueOff val="0"/>
-              <a:satOff val="0"/>
-              <a:lumOff val="0"/>
-              <a:alphaOff val="0"/>
-            </a:schemeClr>
-          </a:solidFill>
-          <a:prstDash val="solid"/>
-        </a:ln>
-        <a:effectLst/>
-      </dsp:spPr>
-      <dsp:style>
-        <a:lnRef idx="2">
-          <a:scrgbClr r="0" g="0" b="0"/>
-        </a:lnRef>
-        <a:fillRef idx="0">
-          <a:scrgbClr r="0" g="0" b="0"/>
-        </a:fillRef>
-        <a:effectRef idx="0">
-          <a:scrgbClr r="0" g="0" b="0"/>
-        </a:effectRef>
-        <a:fontRef idx="minor"/>
-      </dsp:style>
-    </dsp:sp>
-    <dsp:sp modelId="{2D87F9F4-6A8E-4D0C-B5F9-2C5E8C115BB6}">
-      <dsp:nvSpPr>
-        <dsp:cNvPr id="0" name=""/>
-        <dsp:cNvSpPr/>
-      </dsp:nvSpPr>
-      <dsp:spPr>
-        <a:xfrm>
-          <a:off x="991035" y="947833"/>
-          <a:ext cx="1405486" cy="0"/>
-        </a:xfrm>
-        <a:prstGeom prst="line">
-          <a:avLst/>
-        </a:prstGeom>
-        <a:noFill/>
-        <a:ln w="15875" cap="flat" cmpd="sng" algn="ctr">
-          <a:solidFill>
-            <a:schemeClr val="accent1">
-              <a:shade val="60000"/>
-              <a:hueOff val="0"/>
-              <a:satOff val="0"/>
-              <a:lumOff val="0"/>
-              <a:alphaOff val="0"/>
-            </a:schemeClr>
-          </a:solidFill>
-          <a:prstDash val="solid"/>
-        </a:ln>
-        <a:effectLst/>
-      </dsp:spPr>
-      <dsp:style>
-        <a:lnRef idx="2">
-          <a:scrgbClr r="0" g="0" b="0"/>
-        </a:lnRef>
-        <a:fillRef idx="0">
-          <a:scrgbClr r="0" g="0" b="0"/>
-        </a:fillRef>
-        <a:effectRef idx="0">
-          <a:scrgbClr r="0" g="0" b="0"/>
-        </a:effectRef>
-        <a:fontRef idx="minor"/>
-      </dsp:style>
-    </dsp:sp>
-    <dsp:sp modelId="{102B0FEB-2C79-4C0B-A880-F173FA41F8E2}">
-      <dsp:nvSpPr>
-        <dsp:cNvPr id="0" name=""/>
-        <dsp:cNvSpPr/>
-      </dsp:nvSpPr>
-      <dsp:spPr>
-        <a:xfrm>
-          <a:off x="291092" y="737850"/>
-          <a:ext cx="1399886" cy="1399886"/>
-        </a:xfrm>
-        <a:prstGeom prst="ellipse">
-          <a:avLst/>
-        </a:prstGeom>
-        <a:blipFill>
-          <a:blip xmlns:r="http://schemas.openxmlformats.org/officeDocument/2006/relationships" r:embed="rId1">
-            <a:extLst>
-              <a:ext uri="{28A0092B-C50C-407E-A947-70E740481C1C}">
-                <a14:useLocalDpi xmlns:a14="http://schemas.microsoft.com/office/drawing/2010/main" val="0"/>
-              </a:ext>
-            </a:extLst>
-          </a:blip>
-          <a:srcRect/>
-          <a:stretch>
-            <a:fillRect l="-20000" r="-20000"/>
-          </a:stretch>
-        </a:blipFill>
-        <a:ln w="15875" cap="flat" cmpd="sng" algn="ctr">
-          <a:solidFill>
-            <a:schemeClr val="lt1">
-              <a:hueOff val="0"/>
-              <a:satOff val="0"/>
-              <a:lumOff val="0"/>
-              <a:alphaOff val="0"/>
-            </a:schemeClr>
-          </a:solidFill>
-          <a:prstDash val="solid"/>
-        </a:ln>
-        <a:effectLst/>
-      </dsp:spPr>
-      <dsp:style>
-        <a:lnRef idx="2">
-          <a:scrgbClr r="0" g="0" b="0"/>
-        </a:lnRef>
-        <a:fillRef idx="1">
-          <a:scrgbClr r="0" g="0" b="0"/>
-        </a:fillRef>
-        <a:effectRef idx="0">
-          <a:scrgbClr r="0" g="0" b="0"/>
-        </a:effectRef>
-        <a:fontRef idx="minor"/>
-      </dsp:style>
-    </dsp:sp>
-    <dsp:sp modelId="{C816E364-B771-48D9-B2C9-859663A9D561}">
-      <dsp:nvSpPr>
-        <dsp:cNvPr id="0" name=""/>
-        <dsp:cNvSpPr/>
-      </dsp:nvSpPr>
-      <dsp:spPr>
-        <a:xfrm>
-          <a:off x="110204" y="1652146"/>
-          <a:ext cx="1692406" cy="710928"/>
-        </a:xfrm>
-        <a:prstGeom prst="rect">
-          <a:avLst/>
-        </a:prstGeom>
-        <a:noFill/>
-        <a:ln w="15875" cap="flat" cmpd="sng" algn="ctr">
-          <a:noFill/>
-          <a:prstDash val="solid"/>
-        </a:ln>
-        <a:effectLst/>
-        <a:sp3d/>
-      </dsp:spPr>
-      <dsp:style>
-        <a:lnRef idx="2">
-          <a:scrgbClr r="0" g="0" b="0"/>
-        </a:lnRef>
-        <a:fillRef idx="1">
-          <a:scrgbClr r="0" g="0" b="0"/>
-        </a:fillRef>
-        <a:effectRef idx="0">
-          <a:scrgbClr r="0" g="0" b="0"/>
-        </a:effectRef>
-        <a:fontRef idx="minor">
-          <a:schemeClr val="lt1"/>
-        </a:fontRef>
-      </dsp:style>
-      <dsp:txBody>
-        <a:bodyPr spcFirstLastPara="0" vert="horz" wrap="square" lIns="0" tIns="0" rIns="0" bIns="0" numCol="1" spcCol="1270" anchor="b" anchorCtr="0">
-          <a:noAutofit/>
-        </a:bodyPr>
-        <a:lstStyle/>
-        <a:p>
-          <a:pPr lvl="0" algn="ctr" defTabSz="800100">
-            <a:lnSpc>
-              <a:spcPct val="90000"/>
-            </a:lnSpc>
-            <a:spcBef>
-              <a:spcPct val="0"/>
-            </a:spcBef>
-            <a:spcAft>
-              <a:spcPct val="35000"/>
-            </a:spcAft>
-          </a:pPr>
-          <a:r>
-            <a:rPr lang="en-US" sz="1800" kern="1200" dirty="0" smtClean="0">
-              <a:solidFill>
-                <a:srgbClr val="002060"/>
-              </a:solidFill>
-            </a:rPr>
-            <a:t>Environment</a:t>
-          </a:r>
-          <a:endParaRPr lang="en-US" sz="2300" kern="1200" dirty="0">
-            <a:solidFill>
-              <a:srgbClr val="002060"/>
-            </a:solidFill>
-          </a:endParaRPr>
-        </a:p>
-      </dsp:txBody>
-      <dsp:txXfrm>
-        <a:off x="110204" y="1652146"/>
-        <a:ext cx="1692406" cy="710928"/>
-      </dsp:txXfrm>
-    </dsp:sp>
-    <dsp:sp modelId="{EB7BFFA1-D2BB-4660-9BEB-812D414C080F}">
-      <dsp:nvSpPr>
-        <dsp:cNvPr id="0" name=""/>
-        <dsp:cNvSpPr/>
-      </dsp:nvSpPr>
-      <dsp:spPr>
-        <a:xfrm>
-          <a:off x="2186538" y="737850"/>
-          <a:ext cx="419965" cy="419965"/>
-        </a:xfrm>
-        <a:prstGeom prst="ellipse">
-          <a:avLst/>
-        </a:prstGeom>
-        <a:blipFill>
-          <a:blip xmlns:r="http://schemas.openxmlformats.org/officeDocument/2006/relationships" r:embed="rId2">
-            <a:extLst>
-              <a:ext uri="{28A0092B-C50C-407E-A947-70E740481C1C}">
-                <a14:useLocalDpi xmlns:a14="http://schemas.microsoft.com/office/drawing/2010/main" val="0"/>
-              </a:ext>
-            </a:extLst>
-          </a:blip>
-          <a:srcRect/>
-          <a:stretch>
-            <a:fillRect/>
-          </a:stretch>
-        </a:blipFill>
-        <a:ln w="15875" cap="flat" cmpd="sng" algn="ctr">
-          <a:solidFill>
-            <a:schemeClr val="lt1">
-              <a:hueOff val="0"/>
-              <a:satOff val="0"/>
-              <a:lumOff val="0"/>
-              <a:alphaOff val="0"/>
-            </a:schemeClr>
-          </a:solidFill>
-          <a:prstDash val="solid"/>
-        </a:ln>
-        <a:effectLst/>
-      </dsp:spPr>
-      <dsp:style>
-        <a:lnRef idx="2">
-          <a:scrgbClr r="0" g="0" b="0"/>
-        </a:lnRef>
-        <a:fillRef idx="1">
-          <a:scrgbClr r="0" g="0" b="0"/>
-        </a:fillRef>
-        <a:effectRef idx="0">
-          <a:scrgbClr r="0" g="0" b="0"/>
-        </a:effectRef>
-        <a:fontRef idx="minor"/>
-      </dsp:style>
-    </dsp:sp>
-    <dsp:sp modelId="{026D53AE-A1FD-47DE-A160-0750354F5DB6}">
-      <dsp:nvSpPr>
-        <dsp:cNvPr id="0" name=""/>
-        <dsp:cNvSpPr/>
-      </dsp:nvSpPr>
-      <dsp:spPr>
-        <a:xfrm>
-          <a:off x="2606504" y="737850"/>
-          <a:ext cx="48436" cy="419965"/>
-        </a:xfrm>
-        <a:prstGeom prst="rect">
-          <a:avLst/>
-        </a:prstGeom>
-        <a:noFill/>
-        <a:ln>
-          <a:noFill/>
-        </a:ln>
-        <a:effectLst/>
-      </dsp:spPr>
-      <dsp:style>
-        <a:lnRef idx="0">
-          <a:scrgbClr r="0" g="0" b="0"/>
-        </a:lnRef>
-        <a:fillRef idx="0">
-          <a:scrgbClr r="0" g="0" b="0"/>
-        </a:fillRef>
-        <a:effectRef idx="0">
-          <a:scrgbClr r="0" g="0" b="0"/>
-        </a:effectRef>
-        <a:fontRef idx="minor"/>
-      </dsp:style>
-      <dsp:txBody>
-        <a:bodyPr spcFirstLastPara="0" vert="horz" wrap="square" lIns="114300" tIns="0" rIns="114300" bIns="0" numCol="1" spcCol="1270" anchor="ctr" anchorCtr="0">
-          <a:noAutofit/>
-        </a:bodyPr>
-        <a:lstStyle/>
-        <a:p>
-          <a:pPr lvl="0" algn="l" defTabSz="1333500">
-            <a:lnSpc>
-              <a:spcPct val="90000"/>
-            </a:lnSpc>
-            <a:spcBef>
-              <a:spcPct val="0"/>
-            </a:spcBef>
-            <a:spcAft>
-              <a:spcPct val="35000"/>
-            </a:spcAft>
-          </a:pPr>
-          <a:endParaRPr lang="en-US" sz="3000" kern="1200"/>
-        </a:p>
-      </dsp:txBody>
-      <dsp:txXfrm>
-        <a:off x="2606504" y="737850"/>
-        <a:ext cx="48436" cy="419965"/>
-      </dsp:txXfrm>
-    </dsp:sp>
-    <dsp:sp modelId="{D9F18C37-13F1-4897-BD78-B2D73C9CEC35}">
-      <dsp:nvSpPr>
-        <dsp:cNvPr id="0" name=""/>
-        <dsp:cNvSpPr/>
-      </dsp:nvSpPr>
-      <dsp:spPr>
-        <a:xfrm>
-          <a:off x="1984955" y="1227811"/>
-          <a:ext cx="419965" cy="419965"/>
-        </a:xfrm>
-        <a:prstGeom prst="ellipse">
-          <a:avLst/>
-        </a:prstGeom>
-        <a:blipFill>
-          <a:blip xmlns:r="http://schemas.openxmlformats.org/officeDocument/2006/relationships" r:embed="rId2">
-            <a:extLst>
-              <a:ext uri="{28A0092B-C50C-407E-A947-70E740481C1C}">
-                <a14:useLocalDpi xmlns:a14="http://schemas.microsoft.com/office/drawing/2010/main" val="0"/>
-              </a:ext>
-            </a:extLst>
-          </a:blip>
-          <a:srcRect/>
-          <a:stretch>
-            <a:fillRect/>
-          </a:stretch>
-        </a:blipFill>
-        <a:ln w="15875" cap="flat" cmpd="sng" algn="ctr">
-          <a:solidFill>
-            <a:schemeClr val="lt1">
-              <a:hueOff val="0"/>
-              <a:satOff val="0"/>
-              <a:lumOff val="0"/>
-              <a:alphaOff val="0"/>
-            </a:schemeClr>
-          </a:solidFill>
-          <a:prstDash val="solid"/>
-        </a:ln>
-        <a:effectLst/>
-      </dsp:spPr>
-      <dsp:style>
-        <a:lnRef idx="2">
-          <a:scrgbClr r="0" g="0" b="0"/>
-        </a:lnRef>
-        <a:fillRef idx="1">
-          <a:scrgbClr r="0" g="0" b="0"/>
-        </a:fillRef>
-        <a:effectRef idx="0">
-          <a:scrgbClr r="0" g="0" b="0"/>
-        </a:effectRef>
-        <a:fontRef idx="minor"/>
-      </dsp:style>
-    </dsp:sp>
-    <dsp:sp modelId="{B7871CA1-FC24-42BC-A70F-44A5D62C8E6F}">
-      <dsp:nvSpPr>
-        <dsp:cNvPr id="0" name=""/>
-        <dsp:cNvSpPr/>
-      </dsp:nvSpPr>
-      <dsp:spPr>
-        <a:xfrm>
-          <a:off x="2404921" y="1227811"/>
-          <a:ext cx="68594" cy="419965"/>
-        </a:xfrm>
-        <a:prstGeom prst="rect">
-          <a:avLst/>
-        </a:prstGeom>
-        <a:noFill/>
-        <a:ln>
-          <a:noFill/>
-        </a:ln>
-        <a:effectLst/>
-      </dsp:spPr>
-      <dsp:style>
-        <a:lnRef idx="0">
-          <a:scrgbClr r="0" g="0" b="0"/>
-        </a:lnRef>
-        <a:fillRef idx="0">
-          <a:scrgbClr r="0" g="0" b="0"/>
-        </a:fillRef>
-        <a:effectRef idx="0">
-          <a:scrgbClr r="0" g="0" b="0"/>
-        </a:effectRef>
-        <a:fontRef idx="minor"/>
-      </dsp:style>
-      <dsp:txBody>
-        <a:bodyPr spcFirstLastPara="0" vert="horz" wrap="square" lIns="19050" tIns="0" rIns="19050" bIns="0" numCol="1" spcCol="1270" anchor="ctr" anchorCtr="0">
-          <a:noAutofit/>
-        </a:bodyPr>
-        <a:lstStyle/>
-        <a:p>
-          <a:pPr lvl="0" algn="l" defTabSz="222250">
-            <a:lnSpc>
-              <a:spcPct val="90000"/>
-            </a:lnSpc>
-            <a:spcBef>
-              <a:spcPct val="0"/>
-            </a:spcBef>
-            <a:spcAft>
-              <a:spcPct val="35000"/>
-            </a:spcAft>
-          </a:pPr>
-          <a:endParaRPr lang="en-US" sz="500" kern="1200" dirty="0"/>
-        </a:p>
-      </dsp:txBody>
-      <dsp:txXfrm>
-        <a:off x="2404921" y="1227811"/>
-        <a:ext cx="68594" cy="419965"/>
-      </dsp:txXfrm>
-    </dsp:sp>
-    <dsp:sp modelId="{1316DF12-97B7-4861-B69C-4366EB4DCF88}">
-      <dsp:nvSpPr>
-        <dsp:cNvPr id="0" name=""/>
-        <dsp:cNvSpPr/>
-      </dsp:nvSpPr>
-      <dsp:spPr>
-        <a:xfrm>
-          <a:off x="2186538" y="1717771"/>
-          <a:ext cx="419965" cy="419965"/>
-        </a:xfrm>
-        <a:prstGeom prst="ellipse">
-          <a:avLst/>
-        </a:prstGeom>
-        <a:blipFill>
-          <a:blip xmlns:r="http://schemas.openxmlformats.org/officeDocument/2006/relationships" r:embed="rId2">
-            <a:extLst>
-              <a:ext uri="{28A0092B-C50C-407E-A947-70E740481C1C}">
-                <a14:useLocalDpi xmlns:a14="http://schemas.microsoft.com/office/drawing/2010/main" val="0"/>
-              </a:ext>
-            </a:extLst>
-          </a:blip>
-          <a:srcRect/>
-          <a:stretch>
-            <a:fillRect/>
-          </a:stretch>
-        </a:blipFill>
-        <a:ln w="15875" cap="flat" cmpd="sng" algn="ctr">
-          <a:solidFill>
-            <a:schemeClr val="lt1">
-              <a:hueOff val="0"/>
-              <a:satOff val="0"/>
-              <a:lumOff val="0"/>
-              <a:alphaOff val="0"/>
-            </a:schemeClr>
-          </a:solidFill>
-          <a:prstDash val="solid"/>
-        </a:ln>
-        <a:effectLst/>
-      </dsp:spPr>
-      <dsp:style>
-        <a:lnRef idx="2">
-          <a:scrgbClr r="0" g="0" b="0"/>
-        </a:lnRef>
-        <a:fillRef idx="1">
-          <a:scrgbClr r="0" g="0" b="0"/>
-        </a:fillRef>
-        <a:effectRef idx="0">
-          <a:scrgbClr r="0" g="0" b="0"/>
-        </a:effectRef>
-        <a:fontRef idx="minor"/>
-      </dsp:style>
-    </dsp:sp>
-    <dsp:sp modelId="{2D3711F3-3265-4495-99D9-F46D42216CE5}">
-      <dsp:nvSpPr>
-        <dsp:cNvPr id="0" name=""/>
-        <dsp:cNvSpPr/>
-      </dsp:nvSpPr>
-      <dsp:spPr>
-        <a:xfrm>
-          <a:off x="2606504" y="1717771"/>
-          <a:ext cx="48436" cy="419965"/>
-        </a:xfrm>
-        <a:prstGeom prst="rect">
-          <a:avLst/>
-        </a:prstGeom>
-        <a:noFill/>
-        <a:ln>
-          <a:noFill/>
-        </a:ln>
-        <a:effectLst/>
-      </dsp:spPr>
-      <dsp:style>
-        <a:lnRef idx="0">
-          <a:scrgbClr r="0" g="0" b="0"/>
-        </a:lnRef>
-        <a:fillRef idx="0">
-          <a:scrgbClr r="0" g="0" b="0"/>
-        </a:fillRef>
-        <a:effectRef idx="0">
-          <a:scrgbClr r="0" g="0" b="0"/>
-        </a:effectRef>
-        <a:fontRef idx="minor"/>
-      </dsp:style>
-      <dsp:txBody>
-        <a:bodyPr spcFirstLastPara="0" vert="horz" wrap="square" lIns="19050" tIns="0" rIns="19050" bIns="0" numCol="1" spcCol="1270" anchor="ctr" anchorCtr="0">
-          <a:noAutofit/>
-        </a:bodyPr>
-        <a:lstStyle/>
-        <a:p>
-          <a:pPr lvl="0" algn="l" defTabSz="222250">
-            <a:lnSpc>
-              <a:spcPct val="90000"/>
-            </a:lnSpc>
-            <a:spcBef>
-              <a:spcPct val="0"/>
-            </a:spcBef>
-            <a:spcAft>
-              <a:spcPct val="35000"/>
-            </a:spcAft>
-          </a:pPr>
-          <a:endParaRPr lang="en-US" sz="500" kern="1200"/>
-        </a:p>
-      </dsp:txBody>
-      <dsp:txXfrm>
-        <a:off x="2606504" y="1717771"/>
-        <a:ext cx="48436" cy="419965"/>
-      </dsp:txXfrm>
-    </dsp:sp>
   </dsp:spTree>
 </dsp:drawing>
 </file>
@@ -4039,428 +3468,6 @@
       <dsp:cNvGrpSpPr/>
     </dsp:nvGrpSpPr>
     <dsp:grpSpPr/>
-    <dsp:sp modelId="{29385226-9B4C-4F58-8457-5AB3AA1AC5BB}">
-      <dsp:nvSpPr>
-        <dsp:cNvPr id="0" name=""/>
-        <dsp:cNvSpPr/>
-      </dsp:nvSpPr>
-      <dsp:spPr>
-        <a:xfrm>
-          <a:off x="961372" y="1875258"/>
-          <a:ext cx="1256398" cy="0"/>
-        </a:xfrm>
-        <a:prstGeom prst="line">
-          <a:avLst/>
-        </a:prstGeom>
-        <a:noFill/>
-        <a:ln w="15875" cap="flat" cmpd="sng" algn="ctr">
-          <a:solidFill>
-            <a:schemeClr val="accent1">
-              <a:shade val="60000"/>
-              <a:hueOff val="0"/>
-              <a:satOff val="0"/>
-              <a:lumOff val="0"/>
-              <a:alphaOff val="0"/>
-            </a:schemeClr>
-          </a:solidFill>
-          <a:prstDash val="solid"/>
-        </a:ln>
-        <a:effectLst/>
-      </dsp:spPr>
-      <dsp:style>
-        <a:lnRef idx="2">
-          <a:scrgbClr r="0" g="0" b="0"/>
-        </a:lnRef>
-        <a:fillRef idx="0">
-          <a:scrgbClr r="0" g="0" b="0"/>
-        </a:fillRef>
-        <a:effectRef idx="0">
-          <a:scrgbClr r="0" g="0" b="0"/>
-        </a:effectRef>
-        <a:fontRef idx="minor"/>
-      </dsp:style>
-    </dsp:sp>
-    <dsp:sp modelId="{8E3C74F7-8E7E-406C-8F07-CAA80534AC2B}">
-      <dsp:nvSpPr>
-        <dsp:cNvPr id="0" name=""/>
-        <dsp:cNvSpPr/>
-      </dsp:nvSpPr>
-      <dsp:spPr>
-        <a:xfrm>
-          <a:off x="961372" y="1000329"/>
-          <a:ext cx="1256398" cy="0"/>
-        </a:xfrm>
-        <a:prstGeom prst="line">
-          <a:avLst/>
-        </a:prstGeom>
-        <a:noFill/>
-        <a:ln w="15875" cap="flat" cmpd="sng" algn="ctr">
-          <a:solidFill>
-            <a:schemeClr val="accent1">
-              <a:shade val="60000"/>
-              <a:hueOff val="0"/>
-              <a:satOff val="0"/>
-              <a:lumOff val="0"/>
-              <a:alphaOff val="0"/>
-            </a:schemeClr>
-          </a:solidFill>
-          <a:prstDash val="solid"/>
-        </a:ln>
-        <a:effectLst/>
-      </dsp:spPr>
-      <dsp:style>
-        <a:lnRef idx="2">
-          <a:scrgbClr r="0" g="0" b="0"/>
-        </a:lnRef>
-        <a:fillRef idx="0">
-          <a:scrgbClr r="0" g="0" b="0"/>
-        </a:fillRef>
-        <a:effectRef idx="0">
-          <a:scrgbClr r="0" g="0" b="0"/>
-        </a:effectRef>
-        <a:fontRef idx="minor"/>
-      </dsp:style>
-    </dsp:sp>
-    <dsp:sp modelId="{102B0FEB-2C79-4C0B-A880-F173FA41F8E2}">
-      <dsp:nvSpPr>
-        <dsp:cNvPr id="0" name=""/>
-        <dsp:cNvSpPr/>
-      </dsp:nvSpPr>
-      <dsp:spPr>
-        <a:xfrm>
-          <a:off x="261428" y="737850"/>
-          <a:ext cx="1399886" cy="1399886"/>
-        </a:xfrm>
-        <a:prstGeom prst="ellipse">
-          <a:avLst/>
-        </a:prstGeom>
-        <a:blipFill>
-          <a:blip xmlns:r="http://schemas.openxmlformats.org/officeDocument/2006/relationships" r:embed="rId1">
-            <a:extLst>
-              <a:ext uri="{28A0092B-C50C-407E-A947-70E740481C1C}">
-                <a14:useLocalDpi xmlns:a14="http://schemas.microsoft.com/office/drawing/2010/main" val="0"/>
-              </a:ext>
-            </a:extLst>
-          </a:blip>
-          <a:srcRect/>
-          <a:stretch>
-            <a:fillRect l="-26000" r="-26000"/>
-          </a:stretch>
-        </a:blipFill>
-        <a:ln w="15875" cap="flat" cmpd="sng" algn="ctr">
-          <a:solidFill>
-            <a:schemeClr val="lt1">
-              <a:hueOff val="0"/>
-              <a:satOff val="0"/>
-              <a:lumOff val="0"/>
-              <a:alphaOff val="0"/>
-            </a:schemeClr>
-          </a:solidFill>
-          <a:prstDash val="solid"/>
-        </a:ln>
-        <a:effectLst/>
-      </dsp:spPr>
-      <dsp:style>
-        <a:lnRef idx="2">
-          <a:scrgbClr r="0" g="0" b="0"/>
-        </a:lnRef>
-        <a:fillRef idx="1">
-          <a:scrgbClr r="0" g="0" b="0"/>
-        </a:fillRef>
-        <a:effectRef idx="0">
-          <a:scrgbClr r="0" g="0" b="0"/>
-        </a:effectRef>
-        <a:fontRef idx="minor"/>
-      </dsp:style>
-    </dsp:sp>
-    <dsp:sp modelId="{C816E364-B771-48D9-B2C9-859663A9D561}">
-      <dsp:nvSpPr>
-        <dsp:cNvPr id="0" name=""/>
-        <dsp:cNvSpPr/>
-      </dsp:nvSpPr>
-      <dsp:spPr>
-        <a:xfrm>
-          <a:off x="447602" y="1938330"/>
-          <a:ext cx="895927" cy="461962"/>
-        </a:xfrm>
-        <a:prstGeom prst="rect">
-          <a:avLst/>
-        </a:prstGeom>
-        <a:noFill/>
-        <a:ln w="15875" cap="flat" cmpd="sng" algn="ctr">
-          <a:noFill/>
-          <a:prstDash val="solid"/>
-        </a:ln>
-        <a:effectLst/>
-        <a:sp3d/>
-      </dsp:spPr>
-      <dsp:style>
-        <a:lnRef idx="2">
-          <a:scrgbClr r="0" g="0" b="0"/>
-        </a:lnRef>
-        <a:fillRef idx="1">
-          <a:scrgbClr r="0" g="0" b="0"/>
-        </a:fillRef>
-        <a:effectRef idx="0">
-          <a:scrgbClr r="0" g="0" b="0"/>
-        </a:effectRef>
-        <a:fontRef idx="minor">
-          <a:schemeClr val="lt1"/>
-        </a:fontRef>
-      </dsp:style>
-      <dsp:txBody>
-        <a:bodyPr spcFirstLastPara="0" vert="horz" wrap="square" lIns="0" tIns="0" rIns="0" bIns="0" numCol="1" spcCol="1270" anchor="b" anchorCtr="0">
-          <a:noAutofit/>
-        </a:bodyPr>
-        <a:lstStyle/>
-        <a:p>
-          <a:pPr lvl="0" algn="ctr" defTabSz="800100">
-            <a:lnSpc>
-              <a:spcPct val="90000"/>
-            </a:lnSpc>
-            <a:spcBef>
-              <a:spcPct val="0"/>
-            </a:spcBef>
-            <a:spcAft>
-              <a:spcPct val="35000"/>
-            </a:spcAft>
-          </a:pPr>
-          <a:r>
-            <a:rPr lang="en-US" sz="1800" kern="1200" dirty="0" smtClean="0">
-              <a:solidFill>
-                <a:srgbClr val="002060"/>
-              </a:solidFill>
-            </a:rPr>
-            <a:t>Transport</a:t>
-          </a:r>
-          <a:endParaRPr lang="en-US" sz="1800" kern="1200" dirty="0">
-            <a:solidFill>
-              <a:srgbClr val="002060"/>
-            </a:solidFill>
-          </a:endParaRPr>
-        </a:p>
-      </dsp:txBody>
-      <dsp:txXfrm>
-        <a:off x="447602" y="1938330"/>
-        <a:ext cx="895927" cy="461962"/>
-      </dsp:txXfrm>
-    </dsp:sp>
-    <dsp:sp modelId="{6F9F7AF7-0896-4453-8938-36BFA1083524}">
-      <dsp:nvSpPr>
-        <dsp:cNvPr id="0" name=""/>
-        <dsp:cNvSpPr/>
-      </dsp:nvSpPr>
-      <dsp:spPr>
-        <a:xfrm>
-          <a:off x="1955291" y="737850"/>
-          <a:ext cx="524957" cy="524957"/>
-        </a:xfrm>
-        <a:prstGeom prst="ellipse">
-          <a:avLst/>
-        </a:prstGeom>
-        <a:blipFill>
-          <a:blip xmlns:r="http://schemas.openxmlformats.org/officeDocument/2006/relationships" r:embed="rId2">
-            <a:extLst>
-              <a:ext uri="{28A0092B-C50C-407E-A947-70E740481C1C}">
-                <a14:useLocalDpi xmlns:a14="http://schemas.microsoft.com/office/drawing/2010/main" val="0"/>
-              </a:ext>
-            </a:extLst>
-          </a:blip>
-          <a:srcRect/>
-          <a:stretch>
-            <a:fillRect/>
-          </a:stretch>
-        </a:blipFill>
-        <a:ln w="15875" cap="flat" cmpd="sng" algn="ctr">
-          <a:solidFill>
-            <a:schemeClr val="lt1">
-              <a:hueOff val="0"/>
-              <a:satOff val="0"/>
-              <a:lumOff val="0"/>
-              <a:alphaOff val="0"/>
-            </a:schemeClr>
-          </a:solidFill>
-          <a:prstDash val="solid"/>
-        </a:ln>
-        <a:effectLst/>
-      </dsp:spPr>
-      <dsp:style>
-        <a:lnRef idx="2">
-          <a:scrgbClr r="0" g="0" b="0"/>
-        </a:lnRef>
-        <a:fillRef idx="1">
-          <a:scrgbClr r="0" g="0" b="0"/>
-        </a:fillRef>
-        <a:effectRef idx="0">
-          <a:scrgbClr r="0" g="0" b="0"/>
-        </a:effectRef>
-        <a:fontRef idx="minor"/>
-      </dsp:style>
-    </dsp:sp>
-    <dsp:sp modelId="{4A44FB93-5AA3-4163-B2BE-401183C04FA2}">
-      <dsp:nvSpPr>
-        <dsp:cNvPr id="0" name=""/>
-        <dsp:cNvSpPr/>
-      </dsp:nvSpPr>
-      <dsp:spPr>
-        <a:xfrm>
-          <a:off x="2480248" y="737850"/>
-          <a:ext cx="58095" cy="524957"/>
-        </a:xfrm>
-        <a:prstGeom prst="rect">
-          <a:avLst/>
-        </a:prstGeom>
-        <a:noFill/>
-        <a:ln>
-          <a:noFill/>
-        </a:ln>
-        <a:effectLst/>
-      </dsp:spPr>
-      <dsp:style>
-        <a:lnRef idx="0">
-          <a:scrgbClr r="0" g="0" b="0"/>
-        </a:lnRef>
-        <a:fillRef idx="0">
-          <a:scrgbClr r="0" g="0" b="0"/>
-        </a:fillRef>
-        <a:effectRef idx="0">
-          <a:scrgbClr r="0" g="0" b="0"/>
-        </a:effectRef>
-        <a:fontRef idx="minor"/>
-      </dsp:style>
-      <dsp:txBody>
-        <a:bodyPr spcFirstLastPara="0" vert="horz" wrap="square" lIns="19050" tIns="0" rIns="19050" bIns="0" numCol="1" spcCol="1270" anchor="ctr" anchorCtr="0">
-          <a:noAutofit/>
-        </a:bodyPr>
-        <a:lstStyle/>
-        <a:p>
-          <a:pPr lvl="0" algn="l" defTabSz="222250">
-            <a:lnSpc>
-              <a:spcPct val="90000"/>
-            </a:lnSpc>
-            <a:spcBef>
-              <a:spcPct val="0"/>
-            </a:spcBef>
-            <a:spcAft>
-              <a:spcPct val="35000"/>
-            </a:spcAft>
-          </a:pPr>
-          <a:endParaRPr lang="en-US" sz="500" kern="1200" dirty="0"/>
-        </a:p>
-      </dsp:txBody>
-      <dsp:txXfrm>
-        <a:off x="2480248" y="737850"/>
-        <a:ext cx="58095" cy="524957"/>
-      </dsp:txXfrm>
-    </dsp:sp>
-    <dsp:sp modelId="{D9F18C37-13F1-4897-BD78-B2D73C9CEC35}">
-      <dsp:nvSpPr>
-        <dsp:cNvPr id="0" name=""/>
-        <dsp:cNvSpPr/>
-      </dsp:nvSpPr>
-      <dsp:spPr>
-        <a:xfrm>
-          <a:off x="1955291" y="1612779"/>
-          <a:ext cx="524957" cy="524957"/>
-        </a:xfrm>
-        <a:prstGeom prst="ellipse">
-          <a:avLst/>
-        </a:prstGeom>
-        <a:blipFill>
-          <a:blip xmlns:r="http://schemas.openxmlformats.org/officeDocument/2006/relationships" r:embed="rId2">
-            <a:extLst>
-              <a:ext uri="{28A0092B-C50C-407E-A947-70E740481C1C}">
-                <a14:useLocalDpi xmlns:a14="http://schemas.microsoft.com/office/drawing/2010/main" val="0"/>
-              </a:ext>
-            </a:extLst>
-          </a:blip>
-          <a:srcRect/>
-          <a:stretch>
-            <a:fillRect/>
-          </a:stretch>
-        </a:blipFill>
-        <a:ln w="15875" cap="flat" cmpd="sng" algn="ctr">
-          <a:solidFill>
-            <a:schemeClr val="lt1">
-              <a:hueOff val="0"/>
-              <a:satOff val="0"/>
-              <a:lumOff val="0"/>
-              <a:alphaOff val="0"/>
-            </a:schemeClr>
-          </a:solidFill>
-          <a:prstDash val="solid"/>
-        </a:ln>
-        <a:effectLst/>
-      </dsp:spPr>
-      <dsp:style>
-        <a:lnRef idx="2">
-          <a:scrgbClr r="0" g="0" b="0"/>
-        </a:lnRef>
-        <a:fillRef idx="1">
-          <a:scrgbClr r="0" g="0" b="0"/>
-        </a:fillRef>
-        <a:effectRef idx="0">
-          <a:scrgbClr r="0" g="0" b="0"/>
-        </a:effectRef>
-        <a:fontRef idx="minor"/>
-      </dsp:style>
-    </dsp:sp>
-    <dsp:sp modelId="{B7871CA1-FC24-42BC-A70F-44A5D62C8E6F}">
-      <dsp:nvSpPr>
-        <dsp:cNvPr id="0" name=""/>
-        <dsp:cNvSpPr/>
-      </dsp:nvSpPr>
-      <dsp:spPr>
-        <a:xfrm>
-          <a:off x="2480248" y="1612779"/>
-          <a:ext cx="58095" cy="524957"/>
-        </a:xfrm>
-        <a:prstGeom prst="rect">
-          <a:avLst/>
-        </a:prstGeom>
-        <a:noFill/>
-        <a:ln>
-          <a:noFill/>
-        </a:ln>
-        <a:effectLst/>
-      </dsp:spPr>
-      <dsp:style>
-        <a:lnRef idx="0">
-          <a:scrgbClr r="0" g="0" b="0"/>
-        </a:lnRef>
-        <a:fillRef idx="0">
-          <a:scrgbClr r="0" g="0" b="0"/>
-        </a:fillRef>
-        <a:effectRef idx="0">
-          <a:scrgbClr r="0" g="0" b="0"/>
-        </a:effectRef>
-        <a:fontRef idx="minor"/>
-      </dsp:style>
-      <dsp:txBody>
-        <a:bodyPr spcFirstLastPara="0" vert="horz" wrap="square" lIns="19050" tIns="0" rIns="19050" bIns="0" numCol="1" spcCol="1270" anchor="ctr" anchorCtr="0">
-          <a:noAutofit/>
-        </a:bodyPr>
-        <a:lstStyle/>
-        <a:p>
-          <a:pPr lvl="0" algn="l" defTabSz="222250">
-            <a:lnSpc>
-              <a:spcPct val="90000"/>
-            </a:lnSpc>
-            <a:spcBef>
-              <a:spcPct val="0"/>
-            </a:spcBef>
-            <a:spcAft>
-              <a:spcPct val="35000"/>
-            </a:spcAft>
-          </a:pPr>
-          <a:endParaRPr lang="en-US" sz="500" kern="1200"/>
-        </a:p>
-      </dsp:txBody>
-      <dsp:txXfrm>
-        <a:off x="2480248" y="1612779"/>
-        <a:ext cx="58095" cy="524957"/>
-      </dsp:txXfrm>
-    </dsp:sp>
   </dsp:spTree>
 </dsp:drawing>
 </file>
@@ -4473,428 +3480,6 @@
       <dsp:cNvGrpSpPr/>
     </dsp:nvGrpSpPr>
     <dsp:grpSpPr/>
-    <dsp:sp modelId="{29385226-9B4C-4F58-8457-5AB3AA1AC5BB}">
-      <dsp:nvSpPr>
-        <dsp:cNvPr id="0" name=""/>
-        <dsp:cNvSpPr/>
-      </dsp:nvSpPr>
-      <dsp:spPr>
-        <a:xfrm>
-          <a:off x="1010101" y="1875258"/>
-          <a:ext cx="1256398" cy="0"/>
-        </a:xfrm>
-        <a:prstGeom prst="line">
-          <a:avLst/>
-        </a:prstGeom>
-        <a:noFill/>
-        <a:ln w="15875" cap="flat" cmpd="sng" algn="ctr">
-          <a:solidFill>
-            <a:schemeClr val="accent1">
-              <a:shade val="60000"/>
-              <a:hueOff val="0"/>
-              <a:satOff val="0"/>
-              <a:lumOff val="0"/>
-              <a:alphaOff val="0"/>
-            </a:schemeClr>
-          </a:solidFill>
-          <a:prstDash val="solid"/>
-        </a:ln>
-        <a:effectLst/>
-      </dsp:spPr>
-      <dsp:style>
-        <a:lnRef idx="2">
-          <a:scrgbClr r="0" g="0" b="0"/>
-        </a:lnRef>
-        <a:fillRef idx="0">
-          <a:scrgbClr r="0" g="0" b="0"/>
-        </a:fillRef>
-        <a:effectRef idx="0">
-          <a:scrgbClr r="0" g="0" b="0"/>
-        </a:effectRef>
-        <a:fontRef idx="minor"/>
-      </dsp:style>
-    </dsp:sp>
-    <dsp:sp modelId="{8E3C74F7-8E7E-406C-8F07-CAA80534AC2B}">
-      <dsp:nvSpPr>
-        <dsp:cNvPr id="0" name=""/>
-        <dsp:cNvSpPr/>
-      </dsp:nvSpPr>
-      <dsp:spPr>
-        <a:xfrm>
-          <a:off x="1010101" y="1000329"/>
-          <a:ext cx="1256398" cy="0"/>
-        </a:xfrm>
-        <a:prstGeom prst="line">
-          <a:avLst/>
-        </a:prstGeom>
-        <a:noFill/>
-        <a:ln w="15875" cap="flat" cmpd="sng" algn="ctr">
-          <a:solidFill>
-            <a:schemeClr val="accent1">
-              <a:shade val="60000"/>
-              <a:hueOff val="0"/>
-              <a:satOff val="0"/>
-              <a:lumOff val="0"/>
-              <a:alphaOff val="0"/>
-            </a:schemeClr>
-          </a:solidFill>
-          <a:prstDash val="solid"/>
-        </a:ln>
-        <a:effectLst/>
-      </dsp:spPr>
-      <dsp:style>
-        <a:lnRef idx="2">
-          <a:scrgbClr r="0" g="0" b="0"/>
-        </a:lnRef>
-        <a:fillRef idx="0">
-          <a:scrgbClr r="0" g="0" b="0"/>
-        </a:fillRef>
-        <a:effectRef idx="0">
-          <a:scrgbClr r="0" g="0" b="0"/>
-        </a:effectRef>
-        <a:fontRef idx="minor"/>
-      </dsp:style>
-    </dsp:sp>
-    <dsp:sp modelId="{102B0FEB-2C79-4C0B-A880-F173FA41F8E2}">
-      <dsp:nvSpPr>
-        <dsp:cNvPr id="0" name=""/>
-        <dsp:cNvSpPr/>
-      </dsp:nvSpPr>
-      <dsp:spPr>
-        <a:xfrm>
-          <a:off x="310158" y="737850"/>
-          <a:ext cx="1399886" cy="1399886"/>
-        </a:xfrm>
-        <a:prstGeom prst="ellipse">
-          <a:avLst/>
-        </a:prstGeom>
-        <a:blipFill>
-          <a:blip xmlns:r="http://schemas.openxmlformats.org/officeDocument/2006/relationships" r:embed="rId1">
-            <a:extLst>
-              <a:ext uri="{28A0092B-C50C-407E-A947-70E740481C1C}">
-                <a14:useLocalDpi xmlns:a14="http://schemas.microsoft.com/office/drawing/2010/main" val="0"/>
-              </a:ext>
-            </a:extLst>
-          </a:blip>
-          <a:srcRect/>
-          <a:stretch>
-            <a:fillRect/>
-          </a:stretch>
-        </a:blipFill>
-        <a:ln w="15875" cap="flat" cmpd="sng" algn="ctr">
-          <a:solidFill>
-            <a:schemeClr val="lt1">
-              <a:hueOff val="0"/>
-              <a:satOff val="0"/>
-              <a:lumOff val="0"/>
-              <a:alphaOff val="0"/>
-            </a:schemeClr>
-          </a:solidFill>
-          <a:prstDash val="solid"/>
-        </a:ln>
-        <a:effectLst/>
-      </dsp:spPr>
-      <dsp:style>
-        <a:lnRef idx="2">
-          <a:scrgbClr r="0" g="0" b="0"/>
-        </a:lnRef>
-        <a:fillRef idx="1">
-          <a:scrgbClr r="0" g="0" b="0"/>
-        </a:fillRef>
-        <a:effectRef idx="0">
-          <a:scrgbClr r="0" g="0" b="0"/>
-        </a:effectRef>
-        <a:fontRef idx="minor"/>
-      </dsp:style>
-    </dsp:sp>
-    <dsp:sp modelId="{C816E364-B771-48D9-B2C9-859663A9D561}">
-      <dsp:nvSpPr>
-        <dsp:cNvPr id="0" name=""/>
-        <dsp:cNvSpPr/>
-      </dsp:nvSpPr>
-      <dsp:spPr>
-        <a:xfrm>
-          <a:off x="312586" y="1948719"/>
-          <a:ext cx="1594804" cy="461962"/>
-        </a:xfrm>
-        <a:prstGeom prst="rect">
-          <a:avLst/>
-        </a:prstGeom>
-        <a:noFill/>
-        <a:ln w="15875" cap="flat" cmpd="sng" algn="ctr">
-          <a:noFill/>
-          <a:prstDash val="solid"/>
-        </a:ln>
-        <a:effectLst/>
-        <a:sp3d/>
-      </dsp:spPr>
-      <dsp:style>
-        <a:lnRef idx="2">
-          <a:scrgbClr r="0" g="0" b="0"/>
-        </a:lnRef>
-        <a:fillRef idx="1">
-          <a:scrgbClr r="0" g="0" b="0"/>
-        </a:fillRef>
-        <a:effectRef idx="0">
-          <a:scrgbClr r="0" g="0" b="0"/>
-        </a:effectRef>
-        <a:fontRef idx="minor">
-          <a:schemeClr val="lt1"/>
-        </a:fontRef>
-      </dsp:style>
-      <dsp:txBody>
-        <a:bodyPr spcFirstLastPara="0" vert="horz" wrap="square" lIns="0" tIns="0" rIns="0" bIns="0" numCol="1" spcCol="1270" anchor="b" anchorCtr="0">
-          <a:noAutofit/>
-        </a:bodyPr>
-        <a:lstStyle/>
-        <a:p>
-          <a:pPr lvl="0" algn="ctr" defTabSz="800100">
-            <a:lnSpc>
-              <a:spcPct val="90000"/>
-            </a:lnSpc>
-            <a:spcBef>
-              <a:spcPct val="0"/>
-            </a:spcBef>
-            <a:spcAft>
-              <a:spcPct val="35000"/>
-            </a:spcAft>
-          </a:pPr>
-          <a:r>
-            <a:rPr lang="en-US" sz="1800" kern="1200" dirty="0" smtClean="0">
-              <a:solidFill>
-                <a:srgbClr val="002060"/>
-              </a:solidFill>
-            </a:rPr>
-            <a:t>Energy  Saving</a:t>
-          </a:r>
-          <a:endParaRPr lang="en-US" sz="1800" kern="1200" dirty="0">
-            <a:solidFill>
-              <a:srgbClr val="002060"/>
-            </a:solidFill>
-          </a:endParaRPr>
-        </a:p>
-      </dsp:txBody>
-      <dsp:txXfrm>
-        <a:off x="312586" y="1948719"/>
-        <a:ext cx="1594804" cy="461962"/>
-      </dsp:txXfrm>
-    </dsp:sp>
-    <dsp:sp modelId="{6F9F7AF7-0896-4453-8938-36BFA1083524}">
-      <dsp:nvSpPr>
-        <dsp:cNvPr id="0" name=""/>
-        <dsp:cNvSpPr/>
-      </dsp:nvSpPr>
-      <dsp:spPr>
-        <a:xfrm>
-          <a:off x="2004020" y="737850"/>
-          <a:ext cx="524957" cy="524957"/>
-        </a:xfrm>
-        <a:prstGeom prst="ellipse">
-          <a:avLst/>
-        </a:prstGeom>
-        <a:blipFill>
-          <a:blip xmlns:r="http://schemas.openxmlformats.org/officeDocument/2006/relationships" r:embed="rId2">
-            <a:extLst>
-              <a:ext uri="{28A0092B-C50C-407E-A947-70E740481C1C}">
-                <a14:useLocalDpi xmlns:a14="http://schemas.microsoft.com/office/drawing/2010/main" val="0"/>
-              </a:ext>
-            </a:extLst>
-          </a:blip>
-          <a:srcRect/>
-          <a:stretch>
-            <a:fillRect/>
-          </a:stretch>
-        </a:blipFill>
-        <a:ln w="15875" cap="flat" cmpd="sng" algn="ctr">
-          <a:solidFill>
-            <a:schemeClr val="lt1">
-              <a:hueOff val="0"/>
-              <a:satOff val="0"/>
-              <a:lumOff val="0"/>
-              <a:alphaOff val="0"/>
-            </a:schemeClr>
-          </a:solidFill>
-          <a:prstDash val="solid"/>
-        </a:ln>
-        <a:effectLst/>
-      </dsp:spPr>
-      <dsp:style>
-        <a:lnRef idx="2">
-          <a:scrgbClr r="0" g="0" b="0"/>
-        </a:lnRef>
-        <a:fillRef idx="1">
-          <a:scrgbClr r="0" g="0" b="0"/>
-        </a:fillRef>
-        <a:effectRef idx="0">
-          <a:scrgbClr r="0" g="0" b="0"/>
-        </a:effectRef>
-        <a:fontRef idx="minor"/>
-      </dsp:style>
-    </dsp:sp>
-    <dsp:sp modelId="{4A44FB93-5AA3-4163-B2BE-401183C04FA2}">
-      <dsp:nvSpPr>
-        <dsp:cNvPr id="0" name=""/>
-        <dsp:cNvSpPr/>
-      </dsp:nvSpPr>
-      <dsp:spPr>
-        <a:xfrm>
-          <a:off x="2528978" y="737850"/>
-          <a:ext cx="58095" cy="524957"/>
-        </a:xfrm>
-        <a:prstGeom prst="rect">
-          <a:avLst/>
-        </a:prstGeom>
-        <a:noFill/>
-        <a:ln>
-          <a:noFill/>
-        </a:ln>
-        <a:effectLst/>
-      </dsp:spPr>
-      <dsp:style>
-        <a:lnRef idx="0">
-          <a:scrgbClr r="0" g="0" b="0"/>
-        </a:lnRef>
-        <a:fillRef idx="0">
-          <a:scrgbClr r="0" g="0" b="0"/>
-        </a:fillRef>
-        <a:effectRef idx="0">
-          <a:scrgbClr r="0" g="0" b="0"/>
-        </a:effectRef>
-        <a:fontRef idx="minor"/>
-      </dsp:style>
-      <dsp:txBody>
-        <a:bodyPr spcFirstLastPara="0" vert="horz" wrap="square" lIns="19050" tIns="0" rIns="19050" bIns="0" numCol="1" spcCol="1270" anchor="ctr" anchorCtr="0">
-          <a:noAutofit/>
-        </a:bodyPr>
-        <a:lstStyle/>
-        <a:p>
-          <a:pPr lvl="0" algn="l" defTabSz="222250">
-            <a:lnSpc>
-              <a:spcPct val="90000"/>
-            </a:lnSpc>
-            <a:spcBef>
-              <a:spcPct val="0"/>
-            </a:spcBef>
-            <a:spcAft>
-              <a:spcPct val="35000"/>
-            </a:spcAft>
-          </a:pPr>
-          <a:endParaRPr lang="en-US" sz="500" kern="1200" dirty="0"/>
-        </a:p>
-      </dsp:txBody>
-      <dsp:txXfrm>
-        <a:off x="2528978" y="737850"/>
-        <a:ext cx="58095" cy="524957"/>
-      </dsp:txXfrm>
-    </dsp:sp>
-    <dsp:sp modelId="{D9F18C37-13F1-4897-BD78-B2D73C9CEC35}">
-      <dsp:nvSpPr>
-        <dsp:cNvPr id="0" name=""/>
-        <dsp:cNvSpPr/>
-      </dsp:nvSpPr>
-      <dsp:spPr>
-        <a:xfrm>
-          <a:off x="2004020" y="1612779"/>
-          <a:ext cx="524957" cy="524957"/>
-        </a:xfrm>
-        <a:prstGeom prst="ellipse">
-          <a:avLst/>
-        </a:prstGeom>
-        <a:blipFill>
-          <a:blip xmlns:r="http://schemas.openxmlformats.org/officeDocument/2006/relationships" r:embed="rId2">
-            <a:extLst>
-              <a:ext uri="{28A0092B-C50C-407E-A947-70E740481C1C}">
-                <a14:useLocalDpi xmlns:a14="http://schemas.microsoft.com/office/drawing/2010/main" val="0"/>
-              </a:ext>
-            </a:extLst>
-          </a:blip>
-          <a:srcRect/>
-          <a:stretch>
-            <a:fillRect/>
-          </a:stretch>
-        </a:blipFill>
-        <a:ln w="15875" cap="flat" cmpd="sng" algn="ctr">
-          <a:solidFill>
-            <a:schemeClr val="lt1">
-              <a:hueOff val="0"/>
-              <a:satOff val="0"/>
-              <a:lumOff val="0"/>
-              <a:alphaOff val="0"/>
-            </a:schemeClr>
-          </a:solidFill>
-          <a:prstDash val="solid"/>
-        </a:ln>
-        <a:effectLst/>
-      </dsp:spPr>
-      <dsp:style>
-        <a:lnRef idx="2">
-          <a:scrgbClr r="0" g="0" b="0"/>
-        </a:lnRef>
-        <a:fillRef idx="1">
-          <a:scrgbClr r="0" g="0" b="0"/>
-        </a:fillRef>
-        <a:effectRef idx="0">
-          <a:scrgbClr r="0" g="0" b="0"/>
-        </a:effectRef>
-        <a:fontRef idx="minor"/>
-      </dsp:style>
-    </dsp:sp>
-    <dsp:sp modelId="{B7871CA1-FC24-42BC-A70F-44A5D62C8E6F}">
-      <dsp:nvSpPr>
-        <dsp:cNvPr id="0" name=""/>
-        <dsp:cNvSpPr/>
-      </dsp:nvSpPr>
-      <dsp:spPr>
-        <a:xfrm>
-          <a:off x="2528978" y="1612779"/>
-          <a:ext cx="58095" cy="524957"/>
-        </a:xfrm>
-        <a:prstGeom prst="rect">
-          <a:avLst/>
-        </a:prstGeom>
-        <a:noFill/>
-        <a:ln>
-          <a:noFill/>
-        </a:ln>
-        <a:effectLst/>
-      </dsp:spPr>
-      <dsp:style>
-        <a:lnRef idx="0">
-          <a:scrgbClr r="0" g="0" b="0"/>
-        </a:lnRef>
-        <a:fillRef idx="0">
-          <a:scrgbClr r="0" g="0" b="0"/>
-        </a:fillRef>
-        <a:effectRef idx="0">
-          <a:scrgbClr r="0" g="0" b="0"/>
-        </a:effectRef>
-        <a:fontRef idx="minor"/>
-      </dsp:style>
-      <dsp:txBody>
-        <a:bodyPr spcFirstLastPara="0" vert="horz" wrap="square" lIns="19050" tIns="0" rIns="19050" bIns="0" numCol="1" spcCol="1270" anchor="ctr" anchorCtr="0">
-          <a:noAutofit/>
-        </a:bodyPr>
-        <a:lstStyle/>
-        <a:p>
-          <a:pPr lvl="0" algn="l" defTabSz="222250">
-            <a:lnSpc>
-              <a:spcPct val="90000"/>
-            </a:lnSpc>
-            <a:spcBef>
-              <a:spcPct val="0"/>
-            </a:spcBef>
-            <a:spcAft>
-              <a:spcPct val="35000"/>
-            </a:spcAft>
-          </a:pPr>
-          <a:endParaRPr lang="en-US" sz="500" kern="1200"/>
-        </a:p>
-      </dsp:txBody>
-      <dsp:txXfrm>
-        <a:off x="2528978" y="1612779"/>
-        <a:ext cx="58095" cy="524957"/>
-      </dsp:txXfrm>
-    </dsp:sp>
   </dsp:spTree>
 </dsp:drawing>
 </file>
@@ -17371,15 +15956,7 @@
                   <a:srgbClr val="00B050"/>
                 </a:solidFill>
               </a:rPr>
-              <a:t>Citizens would get benefits from buying the </a:t>
-            </a:r>
-            <a:r>
-              <a:rPr lang="en-US" sz="1600" dirty="0" smtClean="0">
-                <a:solidFill>
-                  <a:srgbClr val="00B050"/>
-                </a:solidFill>
-              </a:rPr>
-              <a:t>app</a:t>
+              <a:t>Citizens would get benefits from buying the app</a:t>
             </a:r>
           </a:p>
           <a:p>
@@ -18136,11 +16713,7 @@
               <a:pPr algn="ctr"/>
               <a:r>
                 <a:rPr lang="en-US" sz="1400" dirty="0" smtClean="0"/>
-                <a:t>Provide </a:t>
-              </a:r>
-              <a:r>
-                <a:rPr lang="en-US" sz="1400" dirty="0" smtClean="0"/>
-                <a:t>incentives to citizens</a:t>
+                <a:t>Provide incentives to citizens</a:t>
               </a:r>
               <a:endParaRPr lang="en-US" sz="1400" dirty="0"/>
             </a:p>
@@ -18833,8 +17406,8 @@
         </p:blipFill>
         <p:spPr>
           <a:xfrm>
-            <a:off x="2090415" y="1916481"/>
-            <a:ext cx="2039121" cy="3479640"/>
+            <a:off x="1764434" y="1916480"/>
+            <a:ext cx="1713237" cy="2923538"/>
           </a:xfrm>
           <a:prstGeom prst="rect">
             <a:avLst/>
@@ -18863,8 +17436,8 @@
         </p:blipFill>
         <p:spPr>
           <a:xfrm>
-            <a:off x="10184167" y="1916480"/>
-            <a:ext cx="1951778" cy="3469827"/>
+            <a:off x="10379823" y="1897141"/>
+            <a:ext cx="1639853" cy="2915293"/>
           </a:xfrm>
           <a:prstGeom prst="rect">
             <a:avLst/>
@@ -18894,7 +17467,7 @@
         <p:spPr>
           <a:xfrm>
             <a:off x="79659" y="1916481"/>
-            <a:ext cx="1961320" cy="3486792"/>
+            <a:ext cx="1647870" cy="2929547"/>
           </a:xfrm>
           <a:prstGeom prst="rect">
             <a:avLst/>
@@ -18923,8 +17496,8 @@
         </p:blipFill>
         <p:spPr>
           <a:xfrm>
-            <a:off x="4177252" y="1906667"/>
-            <a:ext cx="1957298" cy="3479641"/>
+            <a:off x="3523357" y="1901490"/>
+            <a:ext cx="1644491" cy="2923539"/>
           </a:xfrm>
           <a:prstGeom prst="rect">
             <a:avLst/>
@@ -18953,8 +17526,8 @@
         </p:blipFill>
         <p:spPr>
           <a:xfrm>
-            <a:off x="6182266" y="1906667"/>
-            <a:ext cx="1968337" cy="3499268"/>
+            <a:off x="5240109" y="1904111"/>
+            <a:ext cx="1653765" cy="2940029"/>
           </a:xfrm>
           <a:prstGeom prst="rect">
             <a:avLst/>
@@ -18983,8 +17556,38 @@
         </p:blipFill>
         <p:spPr>
           <a:xfrm>
-            <a:off x="8187280" y="1901490"/>
-            <a:ext cx="1960210" cy="3484818"/>
+            <a:off x="6946845" y="1897141"/>
+            <a:ext cx="1646937" cy="2927888"/>
+          </a:xfrm>
+          <a:prstGeom prst="rect">
+            <a:avLst/>
+          </a:prstGeom>
+        </p:spPr>
+      </p:pic>
+      <p:pic>
+        <p:nvPicPr>
+          <p:cNvPr id="10" name="Grafik 9"/>
+          <p:cNvPicPr>
+            <a:picLocks noChangeAspect="1"/>
+          </p:cNvPicPr>
+          <p:nvPr/>
+        </p:nvPicPr>
+        <p:blipFill>
+          <a:blip r:embed="rId10">
+            <a:extLst>
+              <a:ext uri="{28A0092B-C50C-407E-A947-70E740481C1C}">
+                <a14:useLocalDpi xmlns:a14="http://schemas.microsoft.com/office/drawing/2010/main" val="0"/>
+              </a:ext>
+            </a:extLst>
+          </a:blip>
+          <a:stretch>
+            <a:fillRect/>
+          </a:stretch>
+        </p:blipFill>
+        <p:spPr>
+          <a:xfrm>
+            <a:off x="8657144" y="1902533"/>
+            <a:ext cx="1655540" cy="2943183"/>
           </a:xfrm>
           <a:prstGeom prst="rect">
             <a:avLst/>

--- a/Presentation/presentation.pptx
+++ b/Presentation/presentation.pptx
@@ -3456,6 +3456,577 @@
       <dsp:cNvGrpSpPr/>
     </dsp:nvGrpSpPr>
     <dsp:grpSpPr/>
+    <dsp:sp modelId="{81D5D1AA-DFA1-4FA1-83F7-791B095C9940}">
+      <dsp:nvSpPr>
+        <dsp:cNvPr id="0" name=""/>
+        <dsp:cNvSpPr/>
+      </dsp:nvSpPr>
+      <dsp:spPr>
+        <a:xfrm>
+          <a:off x="991035" y="1927754"/>
+          <a:ext cx="1405486" cy="0"/>
+        </a:xfrm>
+        <a:prstGeom prst="line">
+          <a:avLst/>
+        </a:prstGeom>
+        <a:noFill/>
+        <a:ln w="15875" cap="flat" cmpd="sng" algn="ctr">
+          <a:solidFill>
+            <a:schemeClr val="accent1">
+              <a:shade val="60000"/>
+              <a:hueOff val="0"/>
+              <a:satOff val="0"/>
+              <a:lumOff val="0"/>
+              <a:alphaOff val="0"/>
+            </a:schemeClr>
+          </a:solidFill>
+          <a:prstDash val="solid"/>
+        </a:ln>
+        <a:effectLst/>
+      </dsp:spPr>
+      <dsp:style>
+        <a:lnRef idx="2">
+          <a:scrgbClr r="0" g="0" b="0"/>
+        </a:lnRef>
+        <a:fillRef idx="0">
+          <a:scrgbClr r="0" g="0" b="0"/>
+        </a:fillRef>
+        <a:effectRef idx="0">
+          <a:scrgbClr r="0" g="0" b="0"/>
+        </a:effectRef>
+        <a:fontRef idx="minor"/>
+      </dsp:style>
+    </dsp:sp>
+    <dsp:sp modelId="{29385226-9B4C-4F58-8457-5AB3AA1AC5BB}">
+      <dsp:nvSpPr>
+        <dsp:cNvPr id="0" name=""/>
+        <dsp:cNvSpPr/>
+      </dsp:nvSpPr>
+      <dsp:spPr>
+        <a:xfrm>
+          <a:off x="991035" y="1437794"/>
+          <a:ext cx="1203902" cy="0"/>
+        </a:xfrm>
+        <a:prstGeom prst="line">
+          <a:avLst/>
+        </a:prstGeom>
+        <a:noFill/>
+        <a:ln w="15875" cap="flat" cmpd="sng" algn="ctr">
+          <a:solidFill>
+            <a:schemeClr val="accent1">
+              <a:shade val="60000"/>
+              <a:hueOff val="0"/>
+              <a:satOff val="0"/>
+              <a:lumOff val="0"/>
+              <a:alphaOff val="0"/>
+            </a:schemeClr>
+          </a:solidFill>
+          <a:prstDash val="solid"/>
+        </a:ln>
+        <a:effectLst/>
+      </dsp:spPr>
+      <dsp:style>
+        <a:lnRef idx="2">
+          <a:scrgbClr r="0" g="0" b="0"/>
+        </a:lnRef>
+        <a:fillRef idx="0">
+          <a:scrgbClr r="0" g="0" b="0"/>
+        </a:fillRef>
+        <a:effectRef idx="0">
+          <a:scrgbClr r="0" g="0" b="0"/>
+        </a:effectRef>
+        <a:fontRef idx="minor"/>
+      </dsp:style>
+    </dsp:sp>
+    <dsp:sp modelId="{2D87F9F4-6A8E-4D0C-B5F9-2C5E8C115BB6}">
+      <dsp:nvSpPr>
+        <dsp:cNvPr id="0" name=""/>
+        <dsp:cNvSpPr/>
+      </dsp:nvSpPr>
+      <dsp:spPr>
+        <a:xfrm>
+          <a:off x="991035" y="947833"/>
+          <a:ext cx="1405486" cy="0"/>
+        </a:xfrm>
+        <a:prstGeom prst="line">
+          <a:avLst/>
+        </a:prstGeom>
+        <a:noFill/>
+        <a:ln w="15875" cap="flat" cmpd="sng" algn="ctr">
+          <a:solidFill>
+            <a:schemeClr val="accent1">
+              <a:shade val="60000"/>
+              <a:hueOff val="0"/>
+              <a:satOff val="0"/>
+              <a:lumOff val="0"/>
+              <a:alphaOff val="0"/>
+            </a:schemeClr>
+          </a:solidFill>
+          <a:prstDash val="solid"/>
+        </a:ln>
+        <a:effectLst/>
+      </dsp:spPr>
+      <dsp:style>
+        <a:lnRef idx="2">
+          <a:scrgbClr r="0" g="0" b="0"/>
+        </a:lnRef>
+        <a:fillRef idx="0">
+          <a:scrgbClr r="0" g="0" b="0"/>
+        </a:fillRef>
+        <a:effectRef idx="0">
+          <a:scrgbClr r="0" g="0" b="0"/>
+        </a:effectRef>
+        <a:fontRef idx="minor"/>
+      </dsp:style>
+    </dsp:sp>
+    <dsp:sp modelId="{102B0FEB-2C79-4C0B-A880-F173FA41F8E2}">
+      <dsp:nvSpPr>
+        <dsp:cNvPr id="0" name=""/>
+        <dsp:cNvSpPr/>
+      </dsp:nvSpPr>
+      <dsp:spPr>
+        <a:xfrm>
+          <a:off x="291092" y="737850"/>
+          <a:ext cx="1399886" cy="1399886"/>
+        </a:xfrm>
+        <a:prstGeom prst="ellipse">
+          <a:avLst/>
+        </a:prstGeom>
+        <a:blipFill>
+          <a:blip xmlns:r="http://schemas.openxmlformats.org/officeDocument/2006/relationships" r:embed="rId1">
+            <a:extLst>
+              <a:ext uri="{28A0092B-C50C-407E-A947-70E740481C1C}">
+                <a14:useLocalDpi xmlns:a14="http://schemas.microsoft.com/office/drawing/2010/main" val="0"/>
+              </a:ext>
+            </a:extLst>
+          </a:blip>
+          <a:srcRect/>
+          <a:stretch>
+            <a:fillRect l="-20000" r="-20000"/>
+          </a:stretch>
+        </a:blipFill>
+        <a:ln w="15875" cap="flat" cmpd="sng" algn="ctr">
+          <a:solidFill>
+            <a:schemeClr val="lt1">
+              <a:hueOff val="0"/>
+              <a:satOff val="0"/>
+              <a:lumOff val="0"/>
+              <a:alphaOff val="0"/>
+            </a:schemeClr>
+          </a:solidFill>
+          <a:prstDash val="solid"/>
+        </a:ln>
+        <a:effectLst/>
+      </dsp:spPr>
+      <dsp:style>
+        <a:lnRef idx="2">
+          <a:scrgbClr r="0" g="0" b="0"/>
+        </a:lnRef>
+        <a:fillRef idx="1">
+          <a:scrgbClr r="0" g="0" b="0"/>
+        </a:fillRef>
+        <a:effectRef idx="0">
+          <a:scrgbClr r="0" g="0" b="0"/>
+        </a:effectRef>
+        <a:fontRef idx="minor"/>
+      </dsp:style>
+    </dsp:sp>
+    <dsp:sp modelId="{C816E364-B771-48D9-B2C9-859663A9D561}">
+      <dsp:nvSpPr>
+        <dsp:cNvPr id="0" name=""/>
+        <dsp:cNvSpPr/>
+      </dsp:nvSpPr>
+      <dsp:spPr>
+        <a:xfrm>
+          <a:off x="110204" y="1652146"/>
+          <a:ext cx="1692406" cy="710928"/>
+        </a:xfrm>
+        <a:prstGeom prst="rect">
+          <a:avLst/>
+        </a:prstGeom>
+        <a:noFill/>
+        <a:ln w="15875" cap="flat" cmpd="sng" algn="ctr">
+          <a:noFill/>
+          <a:prstDash val="solid"/>
+        </a:ln>
+        <a:effectLst/>
+        <a:sp3d/>
+      </dsp:spPr>
+      <dsp:style>
+        <a:lnRef idx="2">
+          <a:scrgbClr r="0" g="0" b="0"/>
+        </a:lnRef>
+        <a:fillRef idx="1">
+          <a:scrgbClr r="0" g="0" b="0"/>
+        </a:fillRef>
+        <a:effectRef idx="0">
+          <a:scrgbClr r="0" g="0" b="0"/>
+        </a:effectRef>
+        <a:fontRef idx="minor">
+          <a:schemeClr val="lt1"/>
+        </a:fontRef>
+      </dsp:style>
+      <dsp:txBody>
+        <a:bodyPr spcFirstLastPara="0" vert="horz" wrap="square" lIns="0" tIns="0" rIns="0" bIns="0" numCol="1" spcCol="1270" anchor="b" anchorCtr="0">
+          <a:noAutofit/>
+        </a:bodyPr>
+        <a:lstStyle/>
+        <a:p>
+          <a:pPr lvl="0" algn="ctr" defTabSz="800100">
+            <a:lnSpc>
+              <a:spcPct val="90000"/>
+            </a:lnSpc>
+            <a:spcBef>
+              <a:spcPct val="0"/>
+            </a:spcBef>
+            <a:spcAft>
+              <a:spcPct val="35000"/>
+            </a:spcAft>
+          </a:pPr>
+          <a:r>
+            <a:rPr lang="en-US" sz="1800" kern="1200" dirty="0" smtClean="0">
+              <a:solidFill>
+                <a:srgbClr val="002060"/>
+              </a:solidFill>
+            </a:rPr>
+            <a:t>Environment</a:t>
+          </a:r>
+          <a:endParaRPr lang="en-US" sz="2300" kern="1200" dirty="0">
+            <a:solidFill>
+              <a:srgbClr val="002060"/>
+            </a:solidFill>
+          </a:endParaRPr>
+        </a:p>
+      </dsp:txBody>
+      <dsp:txXfrm>
+        <a:off x="110204" y="1652146"/>
+        <a:ext cx="1692406" cy="710928"/>
+      </dsp:txXfrm>
+    </dsp:sp>
+    <dsp:sp modelId="{EB7BFFA1-D2BB-4660-9BEB-812D414C080F}">
+      <dsp:nvSpPr>
+        <dsp:cNvPr id="0" name=""/>
+        <dsp:cNvSpPr/>
+      </dsp:nvSpPr>
+      <dsp:spPr>
+        <a:xfrm>
+          <a:off x="2186538" y="737850"/>
+          <a:ext cx="419965" cy="419965"/>
+        </a:xfrm>
+        <a:prstGeom prst="ellipse">
+          <a:avLst/>
+        </a:prstGeom>
+        <a:blipFill>
+          <a:blip xmlns:r="http://schemas.openxmlformats.org/officeDocument/2006/relationships" r:embed="rId2">
+            <a:extLst>
+              <a:ext uri="{28A0092B-C50C-407E-A947-70E740481C1C}">
+                <a14:useLocalDpi xmlns:a14="http://schemas.microsoft.com/office/drawing/2010/main" val="0"/>
+              </a:ext>
+            </a:extLst>
+          </a:blip>
+          <a:srcRect/>
+          <a:stretch>
+            <a:fillRect/>
+          </a:stretch>
+        </a:blipFill>
+        <a:ln w="15875" cap="flat" cmpd="sng" algn="ctr">
+          <a:solidFill>
+            <a:schemeClr val="lt1">
+              <a:hueOff val="0"/>
+              <a:satOff val="0"/>
+              <a:lumOff val="0"/>
+              <a:alphaOff val="0"/>
+            </a:schemeClr>
+          </a:solidFill>
+          <a:prstDash val="solid"/>
+        </a:ln>
+        <a:effectLst/>
+      </dsp:spPr>
+      <dsp:style>
+        <a:lnRef idx="2">
+          <a:scrgbClr r="0" g="0" b="0"/>
+        </a:lnRef>
+        <a:fillRef idx="1">
+          <a:scrgbClr r="0" g="0" b="0"/>
+        </a:fillRef>
+        <a:effectRef idx="0">
+          <a:scrgbClr r="0" g="0" b="0"/>
+        </a:effectRef>
+        <a:fontRef idx="minor"/>
+      </dsp:style>
+    </dsp:sp>
+    <dsp:sp modelId="{026D53AE-A1FD-47DE-A160-0750354F5DB6}">
+      <dsp:nvSpPr>
+        <dsp:cNvPr id="0" name=""/>
+        <dsp:cNvSpPr/>
+      </dsp:nvSpPr>
+      <dsp:spPr>
+        <a:xfrm>
+          <a:off x="2606504" y="737850"/>
+          <a:ext cx="48436" cy="419965"/>
+        </a:xfrm>
+        <a:prstGeom prst="rect">
+          <a:avLst/>
+        </a:prstGeom>
+        <a:noFill/>
+        <a:ln>
+          <a:noFill/>
+        </a:ln>
+        <a:effectLst/>
+      </dsp:spPr>
+      <dsp:style>
+        <a:lnRef idx="0">
+          <a:scrgbClr r="0" g="0" b="0"/>
+        </a:lnRef>
+        <a:fillRef idx="0">
+          <a:scrgbClr r="0" g="0" b="0"/>
+        </a:fillRef>
+        <a:effectRef idx="0">
+          <a:scrgbClr r="0" g="0" b="0"/>
+        </a:effectRef>
+        <a:fontRef idx="minor"/>
+      </dsp:style>
+      <dsp:txBody>
+        <a:bodyPr spcFirstLastPara="0" vert="horz" wrap="square" lIns="114300" tIns="0" rIns="114300" bIns="0" numCol="1" spcCol="1270" anchor="ctr" anchorCtr="0">
+          <a:noAutofit/>
+        </a:bodyPr>
+        <a:lstStyle/>
+        <a:p>
+          <a:pPr lvl="0" algn="l" defTabSz="1333500">
+            <a:lnSpc>
+              <a:spcPct val="90000"/>
+            </a:lnSpc>
+            <a:spcBef>
+              <a:spcPct val="0"/>
+            </a:spcBef>
+            <a:spcAft>
+              <a:spcPct val="35000"/>
+            </a:spcAft>
+          </a:pPr>
+          <a:endParaRPr lang="en-US" sz="3000" kern="1200"/>
+        </a:p>
+      </dsp:txBody>
+      <dsp:txXfrm>
+        <a:off x="2606504" y="737850"/>
+        <a:ext cx="48436" cy="419965"/>
+      </dsp:txXfrm>
+    </dsp:sp>
+    <dsp:sp modelId="{D9F18C37-13F1-4897-BD78-B2D73C9CEC35}">
+      <dsp:nvSpPr>
+        <dsp:cNvPr id="0" name=""/>
+        <dsp:cNvSpPr/>
+      </dsp:nvSpPr>
+      <dsp:spPr>
+        <a:xfrm>
+          <a:off x="1984955" y="1227811"/>
+          <a:ext cx="419965" cy="419965"/>
+        </a:xfrm>
+        <a:prstGeom prst="ellipse">
+          <a:avLst/>
+        </a:prstGeom>
+        <a:blipFill>
+          <a:blip xmlns:r="http://schemas.openxmlformats.org/officeDocument/2006/relationships" r:embed="rId2">
+            <a:extLst>
+              <a:ext uri="{28A0092B-C50C-407E-A947-70E740481C1C}">
+                <a14:useLocalDpi xmlns:a14="http://schemas.microsoft.com/office/drawing/2010/main" val="0"/>
+              </a:ext>
+            </a:extLst>
+          </a:blip>
+          <a:srcRect/>
+          <a:stretch>
+            <a:fillRect/>
+          </a:stretch>
+        </a:blipFill>
+        <a:ln w="15875" cap="flat" cmpd="sng" algn="ctr">
+          <a:solidFill>
+            <a:schemeClr val="lt1">
+              <a:hueOff val="0"/>
+              <a:satOff val="0"/>
+              <a:lumOff val="0"/>
+              <a:alphaOff val="0"/>
+            </a:schemeClr>
+          </a:solidFill>
+          <a:prstDash val="solid"/>
+        </a:ln>
+        <a:effectLst/>
+      </dsp:spPr>
+      <dsp:style>
+        <a:lnRef idx="2">
+          <a:scrgbClr r="0" g="0" b="0"/>
+        </a:lnRef>
+        <a:fillRef idx="1">
+          <a:scrgbClr r="0" g="0" b="0"/>
+        </a:fillRef>
+        <a:effectRef idx="0">
+          <a:scrgbClr r="0" g="0" b="0"/>
+        </a:effectRef>
+        <a:fontRef idx="minor"/>
+      </dsp:style>
+    </dsp:sp>
+    <dsp:sp modelId="{B7871CA1-FC24-42BC-A70F-44A5D62C8E6F}">
+      <dsp:nvSpPr>
+        <dsp:cNvPr id="0" name=""/>
+        <dsp:cNvSpPr/>
+      </dsp:nvSpPr>
+      <dsp:spPr>
+        <a:xfrm>
+          <a:off x="2404921" y="1227811"/>
+          <a:ext cx="68594" cy="419965"/>
+        </a:xfrm>
+        <a:prstGeom prst="rect">
+          <a:avLst/>
+        </a:prstGeom>
+        <a:noFill/>
+        <a:ln>
+          <a:noFill/>
+        </a:ln>
+        <a:effectLst/>
+      </dsp:spPr>
+      <dsp:style>
+        <a:lnRef idx="0">
+          <a:scrgbClr r="0" g="0" b="0"/>
+        </a:lnRef>
+        <a:fillRef idx="0">
+          <a:scrgbClr r="0" g="0" b="0"/>
+        </a:fillRef>
+        <a:effectRef idx="0">
+          <a:scrgbClr r="0" g="0" b="0"/>
+        </a:effectRef>
+        <a:fontRef idx="minor"/>
+      </dsp:style>
+      <dsp:txBody>
+        <a:bodyPr spcFirstLastPara="0" vert="horz" wrap="square" lIns="19050" tIns="0" rIns="19050" bIns="0" numCol="1" spcCol="1270" anchor="ctr" anchorCtr="0">
+          <a:noAutofit/>
+        </a:bodyPr>
+        <a:lstStyle/>
+        <a:p>
+          <a:pPr lvl="0" algn="l" defTabSz="222250">
+            <a:lnSpc>
+              <a:spcPct val="90000"/>
+            </a:lnSpc>
+            <a:spcBef>
+              <a:spcPct val="0"/>
+            </a:spcBef>
+            <a:spcAft>
+              <a:spcPct val="35000"/>
+            </a:spcAft>
+          </a:pPr>
+          <a:endParaRPr lang="en-US" sz="500" kern="1200" dirty="0"/>
+        </a:p>
+      </dsp:txBody>
+      <dsp:txXfrm>
+        <a:off x="2404921" y="1227811"/>
+        <a:ext cx="68594" cy="419965"/>
+      </dsp:txXfrm>
+    </dsp:sp>
+    <dsp:sp modelId="{1316DF12-97B7-4861-B69C-4366EB4DCF88}">
+      <dsp:nvSpPr>
+        <dsp:cNvPr id="0" name=""/>
+        <dsp:cNvSpPr/>
+      </dsp:nvSpPr>
+      <dsp:spPr>
+        <a:xfrm>
+          <a:off x="2186538" y="1717771"/>
+          <a:ext cx="419965" cy="419965"/>
+        </a:xfrm>
+        <a:prstGeom prst="ellipse">
+          <a:avLst/>
+        </a:prstGeom>
+        <a:blipFill>
+          <a:blip xmlns:r="http://schemas.openxmlformats.org/officeDocument/2006/relationships" r:embed="rId2">
+            <a:extLst>
+              <a:ext uri="{28A0092B-C50C-407E-A947-70E740481C1C}">
+                <a14:useLocalDpi xmlns:a14="http://schemas.microsoft.com/office/drawing/2010/main" val="0"/>
+              </a:ext>
+            </a:extLst>
+          </a:blip>
+          <a:srcRect/>
+          <a:stretch>
+            <a:fillRect/>
+          </a:stretch>
+        </a:blipFill>
+        <a:ln w="15875" cap="flat" cmpd="sng" algn="ctr">
+          <a:solidFill>
+            <a:schemeClr val="lt1">
+              <a:hueOff val="0"/>
+              <a:satOff val="0"/>
+              <a:lumOff val="0"/>
+              <a:alphaOff val="0"/>
+            </a:schemeClr>
+          </a:solidFill>
+          <a:prstDash val="solid"/>
+        </a:ln>
+        <a:effectLst/>
+      </dsp:spPr>
+      <dsp:style>
+        <a:lnRef idx="2">
+          <a:scrgbClr r="0" g="0" b="0"/>
+        </a:lnRef>
+        <a:fillRef idx="1">
+          <a:scrgbClr r="0" g="0" b="0"/>
+        </a:fillRef>
+        <a:effectRef idx="0">
+          <a:scrgbClr r="0" g="0" b="0"/>
+        </a:effectRef>
+        <a:fontRef idx="minor"/>
+      </dsp:style>
+    </dsp:sp>
+    <dsp:sp modelId="{2D3711F3-3265-4495-99D9-F46D42216CE5}">
+      <dsp:nvSpPr>
+        <dsp:cNvPr id="0" name=""/>
+        <dsp:cNvSpPr/>
+      </dsp:nvSpPr>
+      <dsp:spPr>
+        <a:xfrm>
+          <a:off x="2606504" y="1717771"/>
+          <a:ext cx="48436" cy="419965"/>
+        </a:xfrm>
+        <a:prstGeom prst="rect">
+          <a:avLst/>
+        </a:prstGeom>
+        <a:noFill/>
+        <a:ln>
+          <a:noFill/>
+        </a:ln>
+        <a:effectLst/>
+      </dsp:spPr>
+      <dsp:style>
+        <a:lnRef idx="0">
+          <a:scrgbClr r="0" g="0" b="0"/>
+        </a:lnRef>
+        <a:fillRef idx="0">
+          <a:scrgbClr r="0" g="0" b="0"/>
+        </a:fillRef>
+        <a:effectRef idx="0">
+          <a:scrgbClr r="0" g="0" b="0"/>
+        </a:effectRef>
+        <a:fontRef idx="minor"/>
+      </dsp:style>
+      <dsp:txBody>
+        <a:bodyPr spcFirstLastPara="0" vert="horz" wrap="square" lIns="19050" tIns="0" rIns="19050" bIns="0" numCol="1" spcCol="1270" anchor="ctr" anchorCtr="0">
+          <a:noAutofit/>
+        </a:bodyPr>
+        <a:lstStyle/>
+        <a:p>
+          <a:pPr lvl="0" algn="l" defTabSz="222250">
+            <a:lnSpc>
+              <a:spcPct val="90000"/>
+            </a:lnSpc>
+            <a:spcBef>
+              <a:spcPct val="0"/>
+            </a:spcBef>
+            <a:spcAft>
+              <a:spcPct val="35000"/>
+            </a:spcAft>
+          </a:pPr>
+          <a:endParaRPr lang="en-US" sz="500" kern="1200"/>
+        </a:p>
+      </dsp:txBody>
+      <dsp:txXfrm>
+        <a:off x="2606504" y="1717771"/>
+        <a:ext cx="48436" cy="419965"/>
+      </dsp:txXfrm>
+    </dsp:sp>
   </dsp:spTree>
 </dsp:drawing>
 </file>
@@ -3468,6 +4039,428 @@
       <dsp:cNvGrpSpPr/>
     </dsp:nvGrpSpPr>
     <dsp:grpSpPr/>
+    <dsp:sp modelId="{29385226-9B4C-4F58-8457-5AB3AA1AC5BB}">
+      <dsp:nvSpPr>
+        <dsp:cNvPr id="0" name=""/>
+        <dsp:cNvSpPr/>
+      </dsp:nvSpPr>
+      <dsp:spPr>
+        <a:xfrm>
+          <a:off x="961372" y="1875258"/>
+          <a:ext cx="1256398" cy="0"/>
+        </a:xfrm>
+        <a:prstGeom prst="line">
+          <a:avLst/>
+        </a:prstGeom>
+        <a:noFill/>
+        <a:ln w="15875" cap="flat" cmpd="sng" algn="ctr">
+          <a:solidFill>
+            <a:schemeClr val="accent1">
+              <a:shade val="60000"/>
+              <a:hueOff val="0"/>
+              <a:satOff val="0"/>
+              <a:lumOff val="0"/>
+              <a:alphaOff val="0"/>
+            </a:schemeClr>
+          </a:solidFill>
+          <a:prstDash val="solid"/>
+        </a:ln>
+        <a:effectLst/>
+      </dsp:spPr>
+      <dsp:style>
+        <a:lnRef idx="2">
+          <a:scrgbClr r="0" g="0" b="0"/>
+        </a:lnRef>
+        <a:fillRef idx="0">
+          <a:scrgbClr r="0" g="0" b="0"/>
+        </a:fillRef>
+        <a:effectRef idx="0">
+          <a:scrgbClr r="0" g="0" b="0"/>
+        </a:effectRef>
+        <a:fontRef idx="minor"/>
+      </dsp:style>
+    </dsp:sp>
+    <dsp:sp modelId="{8E3C74F7-8E7E-406C-8F07-CAA80534AC2B}">
+      <dsp:nvSpPr>
+        <dsp:cNvPr id="0" name=""/>
+        <dsp:cNvSpPr/>
+      </dsp:nvSpPr>
+      <dsp:spPr>
+        <a:xfrm>
+          <a:off x="961372" y="1000329"/>
+          <a:ext cx="1256398" cy="0"/>
+        </a:xfrm>
+        <a:prstGeom prst="line">
+          <a:avLst/>
+        </a:prstGeom>
+        <a:noFill/>
+        <a:ln w="15875" cap="flat" cmpd="sng" algn="ctr">
+          <a:solidFill>
+            <a:schemeClr val="accent1">
+              <a:shade val="60000"/>
+              <a:hueOff val="0"/>
+              <a:satOff val="0"/>
+              <a:lumOff val="0"/>
+              <a:alphaOff val="0"/>
+            </a:schemeClr>
+          </a:solidFill>
+          <a:prstDash val="solid"/>
+        </a:ln>
+        <a:effectLst/>
+      </dsp:spPr>
+      <dsp:style>
+        <a:lnRef idx="2">
+          <a:scrgbClr r="0" g="0" b="0"/>
+        </a:lnRef>
+        <a:fillRef idx="0">
+          <a:scrgbClr r="0" g="0" b="0"/>
+        </a:fillRef>
+        <a:effectRef idx="0">
+          <a:scrgbClr r="0" g="0" b="0"/>
+        </a:effectRef>
+        <a:fontRef idx="minor"/>
+      </dsp:style>
+    </dsp:sp>
+    <dsp:sp modelId="{102B0FEB-2C79-4C0B-A880-F173FA41F8E2}">
+      <dsp:nvSpPr>
+        <dsp:cNvPr id="0" name=""/>
+        <dsp:cNvSpPr/>
+      </dsp:nvSpPr>
+      <dsp:spPr>
+        <a:xfrm>
+          <a:off x="261428" y="737850"/>
+          <a:ext cx="1399886" cy="1399886"/>
+        </a:xfrm>
+        <a:prstGeom prst="ellipse">
+          <a:avLst/>
+        </a:prstGeom>
+        <a:blipFill>
+          <a:blip xmlns:r="http://schemas.openxmlformats.org/officeDocument/2006/relationships" r:embed="rId1">
+            <a:extLst>
+              <a:ext uri="{28A0092B-C50C-407E-A947-70E740481C1C}">
+                <a14:useLocalDpi xmlns:a14="http://schemas.microsoft.com/office/drawing/2010/main" val="0"/>
+              </a:ext>
+            </a:extLst>
+          </a:blip>
+          <a:srcRect/>
+          <a:stretch>
+            <a:fillRect l="-26000" r="-26000"/>
+          </a:stretch>
+        </a:blipFill>
+        <a:ln w="15875" cap="flat" cmpd="sng" algn="ctr">
+          <a:solidFill>
+            <a:schemeClr val="lt1">
+              <a:hueOff val="0"/>
+              <a:satOff val="0"/>
+              <a:lumOff val="0"/>
+              <a:alphaOff val="0"/>
+            </a:schemeClr>
+          </a:solidFill>
+          <a:prstDash val="solid"/>
+        </a:ln>
+        <a:effectLst/>
+      </dsp:spPr>
+      <dsp:style>
+        <a:lnRef idx="2">
+          <a:scrgbClr r="0" g="0" b="0"/>
+        </a:lnRef>
+        <a:fillRef idx="1">
+          <a:scrgbClr r="0" g="0" b="0"/>
+        </a:fillRef>
+        <a:effectRef idx="0">
+          <a:scrgbClr r="0" g="0" b="0"/>
+        </a:effectRef>
+        <a:fontRef idx="minor"/>
+      </dsp:style>
+    </dsp:sp>
+    <dsp:sp modelId="{C816E364-B771-48D9-B2C9-859663A9D561}">
+      <dsp:nvSpPr>
+        <dsp:cNvPr id="0" name=""/>
+        <dsp:cNvSpPr/>
+      </dsp:nvSpPr>
+      <dsp:spPr>
+        <a:xfrm>
+          <a:off x="447602" y="1938330"/>
+          <a:ext cx="895927" cy="461962"/>
+        </a:xfrm>
+        <a:prstGeom prst="rect">
+          <a:avLst/>
+        </a:prstGeom>
+        <a:noFill/>
+        <a:ln w="15875" cap="flat" cmpd="sng" algn="ctr">
+          <a:noFill/>
+          <a:prstDash val="solid"/>
+        </a:ln>
+        <a:effectLst/>
+        <a:sp3d/>
+      </dsp:spPr>
+      <dsp:style>
+        <a:lnRef idx="2">
+          <a:scrgbClr r="0" g="0" b="0"/>
+        </a:lnRef>
+        <a:fillRef idx="1">
+          <a:scrgbClr r="0" g="0" b="0"/>
+        </a:fillRef>
+        <a:effectRef idx="0">
+          <a:scrgbClr r="0" g="0" b="0"/>
+        </a:effectRef>
+        <a:fontRef idx="minor">
+          <a:schemeClr val="lt1"/>
+        </a:fontRef>
+      </dsp:style>
+      <dsp:txBody>
+        <a:bodyPr spcFirstLastPara="0" vert="horz" wrap="square" lIns="0" tIns="0" rIns="0" bIns="0" numCol="1" spcCol="1270" anchor="b" anchorCtr="0">
+          <a:noAutofit/>
+        </a:bodyPr>
+        <a:lstStyle/>
+        <a:p>
+          <a:pPr lvl="0" algn="ctr" defTabSz="800100">
+            <a:lnSpc>
+              <a:spcPct val="90000"/>
+            </a:lnSpc>
+            <a:spcBef>
+              <a:spcPct val="0"/>
+            </a:spcBef>
+            <a:spcAft>
+              <a:spcPct val="35000"/>
+            </a:spcAft>
+          </a:pPr>
+          <a:r>
+            <a:rPr lang="en-US" sz="1800" kern="1200" dirty="0" smtClean="0">
+              <a:solidFill>
+                <a:srgbClr val="002060"/>
+              </a:solidFill>
+            </a:rPr>
+            <a:t>Transport</a:t>
+          </a:r>
+          <a:endParaRPr lang="en-US" sz="1800" kern="1200" dirty="0">
+            <a:solidFill>
+              <a:srgbClr val="002060"/>
+            </a:solidFill>
+          </a:endParaRPr>
+        </a:p>
+      </dsp:txBody>
+      <dsp:txXfrm>
+        <a:off x="447602" y="1938330"/>
+        <a:ext cx="895927" cy="461962"/>
+      </dsp:txXfrm>
+    </dsp:sp>
+    <dsp:sp modelId="{6F9F7AF7-0896-4453-8938-36BFA1083524}">
+      <dsp:nvSpPr>
+        <dsp:cNvPr id="0" name=""/>
+        <dsp:cNvSpPr/>
+      </dsp:nvSpPr>
+      <dsp:spPr>
+        <a:xfrm>
+          <a:off x="1955291" y="737850"/>
+          <a:ext cx="524957" cy="524957"/>
+        </a:xfrm>
+        <a:prstGeom prst="ellipse">
+          <a:avLst/>
+        </a:prstGeom>
+        <a:blipFill>
+          <a:blip xmlns:r="http://schemas.openxmlformats.org/officeDocument/2006/relationships" r:embed="rId2">
+            <a:extLst>
+              <a:ext uri="{28A0092B-C50C-407E-A947-70E740481C1C}">
+                <a14:useLocalDpi xmlns:a14="http://schemas.microsoft.com/office/drawing/2010/main" val="0"/>
+              </a:ext>
+            </a:extLst>
+          </a:blip>
+          <a:srcRect/>
+          <a:stretch>
+            <a:fillRect/>
+          </a:stretch>
+        </a:blipFill>
+        <a:ln w="15875" cap="flat" cmpd="sng" algn="ctr">
+          <a:solidFill>
+            <a:schemeClr val="lt1">
+              <a:hueOff val="0"/>
+              <a:satOff val="0"/>
+              <a:lumOff val="0"/>
+              <a:alphaOff val="0"/>
+            </a:schemeClr>
+          </a:solidFill>
+          <a:prstDash val="solid"/>
+        </a:ln>
+        <a:effectLst/>
+      </dsp:spPr>
+      <dsp:style>
+        <a:lnRef idx="2">
+          <a:scrgbClr r="0" g="0" b="0"/>
+        </a:lnRef>
+        <a:fillRef idx="1">
+          <a:scrgbClr r="0" g="0" b="0"/>
+        </a:fillRef>
+        <a:effectRef idx="0">
+          <a:scrgbClr r="0" g="0" b="0"/>
+        </a:effectRef>
+        <a:fontRef idx="minor"/>
+      </dsp:style>
+    </dsp:sp>
+    <dsp:sp modelId="{4A44FB93-5AA3-4163-B2BE-401183C04FA2}">
+      <dsp:nvSpPr>
+        <dsp:cNvPr id="0" name=""/>
+        <dsp:cNvSpPr/>
+      </dsp:nvSpPr>
+      <dsp:spPr>
+        <a:xfrm>
+          <a:off x="2480248" y="737850"/>
+          <a:ext cx="58095" cy="524957"/>
+        </a:xfrm>
+        <a:prstGeom prst="rect">
+          <a:avLst/>
+        </a:prstGeom>
+        <a:noFill/>
+        <a:ln>
+          <a:noFill/>
+        </a:ln>
+        <a:effectLst/>
+      </dsp:spPr>
+      <dsp:style>
+        <a:lnRef idx="0">
+          <a:scrgbClr r="0" g="0" b="0"/>
+        </a:lnRef>
+        <a:fillRef idx="0">
+          <a:scrgbClr r="0" g="0" b="0"/>
+        </a:fillRef>
+        <a:effectRef idx="0">
+          <a:scrgbClr r="0" g="0" b="0"/>
+        </a:effectRef>
+        <a:fontRef idx="minor"/>
+      </dsp:style>
+      <dsp:txBody>
+        <a:bodyPr spcFirstLastPara="0" vert="horz" wrap="square" lIns="19050" tIns="0" rIns="19050" bIns="0" numCol="1" spcCol="1270" anchor="ctr" anchorCtr="0">
+          <a:noAutofit/>
+        </a:bodyPr>
+        <a:lstStyle/>
+        <a:p>
+          <a:pPr lvl="0" algn="l" defTabSz="222250">
+            <a:lnSpc>
+              <a:spcPct val="90000"/>
+            </a:lnSpc>
+            <a:spcBef>
+              <a:spcPct val="0"/>
+            </a:spcBef>
+            <a:spcAft>
+              <a:spcPct val="35000"/>
+            </a:spcAft>
+          </a:pPr>
+          <a:endParaRPr lang="en-US" sz="500" kern="1200" dirty="0"/>
+        </a:p>
+      </dsp:txBody>
+      <dsp:txXfrm>
+        <a:off x="2480248" y="737850"/>
+        <a:ext cx="58095" cy="524957"/>
+      </dsp:txXfrm>
+    </dsp:sp>
+    <dsp:sp modelId="{D9F18C37-13F1-4897-BD78-B2D73C9CEC35}">
+      <dsp:nvSpPr>
+        <dsp:cNvPr id="0" name=""/>
+        <dsp:cNvSpPr/>
+      </dsp:nvSpPr>
+      <dsp:spPr>
+        <a:xfrm>
+          <a:off x="1955291" y="1612779"/>
+          <a:ext cx="524957" cy="524957"/>
+        </a:xfrm>
+        <a:prstGeom prst="ellipse">
+          <a:avLst/>
+        </a:prstGeom>
+        <a:blipFill>
+          <a:blip xmlns:r="http://schemas.openxmlformats.org/officeDocument/2006/relationships" r:embed="rId2">
+            <a:extLst>
+              <a:ext uri="{28A0092B-C50C-407E-A947-70E740481C1C}">
+                <a14:useLocalDpi xmlns:a14="http://schemas.microsoft.com/office/drawing/2010/main" val="0"/>
+              </a:ext>
+            </a:extLst>
+          </a:blip>
+          <a:srcRect/>
+          <a:stretch>
+            <a:fillRect/>
+          </a:stretch>
+        </a:blipFill>
+        <a:ln w="15875" cap="flat" cmpd="sng" algn="ctr">
+          <a:solidFill>
+            <a:schemeClr val="lt1">
+              <a:hueOff val="0"/>
+              <a:satOff val="0"/>
+              <a:lumOff val="0"/>
+              <a:alphaOff val="0"/>
+            </a:schemeClr>
+          </a:solidFill>
+          <a:prstDash val="solid"/>
+        </a:ln>
+        <a:effectLst/>
+      </dsp:spPr>
+      <dsp:style>
+        <a:lnRef idx="2">
+          <a:scrgbClr r="0" g="0" b="0"/>
+        </a:lnRef>
+        <a:fillRef idx="1">
+          <a:scrgbClr r="0" g="0" b="0"/>
+        </a:fillRef>
+        <a:effectRef idx="0">
+          <a:scrgbClr r="0" g="0" b="0"/>
+        </a:effectRef>
+        <a:fontRef idx="minor"/>
+      </dsp:style>
+    </dsp:sp>
+    <dsp:sp modelId="{B7871CA1-FC24-42BC-A70F-44A5D62C8E6F}">
+      <dsp:nvSpPr>
+        <dsp:cNvPr id="0" name=""/>
+        <dsp:cNvSpPr/>
+      </dsp:nvSpPr>
+      <dsp:spPr>
+        <a:xfrm>
+          <a:off x="2480248" y="1612779"/>
+          <a:ext cx="58095" cy="524957"/>
+        </a:xfrm>
+        <a:prstGeom prst="rect">
+          <a:avLst/>
+        </a:prstGeom>
+        <a:noFill/>
+        <a:ln>
+          <a:noFill/>
+        </a:ln>
+        <a:effectLst/>
+      </dsp:spPr>
+      <dsp:style>
+        <a:lnRef idx="0">
+          <a:scrgbClr r="0" g="0" b="0"/>
+        </a:lnRef>
+        <a:fillRef idx="0">
+          <a:scrgbClr r="0" g="0" b="0"/>
+        </a:fillRef>
+        <a:effectRef idx="0">
+          <a:scrgbClr r="0" g="0" b="0"/>
+        </a:effectRef>
+        <a:fontRef idx="minor"/>
+      </dsp:style>
+      <dsp:txBody>
+        <a:bodyPr spcFirstLastPara="0" vert="horz" wrap="square" lIns="19050" tIns="0" rIns="19050" bIns="0" numCol="1" spcCol="1270" anchor="ctr" anchorCtr="0">
+          <a:noAutofit/>
+        </a:bodyPr>
+        <a:lstStyle/>
+        <a:p>
+          <a:pPr lvl="0" algn="l" defTabSz="222250">
+            <a:lnSpc>
+              <a:spcPct val="90000"/>
+            </a:lnSpc>
+            <a:spcBef>
+              <a:spcPct val="0"/>
+            </a:spcBef>
+            <a:spcAft>
+              <a:spcPct val="35000"/>
+            </a:spcAft>
+          </a:pPr>
+          <a:endParaRPr lang="en-US" sz="500" kern="1200"/>
+        </a:p>
+      </dsp:txBody>
+      <dsp:txXfrm>
+        <a:off x="2480248" y="1612779"/>
+        <a:ext cx="58095" cy="524957"/>
+      </dsp:txXfrm>
+    </dsp:sp>
   </dsp:spTree>
 </dsp:drawing>
 </file>
@@ -3480,6 +4473,428 @@
       <dsp:cNvGrpSpPr/>
     </dsp:nvGrpSpPr>
     <dsp:grpSpPr/>
+    <dsp:sp modelId="{29385226-9B4C-4F58-8457-5AB3AA1AC5BB}">
+      <dsp:nvSpPr>
+        <dsp:cNvPr id="0" name=""/>
+        <dsp:cNvSpPr/>
+      </dsp:nvSpPr>
+      <dsp:spPr>
+        <a:xfrm>
+          <a:off x="1010101" y="1875258"/>
+          <a:ext cx="1256398" cy="0"/>
+        </a:xfrm>
+        <a:prstGeom prst="line">
+          <a:avLst/>
+        </a:prstGeom>
+        <a:noFill/>
+        <a:ln w="15875" cap="flat" cmpd="sng" algn="ctr">
+          <a:solidFill>
+            <a:schemeClr val="accent1">
+              <a:shade val="60000"/>
+              <a:hueOff val="0"/>
+              <a:satOff val="0"/>
+              <a:lumOff val="0"/>
+              <a:alphaOff val="0"/>
+            </a:schemeClr>
+          </a:solidFill>
+          <a:prstDash val="solid"/>
+        </a:ln>
+        <a:effectLst/>
+      </dsp:spPr>
+      <dsp:style>
+        <a:lnRef idx="2">
+          <a:scrgbClr r="0" g="0" b="0"/>
+        </a:lnRef>
+        <a:fillRef idx="0">
+          <a:scrgbClr r="0" g="0" b="0"/>
+        </a:fillRef>
+        <a:effectRef idx="0">
+          <a:scrgbClr r="0" g="0" b="0"/>
+        </a:effectRef>
+        <a:fontRef idx="minor"/>
+      </dsp:style>
+    </dsp:sp>
+    <dsp:sp modelId="{8E3C74F7-8E7E-406C-8F07-CAA80534AC2B}">
+      <dsp:nvSpPr>
+        <dsp:cNvPr id="0" name=""/>
+        <dsp:cNvSpPr/>
+      </dsp:nvSpPr>
+      <dsp:spPr>
+        <a:xfrm>
+          <a:off x="1010101" y="1000329"/>
+          <a:ext cx="1256398" cy="0"/>
+        </a:xfrm>
+        <a:prstGeom prst="line">
+          <a:avLst/>
+        </a:prstGeom>
+        <a:noFill/>
+        <a:ln w="15875" cap="flat" cmpd="sng" algn="ctr">
+          <a:solidFill>
+            <a:schemeClr val="accent1">
+              <a:shade val="60000"/>
+              <a:hueOff val="0"/>
+              <a:satOff val="0"/>
+              <a:lumOff val="0"/>
+              <a:alphaOff val="0"/>
+            </a:schemeClr>
+          </a:solidFill>
+          <a:prstDash val="solid"/>
+        </a:ln>
+        <a:effectLst/>
+      </dsp:spPr>
+      <dsp:style>
+        <a:lnRef idx="2">
+          <a:scrgbClr r="0" g="0" b="0"/>
+        </a:lnRef>
+        <a:fillRef idx="0">
+          <a:scrgbClr r="0" g="0" b="0"/>
+        </a:fillRef>
+        <a:effectRef idx="0">
+          <a:scrgbClr r="0" g="0" b="0"/>
+        </a:effectRef>
+        <a:fontRef idx="minor"/>
+      </dsp:style>
+    </dsp:sp>
+    <dsp:sp modelId="{102B0FEB-2C79-4C0B-A880-F173FA41F8E2}">
+      <dsp:nvSpPr>
+        <dsp:cNvPr id="0" name=""/>
+        <dsp:cNvSpPr/>
+      </dsp:nvSpPr>
+      <dsp:spPr>
+        <a:xfrm>
+          <a:off x="310158" y="737850"/>
+          <a:ext cx="1399886" cy="1399886"/>
+        </a:xfrm>
+        <a:prstGeom prst="ellipse">
+          <a:avLst/>
+        </a:prstGeom>
+        <a:blipFill>
+          <a:blip xmlns:r="http://schemas.openxmlformats.org/officeDocument/2006/relationships" r:embed="rId1">
+            <a:extLst>
+              <a:ext uri="{28A0092B-C50C-407E-A947-70E740481C1C}">
+                <a14:useLocalDpi xmlns:a14="http://schemas.microsoft.com/office/drawing/2010/main" val="0"/>
+              </a:ext>
+            </a:extLst>
+          </a:blip>
+          <a:srcRect/>
+          <a:stretch>
+            <a:fillRect/>
+          </a:stretch>
+        </a:blipFill>
+        <a:ln w="15875" cap="flat" cmpd="sng" algn="ctr">
+          <a:solidFill>
+            <a:schemeClr val="lt1">
+              <a:hueOff val="0"/>
+              <a:satOff val="0"/>
+              <a:lumOff val="0"/>
+              <a:alphaOff val="0"/>
+            </a:schemeClr>
+          </a:solidFill>
+          <a:prstDash val="solid"/>
+        </a:ln>
+        <a:effectLst/>
+      </dsp:spPr>
+      <dsp:style>
+        <a:lnRef idx="2">
+          <a:scrgbClr r="0" g="0" b="0"/>
+        </a:lnRef>
+        <a:fillRef idx="1">
+          <a:scrgbClr r="0" g="0" b="0"/>
+        </a:fillRef>
+        <a:effectRef idx="0">
+          <a:scrgbClr r="0" g="0" b="0"/>
+        </a:effectRef>
+        <a:fontRef idx="minor"/>
+      </dsp:style>
+    </dsp:sp>
+    <dsp:sp modelId="{C816E364-B771-48D9-B2C9-859663A9D561}">
+      <dsp:nvSpPr>
+        <dsp:cNvPr id="0" name=""/>
+        <dsp:cNvSpPr/>
+      </dsp:nvSpPr>
+      <dsp:spPr>
+        <a:xfrm>
+          <a:off x="312586" y="1948719"/>
+          <a:ext cx="1594804" cy="461962"/>
+        </a:xfrm>
+        <a:prstGeom prst="rect">
+          <a:avLst/>
+        </a:prstGeom>
+        <a:noFill/>
+        <a:ln w="15875" cap="flat" cmpd="sng" algn="ctr">
+          <a:noFill/>
+          <a:prstDash val="solid"/>
+        </a:ln>
+        <a:effectLst/>
+        <a:sp3d/>
+      </dsp:spPr>
+      <dsp:style>
+        <a:lnRef idx="2">
+          <a:scrgbClr r="0" g="0" b="0"/>
+        </a:lnRef>
+        <a:fillRef idx="1">
+          <a:scrgbClr r="0" g="0" b="0"/>
+        </a:fillRef>
+        <a:effectRef idx="0">
+          <a:scrgbClr r="0" g="0" b="0"/>
+        </a:effectRef>
+        <a:fontRef idx="minor">
+          <a:schemeClr val="lt1"/>
+        </a:fontRef>
+      </dsp:style>
+      <dsp:txBody>
+        <a:bodyPr spcFirstLastPara="0" vert="horz" wrap="square" lIns="0" tIns="0" rIns="0" bIns="0" numCol="1" spcCol="1270" anchor="b" anchorCtr="0">
+          <a:noAutofit/>
+        </a:bodyPr>
+        <a:lstStyle/>
+        <a:p>
+          <a:pPr lvl="0" algn="ctr" defTabSz="800100">
+            <a:lnSpc>
+              <a:spcPct val="90000"/>
+            </a:lnSpc>
+            <a:spcBef>
+              <a:spcPct val="0"/>
+            </a:spcBef>
+            <a:spcAft>
+              <a:spcPct val="35000"/>
+            </a:spcAft>
+          </a:pPr>
+          <a:r>
+            <a:rPr lang="en-US" sz="1800" kern="1200" dirty="0" smtClean="0">
+              <a:solidFill>
+                <a:srgbClr val="002060"/>
+              </a:solidFill>
+            </a:rPr>
+            <a:t>Energy  Saving</a:t>
+          </a:r>
+          <a:endParaRPr lang="en-US" sz="1800" kern="1200" dirty="0">
+            <a:solidFill>
+              <a:srgbClr val="002060"/>
+            </a:solidFill>
+          </a:endParaRPr>
+        </a:p>
+      </dsp:txBody>
+      <dsp:txXfrm>
+        <a:off x="312586" y="1948719"/>
+        <a:ext cx="1594804" cy="461962"/>
+      </dsp:txXfrm>
+    </dsp:sp>
+    <dsp:sp modelId="{6F9F7AF7-0896-4453-8938-36BFA1083524}">
+      <dsp:nvSpPr>
+        <dsp:cNvPr id="0" name=""/>
+        <dsp:cNvSpPr/>
+      </dsp:nvSpPr>
+      <dsp:spPr>
+        <a:xfrm>
+          <a:off x="2004020" y="737850"/>
+          <a:ext cx="524957" cy="524957"/>
+        </a:xfrm>
+        <a:prstGeom prst="ellipse">
+          <a:avLst/>
+        </a:prstGeom>
+        <a:blipFill>
+          <a:blip xmlns:r="http://schemas.openxmlformats.org/officeDocument/2006/relationships" r:embed="rId2">
+            <a:extLst>
+              <a:ext uri="{28A0092B-C50C-407E-A947-70E740481C1C}">
+                <a14:useLocalDpi xmlns:a14="http://schemas.microsoft.com/office/drawing/2010/main" val="0"/>
+              </a:ext>
+            </a:extLst>
+          </a:blip>
+          <a:srcRect/>
+          <a:stretch>
+            <a:fillRect/>
+          </a:stretch>
+        </a:blipFill>
+        <a:ln w="15875" cap="flat" cmpd="sng" algn="ctr">
+          <a:solidFill>
+            <a:schemeClr val="lt1">
+              <a:hueOff val="0"/>
+              <a:satOff val="0"/>
+              <a:lumOff val="0"/>
+              <a:alphaOff val="0"/>
+            </a:schemeClr>
+          </a:solidFill>
+          <a:prstDash val="solid"/>
+        </a:ln>
+        <a:effectLst/>
+      </dsp:spPr>
+      <dsp:style>
+        <a:lnRef idx="2">
+          <a:scrgbClr r="0" g="0" b="0"/>
+        </a:lnRef>
+        <a:fillRef idx="1">
+          <a:scrgbClr r="0" g="0" b="0"/>
+        </a:fillRef>
+        <a:effectRef idx="0">
+          <a:scrgbClr r="0" g="0" b="0"/>
+        </a:effectRef>
+        <a:fontRef idx="minor"/>
+      </dsp:style>
+    </dsp:sp>
+    <dsp:sp modelId="{4A44FB93-5AA3-4163-B2BE-401183C04FA2}">
+      <dsp:nvSpPr>
+        <dsp:cNvPr id="0" name=""/>
+        <dsp:cNvSpPr/>
+      </dsp:nvSpPr>
+      <dsp:spPr>
+        <a:xfrm>
+          <a:off x="2528978" y="737850"/>
+          <a:ext cx="58095" cy="524957"/>
+        </a:xfrm>
+        <a:prstGeom prst="rect">
+          <a:avLst/>
+        </a:prstGeom>
+        <a:noFill/>
+        <a:ln>
+          <a:noFill/>
+        </a:ln>
+        <a:effectLst/>
+      </dsp:spPr>
+      <dsp:style>
+        <a:lnRef idx="0">
+          <a:scrgbClr r="0" g="0" b="0"/>
+        </a:lnRef>
+        <a:fillRef idx="0">
+          <a:scrgbClr r="0" g="0" b="0"/>
+        </a:fillRef>
+        <a:effectRef idx="0">
+          <a:scrgbClr r="0" g="0" b="0"/>
+        </a:effectRef>
+        <a:fontRef idx="minor"/>
+      </dsp:style>
+      <dsp:txBody>
+        <a:bodyPr spcFirstLastPara="0" vert="horz" wrap="square" lIns="19050" tIns="0" rIns="19050" bIns="0" numCol="1" spcCol="1270" anchor="ctr" anchorCtr="0">
+          <a:noAutofit/>
+        </a:bodyPr>
+        <a:lstStyle/>
+        <a:p>
+          <a:pPr lvl="0" algn="l" defTabSz="222250">
+            <a:lnSpc>
+              <a:spcPct val="90000"/>
+            </a:lnSpc>
+            <a:spcBef>
+              <a:spcPct val="0"/>
+            </a:spcBef>
+            <a:spcAft>
+              <a:spcPct val="35000"/>
+            </a:spcAft>
+          </a:pPr>
+          <a:endParaRPr lang="en-US" sz="500" kern="1200" dirty="0"/>
+        </a:p>
+      </dsp:txBody>
+      <dsp:txXfrm>
+        <a:off x="2528978" y="737850"/>
+        <a:ext cx="58095" cy="524957"/>
+      </dsp:txXfrm>
+    </dsp:sp>
+    <dsp:sp modelId="{D9F18C37-13F1-4897-BD78-B2D73C9CEC35}">
+      <dsp:nvSpPr>
+        <dsp:cNvPr id="0" name=""/>
+        <dsp:cNvSpPr/>
+      </dsp:nvSpPr>
+      <dsp:spPr>
+        <a:xfrm>
+          <a:off x="2004020" y="1612779"/>
+          <a:ext cx="524957" cy="524957"/>
+        </a:xfrm>
+        <a:prstGeom prst="ellipse">
+          <a:avLst/>
+        </a:prstGeom>
+        <a:blipFill>
+          <a:blip xmlns:r="http://schemas.openxmlformats.org/officeDocument/2006/relationships" r:embed="rId2">
+            <a:extLst>
+              <a:ext uri="{28A0092B-C50C-407E-A947-70E740481C1C}">
+                <a14:useLocalDpi xmlns:a14="http://schemas.microsoft.com/office/drawing/2010/main" val="0"/>
+              </a:ext>
+            </a:extLst>
+          </a:blip>
+          <a:srcRect/>
+          <a:stretch>
+            <a:fillRect/>
+          </a:stretch>
+        </a:blipFill>
+        <a:ln w="15875" cap="flat" cmpd="sng" algn="ctr">
+          <a:solidFill>
+            <a:schemeClr val="lt1">
+              <a:hueOff val="0"/>
+              <a:satOff val="0"/>
+              <a:lumOff val="0"/>
+              <a:alphaOff val="0"/>
+            </a:schemeClr>
+          </a:solidFill>
+          <a:prstDash val="solid"/>
+        </a:ln>
+        <a:effectLst/>
+      </dsp:spPr>
+      <dsp:style>
+        <a:lnRef idx="2">
+          <a:scrgbClr r="0" g="0" b="0"/>
+        </a:lnRef>
+        <a:fillRef idx="1">
+          <a:scrgbClr r="0" g="0" b="0"/>
+        </a:fillRef>
+        <a:effectRef idx="0">
+          <a:scrgbClr r="0" g="0" b="0"/>
+        </a:effectRef>
+        <a:fontRef idx="minor"/>
+      </dsp:style>
+    </dsp:sp>
+    <dsp:sp modelId="{B7871CA1-FC24-42BC-A70F-44A5D62C8E6F}">
+      <dsp:nvSpPr>
+        <dsp:cNvPr id="0" name=""/>
+        <dsp:cNvSpPr/>
+      </dsp:nvSpPr>
+      <dsp:spPr>
+        <a:xfrm>
+          <a:off x="2528978" y="1612779"/>
+          <a:ext cx="58095" cy="524957"/>
+        </a:xfrm>
+        <a:prstGeom prst="rect">
+          <a:avLst/>
+        </a:prstGeom>
+        <a:noFill/>
+        <a:ln>
+          <a:noFill/>
+        </a:ln>
+        <a:effectLst/>
+      </dsp:spPr>
+      <dsp:style>
+        <a:lnRef idx="0">
+          <a:scrgbClr r="0" g="0" b="0"/>
+        </a:lnRef>
+        <a:fillRef idx="0">
+          <a:scrgbClr r="0" g="0" b="0"/>
+        </a:fillRef>
+        <a:effectRef idx="0">
+          <a:scrgbClr r="0" g="0" b="0"/>
+        </a:effectRef>
+        <a:fontRef idx="minor"/>
+      </dsp:style>
+      <dsp:txBody>
+        <a:bodyPr spcFirstLastPara="0" vert="horz" wrap="square" lIns="19050" tIns="0" rIns="19050" bIns="0" numCol="1" spcCol="1270" anchor="ctr" anchorCtr="0">
+          <a:noAutofit/>
+        </a:bodyPr>
+        <a:lstStyle/>
+        <a:p>
+          <a:pPr lvl="0" algn="l" defTabSz="222250">
+            <a:lnSpc>
+              <a:spcPct val="90000"/>
+            </a:lnSpc>
+            <a:spcBef>
+              <a:spcPct val="0"/>
+            </a:spcBef>
+            <a:spcAft>
+              <a:spcPct val="35000"/>
+            </a:spcAft>
+          </a:pPr>
+          <a:endParaRPr lang="en-US" sz="500" kern="1200"/>
+        </a:p>
+      </dsp:txBody>
+      <dsp:txXfrm>
+        <a:off x="2528978" y="1612779"/>
+        <a:ext cx="58095" cy="524957"/>
+      </dsp:txXfrm>
+    </dsp:sp>
   </dsp:spTree>
 </dsp:drawing>
 </file>
@@ -17234,6 +18649,129 @@
           </a:fontRef>
         </p:style>
       </p:cxnSp>
+      <p:pic>
+        <p:nvPicPr>
+          <p:cNvPr id="1026" name="Picture 2" descr="https://cdn2.iconfinder.com/data/icons/startup/512/invent-512.png"/>
+          <p:cNvPicPr>
+            <a:picLocks noChangeAspect="1" noChangeArrowheads="1"/>
+          </p:cNvPicPr>
+          <p:nvPr/>
+        </p:nvPicPr>
+        <p:blipFill>
+          <a:blip r:embed="rId5">
+            <a:extLst>
+              <a:ext uri="{28A0092B-C50C-407E-A947-70E740481C1C}">
+                <a14:useLocalDpi xmlns:a14="http://schemas.microsoft.com/office/drawing/2010/main" val="0"/>
+              </a:ext>
+            </a:extLst>
+          </a:blip>
+          <a:srcRect/>
+          <a:stretch>
+            <a:fillRect/>
+          </a:stretch>
+        </p:blipFill>
+        <p:spPr bwMode="auto">
+          <a:xfrm>
+            <a:off x="205448" y="3352754"/>
+            <a:ext cx="522577" cy="522577"/>
+          </a:xfrm>
+          <a:prstGeom prst="rect">
+            <a:avLst/>
+          </a:prstGeom>
+          <a:noFill/>
+          <a:extLst>
+            <a:ext uri="{909E8E84-426E-40DD-AFC4-6F175D3DCCD1}">
+              <a14:hiddenFill xmlns:a14="http://schemas.microsoft.com/office/drawing/2010/main">
+                <a:solidFill>
+                  <a:srgbClr val="FFFFFF"/>
+                </a:solidFill>
+              </a14:hiddenFill>
+            </a:ext>
+          </a:extLst>
+        </p:spPr>
+      </p:pic>
+      <p:pic>
+        <p:nvPicPr>
+          <p:cNvPr id="42" name="Picture 2" descr="https://cdn2.iconfinder.com/data/icons/startup/512/invent-512.png"/>
+          <p:cNvPicPr>
+            <a:picLocks noChangeAspect="1" noChangeArrowheads="1"/>
+          </p:cNvPicPr>
+          <p:nvPr/>
+        </p:nvPicPr>
+        <p:blipFill>
+          <a:blip r:embed="rId5">
+            <a:extLst>
+              <a:ext uri="{28A0092B-C50C-407E-A947-70E740481C1C}">
+                <a14:useLocalDpi xmlns:a14="http://schemas.microsoft.com/office/drawing/2010/main" val="0"/>
+              </a:ext>
+            </a:extLst>
+          </a:blip>
+          <a:srcRect/>
+          <a:stretch>
+            <a:fillRect/>
+          </a:stretch>
+        </p:blipFill>
+        <p:spPr bwMode="auto">
+          <a:xfrm>
+            <a:off x="9771088" y="4616680"/>
+            <a:ext cx="522577" cy="522577"/>
+          </a:xfrm>
+          <a:prstGeom prst="rect">
+            <a:avLst/>
+          </a:prstGeom>
+          <a:noFill/>
+          <a:extLst>
+            <a:ext uri="{909E8E84-426E-40DD-AFC4-6F175D3DCCD1}">
+              <a14:hiddenFill xmlns:a14="http://schemas.microsoft.com/office/drawing/2010/main">
+                <a:solidFill>
+                  <a:srgbClr val="FFFFFF"/>
+                </a:solidFill>
+              </a14:hiddenFill>
+            </a:ext>
+          </a:extLst>
+        </p:spPr>
+      </p:pic>
+      <p:pic>
+        <p:nvPicPr>
+          <p:cNvPr id="43" name="Picture 2" descr="https://cdn2.iconfinder.com/data/icons/startup/512/invent-512.png"/>
+          <p:cNvPicPr>
+            <a:picLocks noChangeAspect="1" noChangeArrowheads="1"/>
+          </p:cNvPicPr>
+          <p:nvPr/>
+        </p:nvPicPr>
+        <p:blipFill>
+          <a:blip r:embed="rId5">
+            <a:extLst>
+              <a:ext uri="{28A0092B-C50C-407E-A947-70E740481C1C}">
+                <a14:useLocalDpi xmlns:a14="http://schemas.microsoft.com/office/drawing/2010/main" val="0"/>
+              </a:ext>
+            </a:extLst>
+          </a:blip>
+          <a:srcRect/>
+          <a:stretch>
+            <a:fillRect/>
+          </a:stretch>
+        </p:blipFill>
+        <p:spPr bwMode="auto">
+          <a:xfrm>
+            <a:off x="5977502" y="1573533"/>
+            <a:ext cx="522577" cy="522577"/>
+          </a:xfrm>
+          <a:prstGeom prst="rect">
+            <a:avLst/>
+          </a:prstGeom>
+          <a:noFill/>
+          <a:extLst>
+            <a:ext uri="{909E8E84-426E-40DD-AFC4-6F175D3DCCD1}">
+              <a14:hiddenFill xmlns:a14="http://schemas.microsoft.com/office/drawing/2010/main">
+                <a:solidFill>
+                  <a:srgbClr val="FFFFFF"/>
+                </a:solidFill>
+              </a14:hiddenFill>
+            </a:ext>
+          </a:extLst>
+        </p:spPr>
+      </p:pic>
     </p:spTree>
     <p:extLst>
       <p:ext uri="{BB962C8B-B14F-4D97-AF65-F5344CB8AC3E}">

--- a/Presentation/presentation.pptx
+++ b/Presentation/presentation.pptx
@@ -17386,21 +17386,8 @@
                   <a:srgbClr val="00B050"/>
                 </a:solidFill>
               </a:rPr>
-              <a:t>Free ads </a:t>
+              <a:t>Free ads for municipalities</a:t>
             </a:r>
-            <a:r>
-              <a:rPr lang="en-US" sz="1600" smtClean="0">
-                <a:solidFill>
-                  <a:srgbClr val="00B050"/>
-                </a:solidFill>
-              </a:rPr>
-              <a:t>for municipalities</a:t>
-            </a:r>
-            <a:endParaRPr lang="en-US" sz="1600" dirty="0" smtClean="0">
-              <a:solidFill>
-                <a:srgbClr val="00B050"/>
-              </a:solidFill>
-            </a:endParaRPr>
           </a:p>
           <a:p>
             <a:endParaRPr lang="en-US" sz="1600" dirty="0" smtClean="0">
@@ -18944,7 +18931,7 @@
         </p:blipFill>
         <p:spPr>
           <a:xfrm>
-            <a:off x="1764434" y="1916480"/>
+            <a:off x="39956" y="1901491"/>
             <a:ext cx="1713237" cy="2923538"/>
           </a:xfrm>
           <a:prstGeom prst="rect">
@@ -19004,7 +18991,7 @@
         </p:blipFill>
         <p:spPr>
           <a:xfrm>
-            <a:off x="79659" y="1916481"/>
+            <a:off x="1803226" y="1904111"/>
             <a:ext cx="1647870" cy="2929547"/>
           </a:xfrm>
           <a:prstGeom prst="rect">

--- a/Presentation/presentation.pptx
+++ b/Presentation/presentation.pptx
@@ -16398,29 +16398,360 @@
       </p:sp>
       <p:sp>
         <p:nvSpPr>
-          <p:cNvPr id="6" name="Textfeld 5"/>
-          <p:cNvSpPr txBox="1"/>
+          <p:cNvPr id="17" name="Sechseck 16"/>
+          <p:cNvSpPr/>
           <p:nvPr/>
         </p:nvSpPr>
         <p:spPr>
           <a:xfrm>
-            <a:off x="8350135" y="3091531"/>
-            <a:ext cx="2805545" cy="1200329"/>
+            <a:off x="7547374" y="628443"/>
+            <a:ext cx="1149705" cy="987056"/>
+          </a:xfrm>
+          <a:prstGeom prst="hexagon">
+            <a:avLst>
+              <a:gd name="adj" fmla="val 25000"/>
+              <a:gd name="vf" fmla="val 115470"/>
+            </a:avLst>
+          </a:prstGeom>
+          <a:blipFill rotWithShape="1">
+            <a:blip r:embed="rId3"/>
+            <a:stretch>
+              <a:fillRect/>
+            </a:stretch>
+          </a:blipFill>
+        </p:spPr>
+        <p:style>
+          <a:lnRef idx="2">
+            <a:schemeClr val="accent1">
+              <a:hueOff val="0"/>
+              <a:satOff val="0"/>
+              <a:lumOff val="0"/>
+              <a:alphaOff val="0"/>
+            </a:schemeClr>
+          </a:lnRef>
+          <a:fillRef idx="1">
+            <a:scrgbClr r="0" g="0" b="0"/>
+          </a:fillRef>
+          <a:effectRef idx="0">
+            <a:schemeClr val="lt1">
+              <a:alpha val="90000"/>
+              <a:hueOff val="0"/>
+              <a:satOff val="0"/>
+              <a:lumOff val="0"/>
+              <a:alphaOff val="0"/>
+            </a:schemeClr>
+          </a:effectRef>
+          <a:fontRef idx="minor">
+            <a:schemeClr val="dk1">
+              <a:hueOff val="0"/>
+              <a:satOff val="0"/>
+              <a:lumOff val="0"/>
+              <a:alphaOff val="0"/>
+            </a:schemeClr>
+          </a:fontRef>
+        </p:style>
+      </p:sp>
+      <p:grpSp>
+        <p:nvGrpSpPr>
+          <p:cNvPr id="18" name="Gruppieren 17"/>
+          <p:cNvGrpSpPr/>
+          <p:nvPr/>
+        </p:nvGrpSpPr>
+        <p:grpSpPr>
+          <a:xfrm>
+            <a:off x="8513729" y="1138597"/>
+            <a:ext cx="1149705" cy="987056"/>
+            <a:chOff x="1978761" y="1809734"/>
+            <a:chExt cx="1149705" cy="987056"/>
+          </a:xfrm>
+        </p:grpSpPr>
+        <p:sp>
+          <p:nvSpPr>
+            <p:cNvPr id="19" name="Sechseck 18"/>
+            <p:cNvSpPr/>
+            <p:nvPr/>
+          </p:nvSpPr>
+          <p:spPr>
+            <a:xfrm>
+              <a:off x="1978761" y="1809734"/>
+              <a:ext cx="1149705" cy="987056"/>
+            </a:xfrm>
+            <a:prstGeom prst="hexagon">
+              <a:avLst>
+                <a:gd name="adj" fmla="val 25000"/>
+                <a:gd name="vf" fmla="val 115470"/>
+              </a:avLst>
+            </a:prstGeom>
+            <a:blipFill rotWithShape="0">
+              <a:blip r:embed="rId4"/>
+              <a:stretch>
+                <a:fillRect/>
+              </a:stretch>
+            </a:blipFill>
+          </p:spPr>
+          <p:style>
+            <a:lnRef idx="2">
+              <a:schemeClr val="accent1">
+                <a:hueOff val="0"/>
+                <a:satOff val="0"/>
+                <a:lumOff val="0"/>
+                <a:alphaOff val="0"/>
+              </a:schemeClr>
+            </a:lnRef>
+            <a:fillRef idx="1">
+              <a:scrgbClr r="0" g="0" b="0"/>
+            </a:fillRef>
+            <a:effectRef idx="0">
+              <a:schemeClr val="accent1">
+                <a:hueOff val="0"/>
+                <a:satOff val="0"/>
+                <a:lumOff val="0"/>
+                <a:alphaOff val="0"/>
+              </a:schemeClr>
+            </a:effectRef>
+            <a:fontRef idx="minor">
+              <a:schemeClr val="lt1"/>
+            </a:fontRef>
+          </p:style>
+        </p:sp>
+        <p:sp>
+          <p:nvSpPr>
+            <p:cNvPr id="20" name="Sechseck 4"/>
+            <p:cNvSpPr/>
+            <p:nvPr/>
+          </p:nvSpPr>
+          <p:spPr>
+            <a:xfrm>
+              <a:off x="2156824" y="1962607"/>
+              <a:ext cx="793579" cy="681310"/>
+            </a:xfrm>
+            <a:prstGeom prst="rect">
+              <a:avLst/>
+            </a:prstGeom>
+          </p:spPr>
+          <p:style>
+            <a:lnRef idx="0">
+              <a:scrgbClr r="0" g="0" b="0"/>
+            </a:lnRef>
+            <a:fillRef idx="0">
+              <a:scrgbClr r="0" g="0" b="0"/>
+            </a:fillRef>
+            <a:effectRef idx="0">
+              <a:scrgbClr r="0" g="0" b="0"/>
+            </a:effectRef>
+            <a:fontRef idx="minor">
+              <a:schemeClr val="lt1"/>
+            </a:fontRef>
+          </p:style>
+          <p:txBody>
+            <a:bodyPr spcFirstLastPara="0" vert="horz" wrap="square" lIns="0" tIns="15240" rIns="0" bIns="15240" numCol="1" spcCol="1270" anchor="ctr" anchorCtr="0">
+              <a:noAutofit/>
+            </a:bodyPr>
+            <a:lstStyle/>
+            <a:p>
+              <a:pPr lvl="0" algn="ctr" defTabSz="533400">
+                <a:lnSpc>
+                  <a:spcPct val="90000"/>
+                </a:lnSpc>
+                <a:spcBef>
+                  <a:spcPct val="0"/>
+                </a:spcBef>
+                <a:spcAft>
+                  <a:spcPct val="35000"/>
+                </a:spcAft>
+              </a:pPr>
+              <a:endParaRPr lang="en-US" sz="1200" kern="1200" dirty="0"/>
+            </a:p>
+          </p:txBody>
+        </p:sp>
+      </p:grpSp>
+      <p:grpSp>
+        <p:nvGrpSpPr>
+          <p:cNvPr id="26" name="Gruppieren 25"/>
+          <p:cNvGrpSpPr/>
+          <p:nvPr/>
+        </p:nvGrpSpPr>
+        <p:grpSpPr>
+          <a:xfrm>
+            <a:off x="7542087" y="1654182"/>
+            <a:ext cx="1149705" cy="987056"/>
+            <a:chOff x="989380" y="1267208"/>
+            <a:chExt cx="1149705" cy="987056"/>
+          </a:xfrm>
+        </p:grpSpPr>
+        <p:sp>
+          <p:nvSpPr>
+            <p:cNvPr id="27" name="Sechseck 26"/>
+            <p:cNvSpPr/>
+            <p:nvPr/>
+          </p:nvSpPr>
+          <p:spPr>
+            <a:xfrm>
+              <a:off x="989380" y="1267208"/>
+              <a:ext cx="1149705" cy="987056"/>
+            </a:xfrm>
+            <a:prstGeom prst="hexagon">
+              <a:avLst>
+                <a:gd name="adj" fmla="val 25000"/>
+                <a:gd name="vf" fmla="val 115470"/>
+              </a:avLst>
+            </a:prstGeom>
+            <a:blipFill rotWithShape="0">
+              <a:blip r:embed="rId5"/>
+              <a:stretch>
+                <a:fillRect/>
+              </a:stretch>
+            </a:blipFill>
+          </p:spPr>
+          <p:style>
+            <a:lnRef idx="2">
+              <a:schemeClr val="accent1">
+                <a:hueOff val="0"/>
+                <a:satOff val="0"/>
+                <a:lumOff val="0"/>
+                <a:alphaOff val="0"/>
+              </a:schemeClr>
+            </a:lnRef>
+            <a:fillRef idx="1">
+              <a:scrgbClr r="0" g="0" b="0"/>
+            </a:fillRef>
+            <a:effectRef idx="0">
+              <a:schemeClr val="accent1">
+                <a:hueOff val="0"/>
+                <a:satOff val="0"/>
+                <a:lumOff val="0"/>
+                <a:alphaOff val="0"/>
+              </a:schemeClr>
+            </a:effectRef>
+            <a:fontRef idx="minor">
+              <a:schemeClr val="lt1"/>
+            </a:fontRef>
+          </p:style>
+        </p:sp>
+        <p:sp>
+          <p:nvSpPr>
+            <p:cNvPr id="28" name="Sechseck 4"/>
+            <p:cNvSpPr/>
+            <p:nvPr/>
+          </p:nvSpPr>
+          <p:spPr>
+            <a:xfrm>
+              <a:off x="1167443" y="1420081"/>
+              <a:ext cx="793579" cy="681310"/>
+            </a:xfrm>
+            <a:prstGeom prst="rect">
+              <a:avLst/>
+            </a:prstGeom>
+          </p:spPr>
+          <p:style>
+            <a:lnRef idx="0">
+              <a:scrgbClr r="0" g="0" b="0"/>
+            </a:lnRef>
+            <a:fillRef idx="0">
+              <a:scrgbClr r="0" g="0" b="0"/>
+            </a:fillRef>
+            <a:effectRef idx="0">
+              <a:scrgbClr r="0" g="0" b="0"/>
+            </a:effectRef>
+            <a:fontRef idx="minor">
+              <a:schemeClr val="lt1"/>
+            </a:fontRef>
+          </p:style>
+          <p:txBody>
+            <a:bodyPr spcFirstLastPara="0" vert="horz" wrap="square" lIns="0" tIns="15240" rIns="0" bIns="15240" numCol="1" spcCol="1270" anchor="t" anchorCtr="0">
+              <a:noAutofit/>
+            </a:bodyPr>
+            <a:lstStyle/>
+            <a:p>
+              <a:pPr lvl="0" algn="l" defTabSz="533400">
+                <a:lnSpc>
+                  <a:spcPct val="90000"/>
+                </a:lnSpc>
+                <a:spcBef>
+                  <a:spcPct val="0"/>
+                </a:spcBef>
+                <a:spcAft>
+                  <a:spcPct val="35000"/>
+                </a:spcAft>
+              </a:pPr>
+              <a:r>
+                <a:rPr lang="en-US" sz="1200" kern="1200" dirty="0" smtClean="0"/>
+                <a:t> </a:t>
+              </a:r>
+              <a:endParaRPr lang="en-US" sz="1200" kern="1200" dirty="0"/>
+            </a:p>
+            <a:p>
+              <a:pPr marL="57150" lvl="1" indent="-57150" algn="l" defTabSz="400050">
+                <a:lnSpc>
+                  <a:spcPct val="90000"/>
+                </a:lnSpc>
+                <a:spcBef>
+                  <a:spcPct val="0"/>
+                </a:spcBef>
+                <a:spcAft>
+                  <a:spcPct val="15000"/>
+                </a:spcAft>
+                <a:buChar char="••"/>
+              </a:pPr>
+              <a:endParaRPr lang="en-US" sz="900" kern="1200"/>
+            </a:p>
+            <a:p>
+              <a:pPr marL="57150" lvl="1" indent="-57150" algn="l" defTabSz="400050">
+                <a:lnSpc>
+                  <a:spcPct val="90000"/>
+                </a:lnSpc>
+                <a:spcBef>
+                  <a:spcPct val="0"/>
+                </a:spcBef>
+                <a:spcAft>
+                  <a:spcPct val="15000"/>
+                </a:spcAft>
+                <a:buChar char="••"/>
+              </a:pPr>
+              <a:endParaRPr lang="en-US" sz="900" kern="1200"/>
+            </a:p>
+            <a:p>
+              <a:pPr marL="57150" lvl="1" indent="-57150" algn="l" defTabSz="400050">
+                <a:lnSpc>
+                  <a:spcPct val="90000"/>
+                </a:lnSpc>
+                <a:spcBef>
+                  <a:spcPct val="0"/>
+                </a:spcBef>
+                <a:spcAft>
+                  <a:spcPct val="15000"/>
+                </a:spcAft>
+                <a:buChar char="••"/>
+              </a:pPr>
+              <a:endParaRPr lang="en-US" sz="900" kern="1200"/>
+            </a:p>
+          </p:txBody>
+        </p:sp>
+      </p:grpSp>
+      <p:sp>
+        <p:nvSpPr>
+          <p:cNvPr id="29" name="Rechteck 28"/>
+          <p:cNvSpPr/>
+          <p:nvPr/>
+        </p:nvSpPr>
+        <p:spPr>
+          <a:xfrm>
+            <a:off x="5497876" y="2172700"/>
+            <a:ext cx="2145138" cy="369332"/>
           </a:xfrm>
           <a:prstGeom prst="rect">
             <a:avLst/>
           </a:prstGeom>
-          <a:noFill/>
         </p:spPr>
         <p:txBody>
-          <a:bodyPr wrap="square" rtlCol="0">
+          <a:bodyPr wrap="none">
             <a:spAutoFit/>
           </a:bodyPr>
           <a:lstStyle/>
           <a:p>
             <a:pPr algn="r"/>
             <a:r>
-              <a:rPr lang="en-US" sz="2400" dirty="0" smtClean="0">
+              <a:rPr lang="en-US" dirty="0">
                 <a:solidFill>
                   <a:schemeClr val="accent5"/>
                 </a:solidFill>
@@ -16428,10 +16759,32 @@
               <a:t>Georgia Alexopoulou</a:t>
             </a:r>
           </a:p>
+        </p:txBody>
+      </p:sp>
+      <p:sp>
+        <p:nvSpPr>
+          <p:cNvPr id="30" name="Rechteck 29"/>
+          <p:cNvSpPr/>
+          <p:nvPr/>
+        </p:nvSpPr>
+        <p:spPr>
+          <a:xfrm>
+            <a:off x="9546768" y="1740576"/>
+            <a:ext cx="1189235" cy="369332"/>
+          </a:xfrm>
+          <a:prstGeom prst="rect">
+            <a:avLst/>
+          </a:prstGeom>
+        </p:spPr>
+        <p:txBody>
+          <a:bodyPr wrap="none">
+            <a:spAutoFit/>
+          </a:bodyPr>
+          <a:lstStyle/>
           <a:p>
             <a:pPr algn="r"/>
             <a:r>
-              <a:rPr lang="en-US" sz="2400" dirty="0" smtClean="0">
+              <a:rPr lang="en-US" dirty="0">
                 <a:solidFill>
                   <a:schemeClr val="accent5"/>
                 </a:solidFill>
@@ -16439,10 +16792,32 @@
               <a:t>Vas Giatilis</a:t>
             </a:r>
           </a:p>
+        </p:txBody>
+      </p:sp>
+      <p:sp>
+        <p:nvSpPr>
+          <p:cNvPr id="31" name="Rechteck 30"/>
+          <p:cNvSpPr/>
+          <p:nvPr/>
+        </p:nvSpPr>
+        <p:spPr>
+          <a:xfrm>
+            <a:off x="5934534" y="509032"/>
+            <a:ext cx="1708480" cy="369332"/>
+          </a:xfrm>
+          <a:prstGeom prst="rect">
+            <a:avLst/>
+          </a:prstGeom>
+        </p:spPr>
+        <p:txBody>
+          <a:bodyPr wrap="none">
+            <a:spAutoFit/>
+          </a:bodyPr>
+          <a:lstStyle/>
           <a:p>
             <a:pPr algn="r"/>
             <a:r>
-              <a:rPr lang="en-US" sz="2400" dirty="0" err="1" smtClean="0">
+              <a:rPr lang="en-US" dirty="0" err="1">
                 <a:solidFill>
                   <a:schemeClr val="accent5"/>
                 </a:solidFill>
@@ -16450,18 +16825,13 @@
               <a:t>Lambros</a:t>
             </a:r>
             <a:r>
-              <a:rPr lang="en-US" sz="2400" dirty="0" smtClean="0">
+              <a:rPr lang="en-US" dirty="0">
                 <a:solidFill>
                   <a:schemeClr val="accent5"/>
                 </a:solidFill>
               </a:rPr>
               <a:t> Pappas</a:t>
             </a:r>
-            <a:endParaRPr lang="en-US" sz="2400" dirty="0">
-              <a:solidFill>
-                <a:schemeClr val="accent5"/>
-              </a:solidFill>
-            </a:endParaRPr>
           </a:p>
         </p:txBody>
       </p:sp>
@@ -17356,8 +17726,21 @@
                   <a:srgbClr val="00B050"/>
                 </a:solidFill>
               </a:rPr>
-              <a:t>Incentives can be provided by municipalities or by total cities</a:t>
+              <a:t>Incentives can be provided by municipalities or by </a:t>
             </a:r>
+            <a:r>
+              <a:rPr lang="en-US" sz="1600" dirty="0" smtClean="0">
+                <a:solidFill>
+                  <a:srgbClr val="00B050"/>
+                </a:solidFill>
+              </a:rPr>
+              <a:t>cities</a:t>
+            </a:r>
+            <a:endParaRPr lang="en-US" sz="1600" dirty="0" smtClean="0">
+              <a:solidFill>
+                <a:srgbClr val="00B050"/>
+              </a:solidFill>
+            </a:endParaRPr>
           </a:p>
           <a:p>
             <a:pPr marL="285750" indent="-285750">
